--- a/criptomonedas/Presentacion.pptx
+++ b/criptomonedas/Presentacion.pptx
@@ -4,16 +4,17 @@
   <p:sldMasterIdLst>
     <p:sldMasterId id="2147483648" r:id="rId2"/>
     <p:sldMasterId id="2147483661" r:id="rId3"/>
+    <p:sldMasterId id="2147483674" r:id="rId4"/>
   </p:sldMasterIdLst>
   <p:sldIdLst>
-    <p:sldId id="256" r:id="rId4"/>
-    <p:sldId id="257" r:id="rId5"/>
-    <p:sldId id="258" r:id="rId6"/>
-    <p:sldId id="259" r:id="rId7"/>
-    <p:sldId id="260" r:id="rId8"/>
-    <p:sldId id="261" r:id="rId9"/>
-    <p:sldId id="262" r:id="rId10"/>
-    <p:sldId id="263" r:id="rId11"/>
+    <p:sldId id="256" r:id="rId5"/>
+    <p:sldId id="257" r:id="rId6"/>
+    <p:sldId id="258" r:id="rId7"/>
+    <p:sldId id="259" r:id="rId8"/>
+    <p:sldId id="260" r:id="rId9"/>
+    <p:sldId id="261" r:id="rId10"/>
+    <p:sldId id="262" r:id="rId11"/>
+    <p:sldId id="263" r:id="rId12"/>
   </p:sldIdLst>
   <p:sldSz cx="12192000" cy="6858000"/>
   <p:notesSz cx="7559675" cy="10691812"/>
@@ -61,7 +62,7 @@
       </p:grpSpPr>
       <p:sp>
         <p:nvSpPr>
-          <p:cNvPr id="40" name="PlaceHolder 1"/>
+          <p:cNvPr id="30" name="PlaceHolder 1"/>
           <p:cNvSpPr>
             <a:spLocks noGrp="1"/>
           </p:cNvSpPr>
@@ -72,7 +73,7 @@
         <p:spPr>
           <a:xfrm>
             <a:off x="2928240" y="1380240"/>
-            <a:ext cx="8574120" cy="2615760"/>
+            <a:ext cx="8573760" cy="2615400"/>
           </a:xfrm>
           <a:prstGeom prst="rect">
             <a:avLst/>
@@ -83,18 +84,16 @@
             <a:noAutofit/>
           </a:bodyPr>
           <a:p>
-            <a:endParaRPr b="0" lang="es-ES" sz="1800" spc="-1" strike="noStrike">
-              <a:solidFill>
-                <a:srgbClr val="000000"/>
-              </a:solidFill>
-              <a:latin typeface="Corbel"/>
-            </a:endParaRPr>
-          </a:p>
-        </p:txBody>
-      </p:sp>
-      <p:sp>
-        <p:nvSpPr>
-          <p:cNvPr id="41" name="PlaceHolder 2"/>
+            <a:pPr algn="ctr"/>
+            <a:endParaRPr b="0" lang="es-ES" sz="4400" spc="-1" strike="noStrike">
+              <a:latin typeface="Arial"/>
+            </a:endParaRPr>
+          </a:p>
+        </p:txBody>
+      </p:sp>
+      <p:sp>
+        <p:nvSpPr>
+          <p:cNvPr id="31" name="PlaceHolder 2"/>
           <p:cNvSpPr>
             <a:spLocks noGrp="1"/>
           </p:cNvSpPr>
@@ -116,18 +115,15 @@
             <a:normAutofit/>
           </a:bodyPr>
           <a:p>
-            <a:endParaRPr b="0" lang="es-ES" sz="2400" spc="-1" strike="noStrike">
-              <a:solidFill>
-                <a:srgbClr val="000000"/>
-              </a:solidFill>
-              <a:latin typeface="Corbel"/>
-            </a:endParaRPr>
-          </a:p>
-        </p:txBody>
-      </p:sp>
-      <p:sp>
-        <p:nvSpPr>
-          <p:cNvPr id="42" name="PlaceHolder 3"/>
+            <a:endParaRPr b="0" lang="es-ES" sz="3200" spc="-1" strike="noStrike">
+              <a:latin typeface="Arial"/>
+            </a:endParaRPr>
+          </a:p>
+        </p:txBody>
+      </p:sp>
+      <p:sp>
+        <p:nvSpPr>
+          <p:cNvPr id="32" name="PlaceHolder 3"/>
           <p:cNvSpPr>
             <a:spLocks noGrp="1"/>
           </p:cNvSpPr>
@@ -149,11 +145,8 @@
             <a:normAutofit/>
           </a:bodyPr>
           <a:p>
-            <a:endParaRPr b="0" lang="es-ES" sz="2400" spc="-1" strike="noStrike">
-              <a:solidFill>
-                <a:srgbClr val="000000"/>
-              </a:solidFill>
-              <a:latin typeface="Corbel"/>
+            <a:endParaRPr b="0" lang="es-ES" sz="3200" spc="-1" strike="noStrike">
+              <a:latin typeface="Arial"/>
             </a:endParaRPr>
           </a:p>
         </p:txBody>
@@ -182,7 +175,7 @@
       </p:grpSpPr>
       <p:sp>
         <p:nvSpPr>
-          <p:cNvPr id="43" name="PlaceHolder 1"/>
+          <p:cNvPr id="33" name="PlaceHolder 1"/>
           <p:cNvSpPr>
             <a:spLocks noGrp="1"/>
           </p:cNvSpPr>
@@ -193,7 +186,7 @@
         <p:spPr>
           <a:xfrm>
             <a:off x="2928240" y="1380240"/>
-            <a:ext cx="8574120" cy="2615760"/>
+            <a:ext cx="8573760" cy="2615400"/>
           </a:xfrm>
           <a:prstGeom prst="rect">
             <a:avLst/>
@@ -204,18 +197,16 @@
             <a:noAutofit/>
           </a:bodyPr>
           <a:p>
-            <a:endParaRPr b="0" lang="es-ES" sz="1800" spc="-1" strike="noStrike">
-              <a:solidFill>
-                <a:srgbClr val="000000"/>
-              </a:solidFill>
-              <a:latin typeface="Corbel"/>
-            </a:endParaRPr>
-          </a:p>
-        </p:txBody>
-      </p:sp>
-      <p:sp>
-        <p:nvSpPr>
-          <p:cNvPr id="44" name="PlaceHolder 2"/>
+            <a:pPr algn="ctr"/>
+            <a:endParaRPr b="0" lang="es-ES" sz="4400" spc="-1" strike="noStrike">
+              <a:latin typeface="Arial"/>
+            </a:endParaRPr>
+          </a:p>
+        </p:txBody>
+      </p:sp>
+      <p:sp>
+        <p:nvSpPr>
+          <p:cNvPr id="34" name="PlaceHolder 2"/>
           <p:cNvSpPr>
             <a:spLocks noGrp="1"/>
           </p:cNvSpPr>
@@ -237,18 +228,15 @@
             <a:normAutofit/>
           </a:bodyPr>
           <a:p>
-            <a:endParaRPr b="0" lang="es-ES" sz="2400" spc="-1" strike="noStrike">
-              <a:solidFill>
-                <a:srgbClr val="000000"/>
-              </a:solidFill>
-              <a:latin typeface="Corbel"/>
-            </a:endParaRPr>
-          </a:p>
-        </p:txBody>
-      </p:sp>
-      <p:sp>
-        <p:nvSpPr>
-          <p:cNvPr id="45" name="PlaceHolder 3"/>
+            <a:endParaRPr b="0" lang="es-ES" sz="3200" spc="-1" strike="noStrike">
+              <a:latin typeface="Arial"/>
+            </a:endParaRPr>
+          </a:p>
+        </p:txBody>
+      </p:sp>
+      <p:sp>
+        <p:nvSpPr>
+          <p:cNvPr id="35" name="PlaceHolder 3"/>
           <p:cNvSpPr>
             <a:spLocks noGrp="1"/>
           </p:cNvSpPr>
@@ -270,18 +258,15 @@
             <a:normAutofit/>
           </a:bodyPr>
           <a:p>
-            <a:endParaRPr b="0" lang="es-ES" sz="2400" spc="-1" strike="noStrike">
-              <a:solidFill>
-                <a:srgbClr val="000000"/>
-              </a:solidFill>
-              <a:latin typeface="Corbel"/>
-            </a:endParaRPr>
-          </a:p>
-        </p:txBody>
-      </p:sp>
-      <p:sp>
-        <p:nvSpPr>
-          <p:cNvPr id="46" name="PlaceHolder 4"/>
+            <a:endParaRPr b="0" lang="es-ES" sz="3200" spc="-1" strike="noStrike">
+              <a:latin typeface="Arial"/>
+            </a:endParaRPr>
+          </a:p>
+        </p:txBody>
+      </p:sp>
+      <p:sp>
+        <p:nvSpPr>
+          <p:cNvPr id="36" name="PlaceHolder 4"/>
           <p:cNvSpPr>
             <a:spLocks noGrp="1"/>
           </p:cNvSpPr>
@@ -303,18 +288,15 @@
             <a:normAutofit/>
           </a:bodyPr>
           <a:p>
-            <a:endParaRPr b="0" lang="es-ES" sz="2400" spc="-1" strike="noStrike">
-              <a:solidFill>
-                <a:srgbClr val="000000"/>
-              </a:solidFill>
-              <a:latin typeface="Corbel"/>
-            </a:endParaRPr>
-          </a:p>
-        </p:txBody>
-      </p:sp>
-      <p:sp>
-        <p:nvSpPr>
-          <p:cNvPr id="47" name="PlaceHolder 5"/>
+            <a:endParaRPr b="0" lang="es-ES" sz="3200" spc="-1" strike="noStrike">
+              <a:latin typeface="Arial"/>
+            </a:endParaRPr>
+          </a:p>
+        </p:txBody>
+      </p:sp>
+      <p:sp>
+        <p:nvSpPr>
+          <p:cNvPr id="37" name="PlaceHolder 5"/>
           <p:cNvSpPr>
             <a:spLocks noGrp="1"/>
           </p:cNvSpPr>
@@ -336,11 +318,8 @@
             <a:normAutofit/>
           </a:bodyPr>
           <a:p>
-            <a:endParaRPr b="0" lang="es-ES" sz="2400" spc="-1" strike="noStrike">
-              <a:solidFill>
-                <a:srgbClr val="000000"/>
-              </a:solidFill>
-              <a:latin typeface="Corbel"/>
+            <a:endParaRPr b="0" lang="es-ES" sz="3200" spc="-1" strike="noStrike">
+              <a:latin typeface="Arial"/>
             </a:endParaRPr>
           </a:p>
         </p:txBody>
@@ -369,7 +348,7 @@
       </p:grpSpPr>
       <p:sp>
         <p:nvSpPr>
-          <p:cNvPr id="48" name="PlaceHolder 1"/>
+          <p:cNvPr id="38" name="PlaceHolder 1"/>
           <p:cNvSpPr>
             <a:spLocks noGrp="1"/>
           </p:cNvSpPr>
@@ -380,7 +359,7 @@
         <p:spPr>
           <a:xfrm>
             <a:off x="2928240" y="1380240"/>
-            <a:ext cx="8574120" cy="2615760"/>
+            <a:ext cx="8573760" cy="2615400"/>
           </a:xfrm>
           <a:prstGeom prst="rect">
             <a:avLst/>
@@ -391,18 +370,16 @@
             <a:noAutofit/>
           </a:bodyPr>
           <a:p>
-            <a:endParaRPr b="0" lang="es-ES" sz="1800" spc="-1" strike="noStrike">
-              <a:solidFill>
-                <a:srgbClr val="000000"/>
-              </a:solidFill>
-              <a:latin typeface="Corbel"/>
-            </a:endParaRPr>
-          </a:p>
-        </p:txBody>
-      </p:sp>
-      <p:sp>
-        <p:nvSpPr>
-          <p:cNvPr id="49" name="PlaceHolder 2"/>
+            <a:pPr algn="ctr"/>
+            <a:endParaRPr b="0" lang="es-ES" sz="4400" spc="-1" strike="noStrike">
+              <a:latin typeface="Arial"/>
+            </a:endParaRPr>
+          </a:p>
+        </p:txBody>
+      </p:sp>
+      <p:sp>
+        <p:nvSpPr>
+          <p:cNvPr id="39" name="PlaceHolder 2"/>
           <p:cNvSpPr>
             <a:spLocks noGrp="1"/>
           </p:cNvSpPr>
@@ -424,18 +401,15 @@
             <a:normAutofit/>
           </a:bodyPr>
           <a:p>
-            <a:endParaRPr b="0" lang="es-ES" sz="2400" spc="-1" strike="noStrike">
-              <a:solidFill>
-                <a:srgbClr val="000000"/>
-              </a:solidFill>
-              <a:latin typeface="Corbel"/>
-            </a:endParaRPr>
-          </a:p>
-        </p:txBody>
-      </p:sp>
-      <p:sp>
-        <p:nvSpPr>
-          <p:cNvPr id="50" name="PlaceHolder 3"/>
+            <a:endParaRPr b="0" lang="es-ES" sz="3200" spc="-1" strike="noStrike">
+              <a:latin typeface="Arial"/>
+            </a:endParaRPr>
+          </a:p>
+        </p:txBody>
+      </p:sp>
+      <p:sp>
+        <p:nvSpPr>
+          <p:cNvPr id="40" name="PlaceHolder 3"/>
           <p:cNvSpPr>
             <a:spLocks noGrp="1"/>
           </p:cNvSpPr>
@@ -457,18 +431,15 @@
             <a:normAutofit/>
           </a:bodyPr>
           <a:p>
-            <a:endParaRPr b="0" lang="es-ES" sz="2400" spc="-1" strike="noStrike">
-              <a:solidFill>
-                <a:srgbClr val="000000"/>
-              </a:solidFill>
-              <a:latin typeface="Corbel"/>
-            </a:endParaRPr>
-          </a:p>
-        </p:txBody>
-      </p:sp>
-      <p:sp>
-        <p:nvSpPr>
-          <p:cNvPr id="51" name="PlaceHolder 4"/>
+            <a:endParaRPr b="0" lang="es-ES" sz="3200" spc="-1" strike="noStrike">
+              <a:latin typeface="Arial"/>
+            </a:endParaRPr>
+          </a:p>
+        </p:txBody>
+      </p:sp>
+      <p:sp>
+        <p:nvSpPr>
+          <p:cNvPr id="41" name="PlaceHolder 4"/>
           <p:cNvSpPr>
             <a:spLocks noGrp="1"/>
           </p:cNvSpPr>
@@ -490,18 +461,15 @@
             <a:normAutofit/>
           </a:bodyPr>
           <a:p>
-            <a:endParaRPr b="0" lang="es-ES" sz="2400" spc="-1" strike="noStrike">
-              <a:solidFill>
-                <a:srgbClr val="000000"/>
-              </a:solidFill>
-              <a:latin typeface="Corbel"/>
-            </a:endParaRPr>
-          </a:p>
-        </p:txBody>
-      </p:sp>
-      <p:sp>
-        <p:nvSpPr>
-          <p:cNvPr id="52" name="PlaceHolder 5"/>
+            <a:endParaRPr b="0" lang="es-ES" sz="3200" spc="-1" strike="noStrike">
+              <a:latin typeface="Arial"/>
+            </a:endParaRPr>
+          </a:p>
+        </p:txBody>
+      </p:sp>
+      <p:sp>
+        <p:nvSpPr>
+          <p:cNvPr id="42" name="PlaceHolder 5"/>
           <p:cNvSpPr>
             <a:spLocks noGrp="1"/>
           </p:cNvSpPr>
@@ -523,18 +491,15 @@
             <a:normAutofit/>
           </a:bodyPr>
           <a:p>
-            <a:endParaRPr b="0" lang="es-ES" sz="2400" spc="-1" strike="noStrike">
-              <a:solidFill>
-                <a:srgbClr val="000000"/>
-              </a:solidFill>
-              <a:latin typeface="Corbel"/>
-            </a:endParaRPr>
-          </a:p>
-        </p:txBody>
-      </p:sp>
-      <p:sp>
-        <p:nvSpPr>
-          <p:cNvPr id="53" name="PlaceHolder 6"/>
+            <a:endParaRPr b="0" lang="es-ES" sz="3200" spc="-1" strike="noStrike">
+              <a:latin typeface="Arial"/>
+            </a:endParaRPr>
+          </a:p>
+        </p:txBody>
+      </p:sp>
+      <p:sp>
+        <p:nvSpPr>
+          <p:cNvPr id="43" name="PlaceHolder 6"/>
           <p:cNvSpPr>
             <a:spLocks noGrp="1"/>
           </p:cNvSpPr>
@@ -556,18 +521,15 @@
             <a:normAutofit/>
           </a:bodyPr>
           <a:p>
-            <a:endParaRPr b="0" lang="es-ES" sz="2400" spc="-1" strike="noStrike">
-              <a:solidFill>
-                <a:srgbClr val="000000"/>
-              </a:solidFill>
-              <a:latin typeface="Corbel"/>
-            </a:endParaRPr>
-          </a:p>
-        </p:txBody>
-      </p:sp>
-      <p:sp>
-        <p:nvSpPr>
-          <p:cNvPr id="54" name="PlaceHolder 7"/>
+            <a:endParaRPr b="0" lang="es-ES" sz="3200" spc="-1" strike="noStrike">
+              <a:latin typeface="Arial"/>
+            </a:endParaRPr>
+          </a:p>
+        </p:txBody>
+      </p:sp>
+      <p:sp>
+        <p:nvSpPr>
+          <p:cNvPr id="44" name="PlaceHolder 7"/>
           <p:cNvSpPr>
             <a:spLocks noGrp="1"/>
           </p:cNvSpPr>
@@ -589,11 +551,8 @@
             <a:normAutofit/>
           </a:bodyPr>
           <a:p>
-            <a:endParaRPr b="0" lang="es-ES" sz="2400" spc="-1" strike="noStrike">
-              <a:solidFill>
-                <a:srgbClr val="000000"/>
-              </a:solidFill>
-              <a:latin typeface="Corbel"/>
+            <a:endParaRPr b="0" lang="es-ES" sz="3200" spc="-1" strike="noStrike">
+              <a:latin typeface="Arial"/>
             </a:endParaRPr>
           </a:p>
         </p:txBody>
@@ -644,7 +603,7 @@
       </p:grpSpPr>
       <p:sp>
         <p:nvSpPr>
-          <p:cNvPr id="67" name="PlaceHolder 1"/>
+          <p:cNvPr id="55" name="PlaceHolder 1"/>
           <p:cNvSpPr>
             <a:spLocks noGrp="1"/>
           </p:cNvSpPr>
@@ -655,7 +614,7 @@
         <p:spPr>
           <a:xfrm>
             <a:off x="2928240" y="1380240"/>
-            <a:ext cx="8574120" cy="2615760"/>
+            <a:ext cx="8573760" cy="2615400"/>
           </a:xfrm>
           <a:prstGeom prst="rect">
             <a:avLst/>
@@ -666,18 +625,16 @@
             <a:noAutofit/>
           </a:bodyPr>
           <a:p>
-            <a:endParaRPr b="0" lang="es-ES" sz="1800" spc="-1" strike="noStrike">
-              <a:solidFill>
-                <a:srgbClr val="000000"/>
-              </a:solidFill>
-              <a:latin typeface="Corbel"/>
-            </a:endParaRPr>
-          </a:p>
-        </p:txBody>
-      </p:sp>
-      <p:sp>
-        <p:nvSpPr>
-          <p:cNvPr id="68" name="PlaceHolder 2"/>
+            <a:pPr algn="ctr"/>
+            <a:endParaRPr b="0" lang="es-ES" sz="4400" spc="-1" strike="noStrike">
+              <a:latin typeface="Arial"/>
+            </a:endParaRPr>
+          </a:p>
+        </p:txBody>
+      </p:sp>
+      <p:sp>
+        <p:nvSpPr>
+          <p:cNvPr id="56" name="PlaceHolder 2"/>
           <p:cNvSpPr>
             <a:spLocks noGrp="1"/>
           </p:cNvSpPr>
@@ -730,7 +687,7 @@
       </p:grpSpPr>
       <p:sp>
         <p:nvSpPr>
-          <p:cNvPr id="69" name="PlaceHolder 1"/>
+          <p:cNvPr id="57" name="PlaceHolder 1"/>
           <p:cNvSpPr>
             <a:spLocks noGrp="1"/>
           </p:cNvSpPr>
@@ -741,7 +698,7 @@
         <p:spPr>
           <a:xfrm>
             <a:off x="2928240" y="1380240"/>
-            <a:ext cx="8574120" cy="2615760"/>
+            <a:ext cx="8573760" cy="2615400"/>
           </a:xfrm>
           <a:prstGeom prst="rect">
             <a:avLst/>
@@ -752,18 +709,16 @@
             <a:noAutofit/>
           </a:bodyPr>
           <a:p>
-            <a:endParaRPr b="0" lang="es-ES" sz="1800" spc="-1" strike="noStrike">
-              <a:solidFill>
-                <a:srgbClr val="000000"/>
-              </a:solidFill>
-              <a:latin typeface="Corbel"/>
-            </a:endParaRPr>
-          </a:p>
-        </p:txBody>
-      </p:sp>
-      <p:sp>
-        <p:nvSpPr>
-          <p:cNvPr id="70" name="PlaceHolder 2"/>
+            <a:pPr algn="ctr"/>
+            <a:endParaRPr b="0" lang="es-ES" sz="4400" spc="-1" strike="noStrike">
+              <a:latin typeface="Arial"/>
+            </a:endParaRPr>
+          </a:p>
+        </p:txBody>
+      </p:sp>
+      <p:sp>
+        <p:nvSpPr>
+          <p:cNvPr id="58" name="PlaceHolder 2"/>
           <p:cNvSpPr>
             <a:spLocks noGrp="1"/>
           </p:cNvSpPr>
@@ -785,11 +740,8 @@
             <a:normAutofit/>
           </a:bodyPr>
           <a:p>
-            <a:endParaRPr b="0" lang="es-ES" sz="2400" spc="-1" strike="noStrike">
-              <a:solidFill>
-                <a:srgbClr val="000000"/>
-              </a:solidFill>
-              <a:latin typeface="Corbel"/>
+            <a:endParaRPr b="0" lang="es-ES" sz="3200" spc="-1" strike="noStrike">
+              <a:latin typeface="Arial"/>
             </a:endParaRPr>
           </a:p>
         </p:txBody>
@@ -818,7 +770,7 @@
       </p:grpSpPr>
       <p:sp>
         <p:nvSpPr>
-          <p:cNvPr id="71" name="PlaceHolder 1"/>
+          <p:cNvPr id="59" name="PlaceHolder 1"/>
           <p:cNvSpPr>
             <a:spLocks noGrp="1"/>
           </p:cNvSpPr>
@@ -829,7 +781,7 @@
         <p:spPr>
           <a:xfrm>
             <a:off x="2928240" y="1380240"/>
-            <a:ext cx="8574120" cy="2615760"/>
+            <a:ext cx="8573760" cy="2615400"/>
           </a:xfrm>
           <a:prstGeom prst="rect">
             <a:avLst/>
@@ -840,18 +792,16 @@
             <a:noAutofit/>
           </a:bodyPr>
           <a:p>
-            <a:endParaRPr b="0" lang="es-ES" sz="1800" spc="-1" strike="noStrike">
-              <a:solidFill>
-                <a:srgbClr val="000000"/>
-              </a:solidFill>
-              <a:latin typeface="Corbel"/>
-            </a:endParaRPr>
-          </a:p>
-        </p:txBody>
-      </p:sp>
-      <p:sp>
-        <p:nvSpPr>
-          <p:cNvPr id="72" name="PlaceHolder 2"/>
+            <a:pPr algn="ctr"/>
+            <a:endParaRPr b="0" lang="es-ES" sz="4400" spc="-1" strike="noStrike">
+              <a:latin typeface="Arial"/>
+            </a:endParaRPr>
+          </a:p>
+        </p:txBody>
+      </p:sp>
+      <p:sp>
+        <p:nvSpPr>
+          <p:cNvPr id="60" name="PlaceHolder 2"/>
           <p:cNvSpPr>
             <a:spLocks noGrp="1"/>
           </p:cNvSpPr>
@@ -873,18 +823,15 @@
             <a:normAutofit/>
           </a:bodyPr>
           <a:p>
-            <a:endParaRPr b="0" lang="es-ES" sz="2400" spc="-1" strike="noStrike">
-              <a:solidFill>
-                <a:srgbClr val="000000"/>
-              </a:solidFill>
-              <a:latin typeface="Corbel"/>
-            </a:endParaRPr>
-          </a:p>
-        </p:txBody>
-      </p:sp>
-      <p:sp>
-        <p:nvSpPr>
-          <p:cNvPr id="73" name="PlaceHolder 3"/>
+            <a:endParaRPr b="0" lang="es-ES" sz="3200" spc="-1" strike="noStrike">
+              <a:latin typeface="Arial"/>
+            </a:endParaRPr>
+          </a:p>
+        </p:txBody>
+      </p:sp>
+      <p:sp>
+        <p:nvSpPr>
+          <p:cNvPr id="61" name="PlaceHolder 3"/>
           <p:cNvSpPr>
             <a:spLocks noGrp="1"/>
           </p:cNvSpPr>
@@ -906,11 +853,8 @@
             <a:normAutofit/>
           </a:bodyPr>
           <a:p>
-            <a:endParaRPr b="0" lang="es-ES" sz="2400" spc="-1" strike="noStrike">
-              <a:solidFill>
-                <a:srgbClr val="000000"/>
-              </a:solidFill>
-              <a:latin typeface="Corbel"/>
+            <a:endParaRPr b="0" lang="es-ES" sz="3200" spc="-1" strike="noStrike">
+              <a:latin typeface="Arial"/>
             </a:endParaRPr>
           </a:p>
         </p:txBody>
@@ -939,7 +883,7 @@
       </p:grpSpPr>
       <p:sp>
         <p:nvSpPr>
-          <p:cNvPr id="74" name="PlaceHolder 1"/>
+          <p:cNvPr id="62" name="PlaceHolder 1"/>
           <p:cNvSpPr>
             <a:spLocks noGrp="1"/>
           </p:cNvSpPr>
@@ -950,7 +894,7 @@
         <p:spPr>
           <a:xfrm>
             <a:off x="2928240" y="1380240"/>
-            <a:ext cx="8574120" cy="2615760"/>
+            <a:ext cx="8573760" cy="2615400"/>
           </a:xfrm>
           <a:prstGeom prst="rect">
             <a:avLst/>
@@ -961,11 +905,9 @@
             <a:noAutofit/>
           </a:bodyPr>
           <a:p>
-            <a:endParaRPr b="0" lang="es-ES" sz="1800" spc="-1" strike="noStrike">
-              <a:solidFill>
-                <a:srgbClr val="000000"/>
-              </a:solidFill>
-              <a:latin typeface="Corbel"/>
+            <a:pPr algn="ctr"/>
+            <a:endParaRPr b="0" lang="es-ES" sz="4400" spc="-1" strike="noStrike">
+              <a:latin typeface="Arial"/>
             </a:endParaRPr>
           </a:p>
         </p:txBody>
@@ -994,7 +936,7 @@
       </p:grpSpPr>
       <p:sp>
         <p:nvSpPr>
-          <p:cNvPr id="75" name="PlaceHolder 1"/>
+          <p:cNvPr id="63" name="PlaceHolder 1"/>
           <p:cNvSpPr>
             <a:spLocks noGrp="1"/>
           </p:cNvSpPr>
@@ -1005,7 +947,7 @@
         <p:spPr>
           <a:xfrm>
             <a:off x="2928240" y="1380240"/>
-            <a:ext cx="8574120" cy="12126240"/>
+            <a:ext cx="8573760" cy="12124800"/>
           </a:xfrm>
           <a:prstGeom prst="rect">
             <a:avLst/>
@@ -1047,7 +989,7 @@
       </p:grpSpPr>
       <p:sp>
         <p:nvSpPr>
-          <p:cNvPr id="76" name="PlaceHolder 1"/>
+          <p:cNvPr id="64" name="PlaceHolder 1"/>
           <p:cNvSpPr>
             <a:spLocks noGrp="1"/>
           </p:cNvSpPr>
@@ -1058,7 +1000,7 @@
         <p:spPr>
           <a:xfrm>
             <a:off x="2928240" y="1380240"/>
-            <a:ext cx="8574120" cy="2615760"/>
+            <a:ext cx="8573760" cy="2615400"/>
           </a:xfrm>
           <a:prstGeom prst="rect">
             <a:avLst/>
@@ -1069,18 +1011,16 @@
             <a:noAutofit/>
           </a:bodyPr>
           <a:p>
-            <a:endParaRPr b="0" lang="es-ES" sz="1800" spc="-1" strike="noStrike">
-              <a:solidFill>
-                <a:srgbClr val="000000"/>
-              </a:solidFill>
-              <a:latin typeface="Corbel"/>
-            </a:endParaRPr>
-          </a:p>
-        </p:txBody>
-      </p:sp>
-      <p:sp>
-        <p:nvSpPr>
-          <p:cNvPr id="77" name="PlaceHolder 2"/>
+            <a:pPr algn="ctr"/>
+            <a:endParaRPr b="0" lang="es-ES" sz="4400" spc="-1" strike="noStrike">
+              <a:latin typeface="Arial"/>
+            </a:endParaRPr>
+          </a:p>
+        </p:txBody>
+      </p:sp>
+      <p:sp>
+        <p:nvSpPr>
+          <p:cNvPr id="65" name="PlaceHolder 2"/>
           <p:cNvSpPr>
             <a:spLocks noGrp="1"/>
           </p:cNvSpPr>
@@ -1102,18 +1042,15 @@
             <a:normAutofit/>
           </a:bodyPr>
           <a:p>
-            <a:endParaRPr b="0" lang="es-ES" sz="2400" spc="-1" strike="noStrike">
-              <a:solidFill>
-                <a:srgbClr val="000000"/>
-              </a:solidFill>
-              <a:latin typeface="Corbel"/>
-            </a:endParaRPr>
-          </a:p>
-        </p:txBody>
-      </p:sp>
-      <p:sp>
-        <p:nvSpPr>
-          <p:cNvPr id="78" name="PlaceHolder 3"/>
+            <a:endParaRPr b="0" lang="es-ES" sz="3200" spc="-1" strike="noStrike">
+              <a:latin typeface="Arial"/>
+            </a:endParaRPr>
+          </a:p>
+        </p:txBody>
+      </p:sp>
+      <p:sp>
+        <p:nvSpPr>
+          <p:cNvPr id="66" name="PlaceHolder 3"/>
           <p:cNvSpPr>
             <a:spLocks noGrp="1"/>
           </p:cNvSpPr>
@@ -1135,18 +1072,15 @@
             <a:normAutofit/>
           </a:bodyPr>
           <a:p>
-            <a:endParaRPr b="0" lang="es-ES" sz="2400" spc="-1" strike="noStrike">
-              <a:solidFill>
-                <a:srgbClr val="000000"/>
-              </a:solidFill>
-              <a:latin typeface="Corbel"/>
-            </a:endParaRPr>
-          </a:p>
-        </p:txBody>
-      </p:sp>
-      <p:sp>
-        <p:nvSpPr>
-          <p:cNvPr id="79" name="PlaceHolder 4"/>
+            <a:endParaRPr b="0" lang="es-ES" sz="3200" spc="-1" strike="noStrike">
+              <a:latin typeface="Arial"/>
+            </a:endParaRPr>
+          </a:p>
+        </p:txBody>
+      </p:sp>
+      <p:sp>
+        <p:nvSpPr>
+          <p:cNvPr id="67" name="PlaceHolder 4"/>
           <p:cNvSpPr>
             <a:spLocks noGrp="1"/>
           </p:cNvSpPr>
@@ -1168,11 +1102,8 @@
             <a:normAutofit/>
           </a:bodyPr>
           <a:p>
-            <a:endParaRPr b="0" lang="es-ES" sz="2400" spc="-1" strike="noStrike">
-              <a:solidFill>
-                <a:srgbClr val="000000"/>
-              </a:solidFill>
-              <a:latin typeface="Corbel"/>
+            <a:endParaRPr b="0" lang="es-ES" sz="3200" spc="-1" strike="noStrike">
+              <a:latin typeface="Arial"/>
             </a:endParaRPr>
           </a:p>
         </p:txBody>
@@ -1201,7 +1132,7 @@
       </p:grpSpPr>
       <p:sp>
         <p:nvSpPr>
-          <p:cNvPr id="19" name="PlaceHolder 1"/>
+          <p:cNvPr id="9" name="PlaceHolder 1"/>
           <p:cNvSpPr>
             <a:spLocks noGrp="1"/>
           </p:cNvSpPr>
@@ -1212,7 +1143,7 @@
         <p:spPr>
           <a:xfrm>
             <a:off x="2928240" y="1380240"/>
-            <a:ext cx="8574120" cy="2615760"/>
+            <a:ext cx="8573760" cy="2615400"/>
           </a:xfrm>
           <a:prstGeom prst="rect">
             <a:avLst/>
@@ -1223,18 +1154,16 @@
             <a:noAutofit/>
           </a:bodyPr>
           <a:p>
-            <a:endParaRPr b="0" lang="es-ES" sz="1800" spc="-1" strike="noStrike">
-              <a:solidFill>
-                <a:srgbClr val="000000"/>
-              </a:solidFill>
-              <a:latin typeface="Corbel"/>
-            </a:endParaRPr>
-          </a:p>
-        </p:txBody>
-      </p:sp>
-      <p:sp>
-        <p:nvSpPr>
-          <p:cNvPr id="20" name="PlaceHolder 2"/>
+            <a:pPr algn="ctr"/>
+            <a:endParaRPr b="0" lang="es-ES" sz="4400" spc="-1" strike="noStrike">
+              <a:latin typeface="Arial"/>
+            </a:endParaRPr>
+          </a:p>
+        </p:txBody>
+      </p:sp>
+      <p:sp>
+        <p:nvSpPr>
+          <p:cNvPr id="10" name="PlaceHolder 2"/>
           <p:cNvSpPr>
             <a:spLocks noGrp="1"/>
           </p:cNvSpPr>
@@ -1287,7 +1216,7 @@
       </p:grpSpPr>
       <p:sp>
         <p:nvSpPr>
-          <p:cNvPr id="80" name="PlaceHolder 1"/>
+          <p:cNvPr id="68" name="PlaceHolder 1"/>
           <p:cNvSpPr>
             <a:spLocks noGrp="1"/>
           </p:cNvSpPr>
@@ -1298,7 +1227,7 @@
         <p:spPr>
           <a:xfrm>
             <a:off x="2928240" y="1380240"/>
-            <a:ext cx="8574120" cy="2615760"/>
+            <a:ext cx="8573760" cy="2615400"/>
           </a:xfrm>
           <a:prstGeom prst="rect">
             <a:avLst/>
@@ -1309,18 +1238,16 @@
             <a:noAutofit/>
           </a:bodyPr>
           <a:p>
-            <a:endParaRPr b="0" lang="es-ES" sz="1800" spc="-1" strike="noStrike">
-              <a:solidFill>
-                <a:srgbClr val="000000"/>
-              </a:solidFill>
-              <a:latin typeface="Corbel"/>
-            </a:endParaRPr>
-          </a:p>
-        </p:txBody>
-      </p:sp>
-      <p:sp>
-        <p:nvSpPr>
-          <p:cNvPr id="81" name="PlaceHolder 2"/>
+            <a:pPr algn="ctr"/>
+            <a:endParaRPr b="0" lang="es-ES" sz="4400" spc="-1" strike="noStrike">
+              <a:latin typeface="Arial"/>
+            </a:endParaRPr>
+          </a:p>
+        </p:txBody>
+      </p:sp>
+      <p:sp>
+        <p:nvSpPr>
+          <p:cNvPr id="69" name="PlaceHolder 2"/>
           <p:cNvSpPr>
             <a:spLocks noGrp="1"/>
           </p:cNvSpPr>
@@ -1342,18 +1269,15 @@
             <a:normAutofit/>
           </a:bodyPr>
           <a:p>
-            <a:endParaRPr b="0" lang="es-ES" sz="2400" spc="-1" strike="noStrike">
-              <a:solidFill>
-                <a:srgbClr val="000000"/>
-              </a:solidFill>
-              <a:latin typeface="Corbel"/>
-            </a:endParaRPr>
-          </a:p>
-        </p:txBody>
-      </p:sp>
-      <p:sp>
-        <p:nvSpPr>
-          <p:cNvPr id="82" name="PlaceHolder 3"/>
+            <a:endParaRPr b="0" lang="es-ES" sz="3200" spc="-1" strike="noStrike">
+              <a:latin typeface="Arial"/>
+            </a:endParaRPr>
+          </a:p>
+        </p:txBody>
+      </p:sp>
+      <p:sp>
+        <p:nvSpPr>
+          <p:cNvPr id="70" name="PlaceHolder 3"/>
           <p:cNvSpPr>
             <a:spLocks noGrp="1"/>
           </p:cNvSpPr>
@@ -1375,18 +1299,15 @@
             <a:normAutofit/>
           </a:bodyPr>
           <a:p>
-            <a:endParaRPr b="0" lang="es-ES" sz="2400" spc="-1" strike="noStrike">
-              <a:solidFill>
-                <a:srgbClr val="000000"/>
-              </a:solidFill>
-              <a:latin typeface="Corbel"/>
-            </a:endParaRPr>
-          </a:p>
-        </p:txBody>
-      </p:sp>
-      <p:sp>
-        <p:nvSpPr>
-          <p:cNvPr id="83" name="PlaceHolder 4"/>
+            <a:endParaRPr b="0" lang="es-ES" sz="3200" spc="-1" strike="noStrike">
+              <a:latin typeface="Arial"/>
+            </a:endParaRPr>
+          </a:p>
+        </p:txBody>
+      </p:sp>
+      <p:sp>
+        <p:nvSpPr>
+          <p:cNvPr id="71" name="PlaceHolder 4"/>
           <p:cNvSpPr>
             <a:spLocks noGrp="1"/>
           </p:cNvSpPr>
@@ -1408,11 +1329,8 @@
             <a:normAutofit/>
           </a:bodyPr>
           <a:p>
-            <a:endParaRPr b="0" lang="es-ES" sz="2400" spc="-1" strike="noStrike">
-              <a:solidFill>
-                <a:srgbClr val="000000"/>
-              </a:solidFill>
-              <a:latin typeface="Corbel"/>
+            <a:endParaRPr b="0" lang="es-ES" sz="3200" spc="-1" strike="noStrike">
+              <a:latin typeface="Arial"/>
             </a:endParaRPr>
           </a:p>
         </p:txBody>
@@ -1441,7 +1359,7 @@
       </p:grpSpPr>
       <p:sp>
         <p:nvSpPr>
-          <p:cNvPr id="84" name="PlaceHolder 1"/>
+          <p:cNvPr id="72" name="PlaceHolder 1"/>
           <p:cNvSpPr>
             <a:spLocks noGrp="1"/>
           </p:cNvSpPr>
@@ -1452,7 +1370,7 @@
         <p:spPr>
           <a:xfrm>
             <a:off x="2928240" y="1380240"/>
-            <a:ext cx="8574120" cy="2615760"/>
+            <a:ext cx="8573760" cy="2615400"/>
           </a:xfrm>
           <a:prstGeom prst="rect">
             <a:avLst/>
@@ -1463,18 +1381,16 @@
             <a:noAutofit/>
           </a:bodyPr>
           <a:p>
-            <a:endParaRPr b="0" lang="es-ES" sz="1800" spc="-1" strike="noStrike">
-              <a:solidFill>
-                <a:srgbClr val="000000"/>
-              </a:solidFill>
-              <a:latin typeface="Corbel"/>
-            </a:endParaRPr>
-          </a:p>
-        </p:txBody>
-      </p:sp>
-      <p:sp>
-        <p:nvSpPr>
-          <p:cNvPr id="85" name="PlaceHolder 2"/>
+            <a:pPr algn="ctr"/>
+            <a:endParaRPr b="0" lang="es-ES" sz="4400" spc="-1" strike="noStrike">
+              <a:latin typeface="Arial"/>
+            </a:endParaRPr>
+          </a:p>
+        </p:txBody>
+      </p:sp>
+      <p:sp>
+        <p:nvSpPr>
+          <p:cNvPr id="73" name="PlaceHolder 2"/>
           <p:cNvSpPr>
             <a:spLocks noGrp="1"/>
           </p:cNvSpPr>
@@ -1496,18 +1412,15 @@
             <a:normAutofit/>
           </a:bodyPr>
           <a:p>
-            <a:endParaRPr b="0" lang="es-ES" sz="2400" spc="-1" strike="noStrike">
-              <a:solidFill>
-                <a:srgbClr val="000000"/>
-              </a:solidFill>
-              <a:latin typeface="Corbel"/>
-            </a:endParaRPr>
-          </a:p>
-        </p:txBody>
-      </p:sp>
-      <p:sp>
-        <p:nvSpPr>
-          <p:cNvPr id="86" name="PlaceHolder 3"/>
+            <a:endParaRPr b="0" lang="es-ES" sz="3200" spc="-1" strike="noStrike">
+              <a:latin typeface="Arial"/>
+            </a:endParaRPr>
+          </a:p>
+        </p:txBody>
+      </p:sp>
+      <p:sp>
+        <p:nvSpPr>
+          <p:cNvPr id="74" name="PlaceHolder 3"/>
           <p:cNvSpPr>
             <a:spLocks noGrp="1"/>
           </p:cNvSpPr>
@@ -1529,18 +1442,15 @@
             <a:normAutofit/>
           </a:bodyPr>
           <a:p>
-            <a:endParaRPr b="0" lang="es-ES" sz="2400" spc="-1" strike="noStrike">
-              <a:solidFill>
-                <a:srgbClr val="000000"/>
-              </a:solidFill>
-              <a:latin typeface="Corbel"/>
-            </a:endParaRPr>
-          </a:p>
-        </p:txBody>
-      </p:sp>
-      <p:sp>
-        <p:nvSpPr>
-          <p:cNvPr id="87" name="PlaceHolder 4"/>
+            <a:endParaRPr b="0" lang="es-ES" sz="3200" spc="-1" strike="noStrike">
+              <a:latin typeface="Arial"/>
+            </a:endParaRPr>
+          </a:p>
+        </p:txBody>
+      </p:sp>
+      <p:sp>
+        <p:nvSpPr>
+          <p:cNvPr id="75" name="PlaceHolder 4"/>
           <p:cNvSpPr>
             <a:spLocks noGrp="1"/>
           </p:cNvSpPr>
@@ -1562,11 +1472,8 @@
             <a:normAutofit/>
           </a:bodyPr>
           <a:p>
-            <a:endParaRPr b="0" lang="es-ES" sz="2400" spc="-1" strike="noStrike">
-              <a:solidFill>
-                <a:srgbClr val="000000"/>
-              </a:solidFill>
-              <a:latin typeface="Corbel"/>
+            <a:endParaRPr b="0" lang="es-ES" sz="3200" spc="-1" strike="noStrike">
+              <a:latin typeface="Arial"/>
             </a:endParaRPr>
           </a:p>
         </p:txBody>
@@ -1595,7 +1502,7 @@
       </p:grpSpPr>
       <p:sp>
         <p:nvSpPr>
-          <p:cNvPr id="88" name="PlaceHolder 1"/>
+          <p:cNvPr id="76" name="PlaceHolder 1"/>
           <p:cNvSpPr>
             <a:spLocks noGrp="1"/>
           </p:cNvSpPr>
@@ -1606,7 +1513,7 @@
         <p:spPr>
           <a:xfrm>
             <a:off x="2928240" y="1380240"/>
-            <a:ext cx="8574120" cy="2615760"/>
+            <a:ext cx="8573760" cy="2615400"/>
           </a:xfrm>
           <a:prstGeom prst="rect">
             <a:avLst/>
@@ -1617,18 +1524,16 @@
             <a:noAutofit/>
           </a:bodyPr>
           <a:p>
-            <a:endParaRPr b="0" lang="es-ES" sz="1800" spc="-1" strike="noStrike">
-              <a:solidFill>
-                <a:srgbClr val="000000"/>
-              </a:solidFill>
-              <a:latin typeface="Corbel"/>
-            </a:endParaRPr>
-          </a:p>
-        </p:txBody>
-      </p:sp>
-      <p:sp>
-        <p:nvSpPr>
-          <p:cNvPr id="89" name="PlaceHolder 2"/>
+            <a:pPr algn="ctr"/>
+            <a:endParaRPr b="0" lang="es-ES" sz="4400" spc="-1" strike="noStrike">
+              <a:latin typeface="Arial"/>
+            </a:endParaRPr>
+          </a:p>
+        </p:txBody>
+      </p:sp>
+      <p:sp>
+        <p:nvSpPr>
+          <p:cNvPr id="77" name="PlaceHolder 2"/>
           <p:cNvSpPr>
             <a:spLocks noGrp="1"/>
           </p:cNvSpPr>
@@ -1650,18 +1555,15 @@
             <a:normAutofit/>
           </a:bodyPr>
           <a:p>
-            <a:endParaRPr b="0" lang="es-ES" sz="2400" spc="-1" strike="noStrike">
-              <a:solidFill>
-                <a:srgbClr val="000000"/>
-              </a:solidFill>
-              <a:latin typeface="Corbel"/>
-            </a:endParaRPr>
-          </a:p>
-        </p:txBody>
-      </p:sp>
-      <p:sp>
-        <p:nvSpPr>
-          <p:cNvPr id="90" name="PlaceHolder 3"/>
+            <a:endParaRPr b="0" lang="es-ES" sz="3200" spc="-1" strike="noStrike">
+              <a:latin typeface="Arial"/>
+            </a:endParaRPr>
+          </a:p>
+        </p:txBody>
+      </p:sp>
+      <p:sp>
+        <p:nvSpPr>
+          <p:cNvPr id="78" name="PlaceHolder 3"/>
           <p:cNvSpPr>
             <a:spLocks noGrp="1"/>
           </p:cNvSpPr>
@@ -1683,11 +1585,8 @@
             <a:normAutofit/>
           </a:bodyPr>
           <a:p>
-            <a:endParaRPr b="0" lang="es-ES" sz="2400" spc="-1" strike="noStrike">
-              <a:solidFill>
-                <a:srgbClr val="000000"/>
-              </a:solidFill>
-              <a:latin typeface="Corbel"/>
+            <a:endParaRPr b="0" lang="es-ES" sz="3200" spc="-1" strike="noStrike">
+              <a:latin typeface="Arial"/>
             </a:endParaRPr>
           </a:p>
         </p:txBody>
@@ -1716,7 +1615,7 @@
       </p:grpSpPr>
       <p:sp>
         <p:nvSpPr>
-          <p:cNvPr id="91" name="PlaceHolder 1"/>
+          <p:cNvPr id="79" name="PlaceHolder 1"/>
           <p:cNvSpPr>
             <a:spLocks noGrp="1"/>
           </p:cNvSpPr>
@@ -1727,7 +1626,7 @@
         <p:spPr>
           <a:xfrm>
             <a:off x="2928240" y="1380240"/>
-            <a:ext cx="8574120" cy="2615760"/>
+            <a:ext cx="8573760" cy="2615400"/>
           </a:xfrm>
           <a:prstGeom prst="rect">
             <a:avLst/>
@@ -1738,18 +1637,16 @@
             <a:noAutofit/>
           </a:bodyPr>
           <a:p>
-            <a:endParaRPr b="0" lang="es-ES" sz="1800" spc="-1" strike="noStrike">
-              <a:solidFill>
-                <a:srgbClr val="000000"/>
-              </a:solidFill>
-              <a:latin typeface="Corbel"/>
-            </a:endParaRPr>
-          </a:p>
-        </p:txBody>
-      </p:sp>
-      <p:sp>
-        <p:nvSpPr>
-          <p:cNvPr id="92" name="PlaceHolder 2"/>
+            <a:pPr algn="ctr"/>
+            <a:endParaRPr b="0" lang="es-ES" sz="4400" spc="-1" strike="noStrike">
+              <a:latin typeface="Arial"/>
+            </a:endParaRPr>
+          </a:p>
+        </p:txBody>
+      </p:sp>
+      <p:sp>
+        <p:nvSpPr>
+          <p:cNvPr id="80" name="PlaceHolder 2"/>
           <p:cNvSpPr>
             <a:spLocks noGrp="1"/>
           </p:cNvSpPr>
@@ -1771,18 +1668,15 @@
             <a:normAutofit/>
           </a:bodyPr>
           <a:p>
-            <a:endParaRPr b="0" lang="es-ES" sz="2400" spc="-1" strike="noStrike">
-              <a:solidFill>
-                <a:srgbClr val="000000"/>
-              </a:solidFill>
-              <a:latin typeface="Corbel"/>
-            </a:endParaRPr>
-          </a:p>
-        </p:txBody>
-      </p:sp>
-      <p:sp>
-        <p:nvSpPr>
-          <p:cNvPr id="93" name="PlaceHolder 3"/>
+            <a:endParaRPr b="0" lang="es-ES" sz="3200" spc="-1" strike="noStrike">
+              <a:latin typeface="Arial"/>
+            </a:endParaRPr>
+          </a:p>
+        </p:txBody>
+      </p:sp>
+      <p:sp>
+        <p:nvSpPr>
+          <p:cNvPr id="81" name="PlaceHolder 3"/>
           <p:cNvSpPr>
             <a:spLocks noGrp="1"/>
           </p:cNvSpPr>
@@ -1804,18 +1698,15 @@
             <a:normAutofit/>
           </a:bodyPr>
           <a:p>
-            <a:endParaRPr b="0" lang="es-ES" sz="2400" spc="-1" strike="noStrike">
-              <a:solidFill>
-                <a:srgbClr val="000000"/>
-              </a:solidFill>
-              <a:latin typeface="Corbel"/>
-            </a:endParaRPr>
-          </a:p>
-        </p:txBody>
-      </p:sp>
-      <p:sp>
-        <p:nvSpPr>
-          <p:cNvPr id="94" name="PlaceHolder 4"/>
+            <a:endParaRPr b="0" lang="es-ES" sz="3200" spc="-1" strike="noStrike">
+              <a:latin typeface="Arial"/>
+            </a:endParaRPr>
+          </a:p>
+        </p:txBody>
+      </p:sp>
+      <p:sp>
+        <p:nvSpPr>
+          <p:cNvPr id="82" name="PlaceHolder 4"/>
           <p:cNvSpPr>
             <a:spLocks noGrp="1"/>
           </p:cNvSpPr>
@@ -1837,18 +1728,15 @@
             <a:normAutofit/>
           </a:bodyPr>
           <a:p>
-            <a:endParaRPr b="0" lang="es-ES" sz="2400" spc="-1" strike="noStrike">
-              <a:solidFill>
-                <a:srgbClr val="000000"/>
-              </a:solidFill>
-              <a:latin typeface="Corbel"/>
-            </a:endParaRPr>
-          </a:p>
-        </p:txBody>
-      </p:sp>
-      <p:sp>
-        <p:nvSpPr>
-          <p:cNvPr id="95" name="PlaceHolder 5"/>
+            <a:endParaRPr b="0" lang="es-ES" sz="3200" spc="-1" strike="noStrike">
+              <a:latin typeface="Arial"/>
+            </a:endParaRPr>
+          </a:p>
+        </p:txBody>
+      </p:sp>
+      <p:sp>
+        <p:nvSpPr>
+          <p:cNvPr id="83" name="PlaceHolder 5"/>
           <p:cNvSpPr>
             <a:spLocks noGrp="1"/>
           </p:cNvSpPr>
@@ -1870,11 +1758,8 @@
             <a:normAutofit/>
           </a:bodyPr>
           <a:p>
-            <a:endParaRPr b="0" lang="es-ES" sz="2400" spc="-1" strike="noStrike">
-              <a:solidFill>
-                <a:srgbClr val="000000"/>
-              </a:solidFill>
-              <a:latin typeface="Corbel"/>
+            <a:endParaRPr b="0" lang="es-ES" sz="3200" spc="-1" strike="noStrike">
+              <a:latin typeface="Arial"/>
             </a:endParaRPr>
           </a:p>
         </p:txBody>
@@ -1903,7 +1788,7 @@
       </p:grpSpPr>
       <p:sp>
         <p:nvSpPr>
-          <p:cNvPr id="96" name="PlaceHolder 1"/>
+          <p:cNvPr id="84" name="PlaceHolder 1"/>
           <p:cNvSpPr>
             <a:spLocks noGrp="1"/>
           </p:cNvSpPr>
@@ -1914,7 +1799,7 @@
         <p:spPr>
           <a:xfrm>
             <a:off x="2928240" y="1380240"/>
-            <a:ext cx="8574120" cy="2615760"/>
+            <a:ext cx="8573760" cy="2615400"/>
           </a:xfrm>
           <a:prstGeom prst="rect">
             <a:avLst/>
@@ -1925,18 +1810,16 @@
             <a:noAutofit/>
           </a:bodyPr>
           <a:p>
-            <a:endParaRPr b="0" lang="es-ES" sz="1800" spc="-1" strike="noStrike">
-              <a:solidFill>
-                <a:srgbClr val="000000"/>
-              </a:solidFill>
-              <a:latin typeface="Corbel"/>
-            </a:endParaRPr>
-          </a:p>
-        </p:txBody>
-      </p:sp>
-      <p:sp>
-        <p:nvSpPr>
-          <p:cNvPr id="97" name="PlaceHolder 2"/>
+            <a:pPr algn="ctr"/>
+            <a:endParaRPr b="0" lang="es-ES" sz="4400" spc="-1" strike="noStrike">
+              <a:latin typeface="Arial"/>
+            </a:endParaRPr>
+          </a:p>
+        </p:txBody>
+      </p:sp>
+      <p:sp>
+        <p:nvSpPr>
+          <p:cNvPr id="85" name="PlaceHolder 2"/>
           <p:cNvSpPr>
             <a:spLocks noGrp="1"/>
           </p:cNvSpPr>
@@ -1958,18 +1841,15 @@
             <a:normAutofit/>
           </a:bodyPr>
           <a:p>
-            <a:endParaRPr b="0" lang="es-ES" sz="2400" spc="-1" strike="noStrike">
-              <a:solidFill>
-                <a:srgbClr val="000000"/>
-              </a:solidFill>
-              <a:latin typeface="Corbel"/>
-            </a:endParaRPr>
-          </a:p>
-        </p:txBody>
-      </p:sp>
-      <p:sp>
-        <p:nvSpPr>
-          <p:cNvPr id="98" name="PlaceHolder 3"/>
+            <a:endParaRPr b="0" lang="es-ES" sz="3200" spc="-1" strike="noStrike">
+              <a:latin typeface="Arial"/>
+            </a:endParaRPr>
+          </a:p>
+        </p:txBody>
+      </p:sp>
+      <p:sp>
+        <p:nvSpPr>
+          <p:cNvPr id="86" name="PlaceHolder 3"/>
           <p:cNvSpPr>
             <a:spLocks noGrp="1"/>
           </p:cNvSpPr>
@@ -1991,18 +1871,15 @@
             <a:normAutofit/>
           </a:bodyPr>
           <a:p>
-            <a:endParaRPr b="0" lang="es-ES" sz="2400" spc="-1" strike="noStrike">
-              <a:solidFill>
-                <a:srgbClr val="000000"/>
-              </a:solidFill>
-              <a:latin typeface="Corbel"/>
-            </a:endParaRPr>
-          </a:p>
-        </p:txBody>
-      </p:sp>
-      <p:sp>
-        <p:nvSpPr>
-          <p:cNvPr id="99" name="PlaceHolder 4"/>
+            <a:endParaRPr b="0" lang="es-ES" sz="3200" spc="-1" strike="noStrike">
+              <a:latin typeface="Arial"/>
+            </a:endParaRPr>
+          </a:p>
+        </p:txBody>
+      </p:sp>
+      <p:sp>
+        <p:nvSpPr>
+          <p:cNvPr id="87" name="PlaceHolder 4"/>
           <p:cNvSpPr>
             <a:spLocks noGrp="1"/>
           </p:cNvSpPr>
@@ -2024,18 +1901,15 @@
             <a:normAutofit/>
           </a:bodyPr>
           <a:p>
-            <a:endParaRPr b="0" lang="es-ES" sz="2400" spc="-1" strike="noStrike">
-              <a:solidFill>
-                <a:srgbClr val="000000"/>
-              </a:solidFill>
-              <a:latin typeface="Corbel"/>
-            </a:endParaRPr>
-          </a:p>
-        </p:txBody>
-      </p:sp>
-      <p:sp>
-        <p:nvSpPr>
-          <p:cNvPr id="100" name="PlaceHolder 5"/>
+            <a:endParaRPr b="0" lang="es-ES" sz="3200" spc="-1" strike="noStrike">
+              <a:latin typeface="Arial"/>
+            </a:endParaRPr>
+          </a:p>
+        </p:txBody>
+      </p:sp>
+      <p:sp>
+        <p:nvSpPr>
+          <p:cNvPr id="88" name="PlaceHolder 5"/>
           <p:cNvSpPr>
             <a:spLocks noGrp="1"/>
           </p:cNvSpPr>
@@ -2057,18 +1931,15 @@
             <a:normAutofit/>
           </a:bodyPr>
           <a:p>
-            <a:endParaRPr b="0" lang="es-ES" sz="2400" spc="-1" strike="noStrike">
-              <a:solidFill>
-                <a:srgbClr val="000000"/>
-              </a:solidFill>
-              <a:latin typeface="Corbel"/>
-            </a:endParaRPr>
-          </a:p>
-        </p:txBody>
-      </p:sp>
-      <p:sp>
-        <p:nvSpPr>
-          <p:cNvPr id="101" name="PlaceHolder 6"/>
+            <a:endParaRPr b="0" lang="es-ES" sz="3200" spc="-1" strike="noStrike">
+              <a:latin typeface="Arial"/>
+            </a:endParaRPr>
+          </a:p>
+        </p:txBody>
+      </p:sp>
+      <p:sp>
+        <p:nvSpPr>
+          <p:cNvPr id="89" name="PlaceHolder 6"/>
           <p:cNvSpPr>
             <a:spLocks noGrp="1"/>
           </p:cNvSpPr>
@@ -2090,18 +1961,15 @@
             <a:normAutofit/>
           </a:bodyPr>
           <a:p>
-            <a:endParaRPr b="0" lang="es-ES" sz="2400" spc="-1" strike="noStrike">
-              <a:solidFill>
-                <a:srgbClr val="000000"/>
-              </a:solidFill>
-              <a:latin typeface="Corbel"/>
-            </a:endParaRPr>
-          </a:p>
-        </p:txBody>
-      </p:sp>
-      <p:sp>
-        <p:nvSpPr>
-          <p:cNvPr id="102" name="PlaceHolder 7"/>
+            <a:endParaRPr b="0" lang="es-ES" sz="3200" spc="-1" strike="noStrike">
+              <a:latin typeface="Arial"/>
+            </a:endParaRPr>
+          </a:p>
+        </p:txBody>
+      </p:sp>
+      <p:sp>
+        <p:nvSpPr>
+          <p:cNvPr id="90" name="PlaceHolder 7"/>
           <p:cNvSpPr>
             <a:spLocks noGrp="1"/>
           </p:cNvSpPr>
@@ -2123,11 +1991,363 @@
             <a:normAutofit/>
           </a:bodyPr>
           <a:p>
-            <a:endParaRPr b="0" lang="es-ES" sz="2400" spc="-1" strike="noStrike">
-              <a:solidFill>
-                <a:srgbClr val="000000"/>
-              </a:solidFill>
-              <a:latin typeface="Corbel"/>
+            <a:endParaRPr b="0" lang="es-ES" sz="3200" spc="-1" strike="noStrike">
+              <a:latin typeface="Arial"/>
+            </a:endParaRPr>
+          </a:p>
+        </p:txBody>
+      </p:sp>
+    </p:spTree>
+  </p:cSld>
+</p:sldLayout>
+</file>
+
+<file path=ppt/slideLayouts/slideLayout25.xml><?xml version="1.0" encoding="utf-8"?>
+<p:sldLayout xmlns:a="http://schemas.openxmlformats.org/drawingml/2006/main" xmlns:p="http://schemas.openxmlformats.org/presentationml/2006/main" xmlns:r="http://schemas.openxmlformats.org/officeDocument/2006/relationships" xmlns:p14="http://schemas.microsoft.com/office/powerpoint/2010/main" xmlns:p15="http://schemas.microsoft.com/office/powerpoint/2012/main" xmlns:mc="http://schemas.openxmlformats.org/markup-compatibility/2006" type="blank" preserve="1">
+  <p:cSld name="Blank Slide">
+    <p:spTree>
+      <p:nvGrpSpPr>
+        <p:cNvPr id="1" name=""/>
+        <p:cNvGrpSpPr/>
+        <p:nvPr/>
+      </p:nvGrpSpPr>
+      <p:grpSpPr>
+        <a:xfrm>
+          <a:off x="0" y="0"/>
+          <a:ext cx="0" cy="0"/>
+          <a:chOff x="0" y="0"/>
+          <a:chExt cx="0" cy="0"/>
+        </a:xfrm>
+      </p:grpSpPr>
+    </p:spTree>
+  </p:cSld>
+</p:sldLayout>
+</file>
+
+<file path=ppt/slideLayouts/slideLayout26.xml><?xml version="1.0" encoding="utf-8"?>
+<p:sldLayout xmlns:a="http://schemas.openxmlformats.org/drawingml/2006/main" xmlns:p="http://schemas.openxmlformats.org/presentationml/2006/main" xmlns:r="http://schemas.openxmlformats.org/officeDocument/2006/relationships" xmlns:p14="http://schemas.microsoft.com/office/powerpoint/2010/main" xmlns:p15="http://schemas.microsoft.com/office/powerpoint/2012/main" xmlns:mc="http://schemas.openxmlformats.org/markup-compatibility/2006" type="tx" preserve="1">
+  <p:cSld name="Title Slide">
+    <p:spTree>
+      <p:nvGrpSpPr>
+        <p:cNvPr id="1" name=""/>
+        <p:cNvGrpSpPr/>
+        <p:nvPr/>
+      </p:nvGrpSpPr>
+      <p:grpSpPr>
+        <a:xfrm>
+          <a:off x="0" y="0"/>
+          <a:ext cx="0" cy="0"/>
+          <a:chOff x="0" y="0"/>
+          <a:chExt cx="0" cy="0"/>
+        </a:xfrm>
+      </p:grpSpPr>
+      <p:sp>
+        <p:nvSpPr>
+          <p:cNvPr id="107" name="PlaceHolder 1"/>
+          <p:cNvSpPr>
+            <a:spLocks noGrp="1"/>
+          </p:cNvSpPr>
+          <p:nvPr>
+            <p:ph type="title"/>
+          </p:nvPr>
+        </p:nvSpPr>
+        <p:spPr>
+          <a:xfrm>
+            <a:off x="2928240" y="1380240"/>
+            <a:ext cx="8573760" cy="2615400"/>
+          </a:xfrm>
+          <a:prstGeom prst="rect">
+            <a:avLst/>
+          </a:prstGeom>
+        </p:spPr>
+        <p:txBody>
+          <a:bodyPr lIns="0" rIns="0" tIns="0" bIns="0" anchor="ctr">
+            <a:noAutofit/>
+          </a:bodyPr>
+          <a:p>
+            <a:pPr algn="ctr"/>
+            <a:endParaRPr b="0" lang="es-ES" sz="4400" spc="-1" strike="noStrike">
+              <a:latin typeface="Arial"/>
+            </a:endParaRPr>
+          </a:p>
+        </p:txBody>
+      </p:sp>
+      <p:sp>
+        <p:nvSpPr>
+          <p:cNvPr id="108" name="PlaceHolder 2"/>
+          <p:cNvSpPr>
+            <a:spLocks noGrp="1"/>
+          </p:cNvSpPr>
+          <p:nvPr>
+            <p:ph type="subTitle"/>
+          </p:nvPr>
+        </p:nvSpPr>
+        <p:spPr>
+          <a:xfrm>
+            <a:off x="609480" y="1604520"/>
+            <a:ext cx="10972440" cy="3977280"/>
+          </a:xfrm>
+          <a:prstGeom prst="rect">
+            <a:avLst/>
+          </a:prstGeom>
+        </p:spPr>
+        <p:txBody>
+          <a:bodyPr lIns="0" rIns="0" tIns="0" bIns="0" anchor="ctr">
+            <a:noAutofit/>
+          </a:bodyPr>
+          <a:p>
+            <a:pPr algn="ctr"/>
+            <a:endParaRPr b="0" lang="es-ES" sz="3200" spc="-1" strike="noStrike">
+              <a:latin typeface="Arial"/>
+            </a:endParaRPr>
+          </a:p>
+        </p:txBody>
+      </p:sp>
+    </p:spTree>
+  </p:cSld>
+</p:sldLayout>
+</file>
+
+<file path=ppt/slideLayouts/slideLayout27.xml><?xml version="1.0" encoding="utf-8"?>
+<p:sldLayout xmlns:a="http://schemas.openxmlformats.org/drawingml/2006/main" xmlns:p="http://schemas.openxmlformats.org/presentationml/2006/main" xmlns:r="http://schemas.openxmlformats.org/officeDocument/2006/relationships" xmlns:p14="http://schemas.microsoft.com/office/powerpoint/2010/main" xmlns:p15="http://schemas.microsoft.com/office/powerpoint/2012/main" xmlns:mc="http://schemas.openxmlformats.org/markup-compatibility/2006" type="obj" preserve="1">
+  <p:cSld name="Title, Content">
+    <p:spTree>
+      <p:nvGrpSpPr>
+        <p:cNvPr id="1" name=""/>
+        <p:cNvGrpSpPr/>
+        <p:nvPr/>
+      </p:nvGrpSpPr>
+      <p:grpSpPr>
+        <a:xfrm>
+          <a:off x="0" y="0"/>
+          <a:ext cx="0" cy="0"/>
+          <a:chOff x="0" y="0"/>
+          <a:chExt cx="0" cy="0"/>
+        </a:xfrm>
+      </p:grpSpPr>
+      <p:sp>
+        <p:nvSpPr>
+          <p:cNvPr id="109" name="PlaceHolder 1"/>
+          <p:cNvSpPr>
+            <a:spLocks noGrp="1"/>
+          </p:cNvSpPr>
+          <p:nvPr>
+            <p:ph type="title"/>
+          </p:nvPr>
+        </p:nvSpPr>
+        <p:spPr>
+          <a:xfrm>
+            <a:off x="2928240" y="1380240"/>
+            <a:ext cx="8573760" cy="2615400"/>
+          </a:xfrm>
+          <a:prstGeom prst="rect">
+            <a:avLst/>
+          </a:prstGeom>
+        </p:spPr>
+        <p:txBody>
+          <a:bodyPr lIns="0" rIns="0" tIns="0" bIns="0" anchor="ctr">
+            <a:noAutofit/>
+          </a:bodyPr>
+          <a:p>
+            <a:pPr algn="ctr"/>
+            <a:endParaRPr b="0" lang="es-ES" sz="4400" spc="-1" strike="noStrike">
+              <a:latin typeface="Arial"/>
+            </a:endParaRPr>
+          </a:p>
+        </p:txBody>
+      </p:sp>
+      <p:sp>
+        <p:nvSpPr>
+          <p:cNvPr id="110" name="PlaceHolder 2"/>
+          <p:cNvSpPr>
+            <a:spLocks noGrp="1"/>
+          </p:cNvSpPr>
+          <p:nvPr>
+            <p:ph type="body"/>
+          </p:nvPr>
+        </p:nvSpPr>
+        <p:spPr>
+          <a:xfrm>
+            <a:off x="609480" y="1604520"/>
+            <a:ext cx="10972440" cy="3977280"/>
+          </a:xfrm>
+          <a:prstGeom prst="rect">
+            <a:avLst/>
+          </a:prstGeom>
+        </p:spPr>
+        <p:txBody>
+          <a:bodyPr lIns="0" rIns="0" tIns="0" bIns="0">
+            <a:normAutofit/>
+          </a:bodyPr>
+          <a:p>
+            <a:endParaRPr b="0" lang="es-ES" sz="3200" spc="-1" strike="noStrike">
+              <a:latin typeface="Arial"/>
+            </a:endParaRPr>
+          </a:p>
+        </p:txBody>
+      </p:sp>
+    </p:spTree>
+  </p:cSld>
+</p:sldLayout>
+</file>
+
+<file path=ppt/slideLayouts/slideLayout28.xml><?xml version="1.0" encoding="utf-8"?>
+<p:sldLayout xmlns:a="http://schemas.openxmlformats.org/drawingml/2006/main" xmlns:p="http://schemas.openxmlformats.org/presentationml/2006/main" xmlns:r="http://schemas.openxmlformats.org/officeDocument/2006/relationships" xmlns:p14="http://schemas.microsoft.com/office/powerpoint/2010/main" xmlns:p15="http://schemas.microsoft.com/office/powerpoint/2012/main" xmlns:mc="http://schemas.openxmlformats.org/markup-compatibility/2006" type="twoObj" preserve="1">
+  <p:cSld name="Title, 2 Content">
+    <p:spTree>
+      <p:nvGrpSpPr>
+        <p:cNvPr id="1" name=""/>
+        <p:cNvGrpSpPr/>
+        <p:nvPr/>
+      </p:nvGrpSpPr>
+      <p:grpSpPr>
+        <a:xfrm>
+          <a:off x="0" y="0"/>
+          <a:ext cx="0" cy="0"/>
+          <a:chOff x="0" y="0"/>
+          <a:chExt cx="0" cy="0"/>
+        </a:xfrm>
+      </p:grpSpPr>
+      <p:sp>
+        <p:nvSpPr>
+          <p:cNvPr id="111" name="PlaceHolder 1"/>
+          <p:cNvSpPr>
+            <a:spLocks noGrp="1"/>
+          </p:cNvSpPr>
+          <p:nvPr>
+            <p:ph type="title"/>
+          </p:nvPr>
+        </p:nvSpPr>
+        <p:spPr>
+          <a:xfrm>
+            <a:off x="2928240" y="1380240"/>
+            <a:ext cx="8573760" cy="2615400"/>
+          </a:xfrm>
+          <a:prstGeom prst="rect">
+            <a:avLst/>
+          </a:prstGeom>
+        </p:spPr>
+        <p:txBody>
+          <a:bodyPr lIns="0" rIns="0" tIns="0" bIns="0" anchor="ctr">
+            <a:noAutofit/>
+          </a:bodyPr>
+          <a:p>
+            <a:pPr algn="ctr"/>
+            <a:endParaRPr b="0" lang="es-ES" sz="4400" spc="-1" strike="noStrike">
+              <a:latin typeface="Arial"/>
+            </a:endParaRPr>
+          </a:p>
+        </p:txBody>
+      </p:sp>
+      <p:sp>
+        <p:nvSpPr>
+          <p:cNvPr id="112" name="PlaceHolder 2"/>
+          <p:cNvSpPr>
+            <a:spLocks noGrp="1"/>
+          </p:cNvSpPr>
+          <p:nvPr>
+            <p:ph type="body"/>
+          </p:nvPr>
+        </p:nvSpPr>
+        <p:spPr>
+          <a:xfrm>
+            <a:off x="609480" y="1604520"/>
+            <a:ext cx="5354280" cy="3977280"/>
+          </a:xfrm>
+          <a:prstGeom prst="rect">
+            <a:avLst/>
+          </a:prstGeom>
+        </p:spPr>
+        <p:txBody>
+          <a:bodyPr lIns="0" rIns="0" tIns="0" bIns="0">
+            <a:normAutofit/>
+          </a:bodyPr>
+          <a:p>
+            <a:endParaRPr b="0" lang="es-ES" sz="3200" spc="-1" strike="noStrike">
+              <a:latin typeface="Arial"/>
+            </a:endParaRPr>
+          </a:p>
+        </p:txBody>
+      </p:sp>
+      <p:sp>
+        <p:nvSpPr>
+          <p:cNvPr id="113" name="PlaceHolder 3"/>
+          <p:cNvSpPr>
+            <a:spLocks noGrp="1"/>
+          </p:cNvSpPr>
+          <p:nvPr>
+            <p:ph type="body"/>
+          </p:nvPr>
+        </p:nvSpPr>
+        <p:spPr>
+          <a:xfrm>
+            <a:off x="6231960" y="1604520"/>
+            <a:ext cx="5354280" cy="3977280"/>
+          </a:xfrm>
+          <a:prstGeom prst="rect">
+            <a:avLst/>
+          </a:prstGeom>
+        </p:spPr>
+        <p:txBody>
+          <a:bodyPr lIns="0" rIns="0" tIns="0" bIns="0">
+            <a:normAutofit/>
+          </a:bodyPr>
+          <a:p>
+            <a:endParaRPr b="0" lang="es-ES" sz="3200" spc="-1" strike="noStrike">
+              <a:latin typeface="Arial"/>
+            </a:endParaRPr>
+          </a:p>
+        </p:txBody>
+      </p:sp>
+    </p:spTree>
+  </p:cSld>
+</p:sldLayout>
+</file>
+
+<file path=ppt/slideLayouts/slideLayout29.xml><?xml version="1.0" encoding="utf-8"?>
+<p:sldLayout xmlns:a="http://schemas.openxmlformats.org/drawingml/2006/main" xmlns:p="http://schemas.openxmlformats.org/presentationml/2006/main" xmlns:r="http://schemas.openxmlformats.org/officeDocument/2006/relationships" xmlns:p14="http://schemas.microsoft.com/office/powerpoint/2010/main" xmlns:p15="http://schemas.microsoft.com/office/powerpoint/2012/main" xmlns:mc="http://schemas.openxmlformats.org/markup-compatibility/2006" type="titleOnly" preserve="1">
+  <p:cSld name="Title Only">
+    <p:spTree>
+      <p:nvGrpSpPr>
+        <p:cNvPr id="1" name=""/>
+        <p:cNvGrpSpPr/>
+        <p:nvPr/>
+      </p:nvGrpSpPr>
+      <p:grpSpPr>
+        <a:xfrm>
+          <a:off x="0" y="0"/>
+          <a:ext cx="0" cy="0"/>
+          <a:chOff x="0" y="0"/>
+          <a:chExt cx="0" cy="0"/>
+        </a:xfrm>
+      </p:grpSpPr>
+      <p:sp>
+        <p:nvSpPr>
+          <p:cNvPr id="114" name="PlaceHolder 1"/>
+          <p:cNvSpPr>
+            <a:spLocks noGrp="1"/>
+          </p:cNvSpPr>
+          <p:nvPr>
+            <p:ph type="title"/>
+          </p:nvPr>
+        </p:nvSpPr>
+        <p:spPr>
+          <a:xfrm>
+            <a:off x="2928240" y="1380240"/>
+            <a:ext cx="8573760" cy="2615400"/>
+          </a:xfrm>
+          <a:prstGeom prst="rect">
+            <a:avLst/>
+          </a:prstGeom>
+        </p:spPr>
+        <p:txBody>
+          <a:bodyPr lIns="0" rIns="0" tIns="0" bIns="0" anchor="ctr">
+            <a:noAutofit/>
+          </a:bodyPr>
+          <a:p>
+            <a:pPr algn="ctr"/>
+            <a:endParaRPr b="0" lang="es-ES" sz="4400" spc="-1" strike="noStrike">
+              <a:latin typeface="Arial"/>
             </a:endParaRPr>
           </a:p>
         </p:txBody>
@@ -2156,7 +2376,7 @@
       </p:grpSpPr>
       <p:sp>
         <p:nvSpPr>
-          <p:cNvPr id="21" name="PlaceHolder 1"/>
+          <p:cNvPr id="11" name="PlaceHolder 1"/>
           <p:cNvSpPr>
             <a:spLocks noGrp="1"/>
           </p:cNvSpPr>
@@ -2167,7 +2387,7 @@
         <p:spPr>
           <a:xfrm>
             <a:off x="2928240" y="1380240"/>
-            <a:ext cx="8574120" cy="2615760"/>
+            <a:ext cx="8573760" cy="2615400"/>
           </a:xfrm>
           <a:prstGeom prst="rect">
             <a:avLst/>
@@ -2178,18 +2398,16 @@
             <a:noAutofit/>
           </a:bodyPr>
           <a:p>
-            <a:endParaRPr b="0" lang="es-ES" sz="1800" spc="-1" strike="noStrike">
-              <a:solidFill>
-                <a:srgbClr val="000000"/>
-              </a:solidFill>
-              <a:latin typeface="Corbel"/>
-            </a:endParaRPr>
-          </a:p>
-        </p:txBody>
-      </p:sp>
-      <p:sp>
-        <p:nvSpPr>
-          <p:cNvPr id="22" name="PlaceHolder 2"/>
+            <a:pPr algn="ctr"/>
+            <a:endParaRPr b="0" lang="es-ES" sz="4400" spc="-1" strike="noStrike">
+              <a:latin typeface="Arial"/>
+            </a:endParaRPr>
+          </a:p>
+        </p:txBody>
+      </p:sp>
+      <p:sp>
+        <p:nvSpPr>
+          <p:cNvPr id="12" name="PlaceHolder 2"/>
           <p:cNvSpPr>
             <a:spLocks noGrp="1"/>
           </p:cNvSpPr>
@@ -2211,11 +2429,1009 @@
             <a:normAutofit/>
           </a:bodyPr>
           <a:p>
-            <a:endParaRPr b="0" lang="es-ES" sz="2400" spc="-1" strike="noStrike">
-              <a:solidFill>
-                <a:srgbClr val="000000"/>
-              </a:solidFill>
-              <a:latin typeface="Corbel"/>
+            <a:endParaRPr b="0" lang="es-ES" sz="3200" spc="-1" strike="noStrike">
+              <a:latin typeface="Arial"/>
+            </a:endParaRPr>
+          </a:p>
+        </p:txBody>
+      </p:sp>
+    </p:spTree>
+  </p:cSld>
+</p:sldLayout>
+</file>
+
+<file path=ppt/slideLayouts/slideLayout30.xml><?xml version="1.0" encoding="utf-8"?>
+<p:sldLayout xmlns:a="http://schemas.openxmlformats.org/drawingml/2006/main" xmlns:p="http://schemas.openxmlformats.org/presentationml/2006/main" xmlns:r="http://schemas.openxmlformats.org/officeDocument/2006/relationships" xmlns:p14="http://schemas.microsoft.com/office/powerpoint/2010/main" xmlns:p15="http://schemas.microsoft.com/office/powerpoint/2012/main" xmlns:mc="http://schemas.openxmlformats.org/markup-compatibility/2006" type="objOnly" preserve="1">
+  <p:cSld name="Centered Text">
+    <p:spTree>
+      <p:nvGrpSpPr>
+        <p:cNvPr id="1" name=""/>
+        <p:cNvGrpSpPr/>
+        <p:nvPr/>
+      </p:nvGrpSpPr>
+      <p:grpSpPr>
+        <a:xfrm>
+          <a:off x="0" y="0"/>
+          <a:ext cx="0" cy="0"/>
+          <a:chOff x="0" y="0"/>
+          <a:chExt cx="0" cy="0"/>
+        </a:xfrm>
+      </p:grpSpPr>
+      <p:sp>
+        <p:nvSpPr>
+          <p:cNvPr id="115" name="PlaceHolder 1"/>
+          <p:cNvSpPr>
+            <a:spLocks noGrp="1"/>
+          </p:cNvSpPr>
+          <p:nvPr>
+            <p:ph type="subTitle"/>
+          </p:nvPr>
+        </p:nvSpPr>
+        <p:spPr>
+          <a:xfrm>
+            <a:off x="2928240" y="1380240"/>
+            <a:ext cx="8573760" cy="12124800"/>
+          </a:xfrm>
+          <a:prstGeom prst="rect">
+            <a:avLst/>
+          </a:prstGeom>
+        </p:spPr>
+        <p:txBody>
+          <a:bodyPr lIns="0" rIns="0" tIns="0" bIns="0" anchor="ctr">
+            <a:noAutofit/>
+          </a:bodyPr>
+          <a:p>
+            <a:pPr algn="ctr"/>
+            <a:endParaRPr b="0" lang="es-ES" sz="3200" spc="-1" strike="noStrike">
+              <a:latin typeface="Arial"/>
+            </a:endParaRPr>
+          </a:p>
+        </p:txBody>
+      </p:sp>
+    </p:spTree>
+  </p:cSld>
+</p:sldLayout>
+</file>
+
+<file path=ppt/slideLayouts/slideLayout31.xml><?xml version="1.0" encoding="utf-8"?>
+<p:sldLayout xmlns:a="http://schemas.openxmlformats.org/drawingml/2006/main" xmlns:p="http://schemas.openxmlformats.org/presentationml/2006/main" xmlns:r="http://schemas.openxmlformats.org/officeDocument/2006/relationships" xmlns:p14="http://schemas.microsoft.com/office/powerpoint/2010/main" xmlns:p15="http://schemas.microsoft.com/office/powerpoint/2012/main" xmlns:mc="http://schemas.openxmlformats.org/markup-compatibility/2006" type="twoObjAndObj" preserve="1">
+  <p:cSld name="Title, 2 Content and Content">
+    <p:spTree>
+      <p:nvGrpSpPr>
+        <p:cNvPr id="1" name=""/>
+        <p:cNvGrpSpPr/>
+        <p:nvPr/>
+      </p:nvGrpSpPr>
+      <p:grpSpPr>
+        <a:xfrm>
+          <a:off x="0" y="0"/>
+          <a:ext cx="0" cy="0"/>
+          <a:chOff x="0" y="0"/>
+          <a:chExt cx="0" cy="0"/>
+        </a:xfrm>
+      </p:grpSpPr>
+      <p:sp>
+        <p:nvSpPr>
+          <p:cNvPr id="116" name="PlaceHolder 1"/>
+          <p:cNvSpPr>
+            <a:spLocks noGrp="1"/>
+          </p:cNvSpPr>
+          <p:nvPr>
+            <p:ph type="title"/>
+          </p:nvPr>
+        </p:nvSpPr>
+        <p:spPr>
+          <a:xfrm>
+            <a:off x="2928240" y="1380240"/>
+            <a:ext cx="8573760" cy="2615400"/>
+          </a:xfrm>
+          <a:prstGeom prst="rect">
+            <a:avLst/>
+          </a:prstGeom>
+        </p:spPr>
+        <p:txBody>
+          <a:bodyPr lIns="0" rIns="0" tIns="0" bIns="0" anchor="ctr">
+            <a:noAutofit/>
+          </a:bodyPr>
+          <a:p>
+            <a:pPr algn="ctr"/>
+            <a:endParaRPr b="0" lang="es-ES" sz="4400" spc="-1" strike="noStrike">
+              <a:latin typeface="Arial"/>
+            </a:endParaRPr>
+          </a:p>
+        </p:txBody>
+      </p:sp>
+      <p:sp>
+        <p:nvSpPr>
+          <p:cNvPr id="117" name="PlaceHolder 2"/>
+          <p:cNvSpPr>
+            <a:spLocks noGrp="1"/>
+          </p:cNvSpPr>
+          <p:nvPr>
+            <p:ph type="body"/>
+          </p:nvPr>
+        </p:nvSpPr>
+        <p:spPr>
+          <a:xfrm>
+            <a:off x="609480" y="1604520"/>
+            <a:ext cx="5354280" cy="1896840"/>
+          </a:xfrm>
+          <a:prstGeom prst="rect">
+            <a:avLst/>
+          </a:prstGeom>
+        </p:spPr>
+        <p:txBody>
+          <a:bodyPr lIns="0" rIns="0" tIns="0" bIns="0">
+            <a:normAutofit/>
+          </a:bodyPr>
+          <a:p>
+            <a:endParaRPr b="0" lang="es-ES" sz="3200" spc="-1" strike="noStrike">
+              <a:latin typeface="Arial"/>
+            </a:endParaRPr>
+          </a:p>
+        </p:txBody>
+      </p:sp>
+      <p:sp>
+        <p:nvSpPr>
+          <p:cNvPr id="118" name="PlaceHolder 3"/>
+          <p:cNvSpPr>
+            <a:spLocks noGrp="1"/>
+          </p:cNvSpPr>
+          <p:nvPr>
+            <p:ph type="body"/>
+          </p:nvPr>
+        </p:nvSpPr>
+        <p:spPr>
+          <a:xfrm>
+            <a:off x="6231960" y="1604520"/>
+            <a:ext cx="5354280" cy="3977280"/>
+          </a:xfrm>
+          <a:prstGeom prst="rect">
+            <a:avLst/>
+          </a:prstGeom>
+        </p:spPr>
+        <p:txBody>
+          <a:bodyPr lIns="0" rIns="0" tIns="0" bIns="0">
+            <a:normAutofit/>
+          </a:bodyPr>
+          <a:p>
+            <a:endParaRPr b="0" lang="es-ES" sz="3200" spc="-1" strike="noStrike">
+              <a:latin typeface="Arial"/>
+            </a:endParaRPr>
+          </a:p>
+        </p:txBody>
+      </p:sp>
+      <p:sp>
+        <p:nvSpPr>
+          <p:cNvPr id="119" name="PlaceHolder 4"/>
+          <p:cNvSpPr>
+            <a:spLocks noGrp="1"/>
+          </p:cNvSpPr>
+          <p:nvPr>
+            <p:ph type="body"/>
+          </p:nvPr>
+        </p:nvSpPr>
+        <p:spPr>
+          <a:xfrm>
+            <a:off x="609480" y="3682080"/>
+            <a:ext cx="5354280" cy="1896840"/>
+          </a:xfrm>
+          <a:prstGeom prst="rect">
+            <a:avLst/>
+          </a:prstGeom>
+        </p:spPr>
+        <p:txBody>
+          <a:bodyPr lIns="0" rIns="0" tIns="0" bIns="0">
+            <a:normAutofit/>
+          </a:bodyPr>
+          <a:p>
+            <a:endParaRPr b="0" lang="es-ES" sz="3200" spc="-1" strike="noStrike">
+              <a:latin typeface="Arial"/>
+            </a:endParaRPr>
+          </a:p>
+        </p:txBody>
+      </p:sp>
+    </p:spTree>
+  </p:cSld>
+</p:sldLayout>
+</file>
+
+<file path=ppt/slideLayouts/slideLayout32.xml><?xml version="1.0" encoding="utf-8"?>
+<p:sldLayout xmlns:a="http://schemas.openxmlformats.org/drawingml/2006/main" xmlns:p="http://schemas.openxmlformats.org/presentationml/2006/main" xmlns:r="http://schemas.openxmlformats.org/officeDocument/2006/relationships" xmlns:p14="http://schemas.microsoft.com/office/powerpoint/2010/main" xmlns:p15="http://schemas.microsoft.com/office/powerpoint/2012/main" xmlns:mc="http://schemas.openxmlformats.org/markup-compatibility/2006" type="objAndTwoObj" preserve="1">
+  <p:cSld name="Title Content and 2 Content">
+    <p:spTree>
+      <p:nvGrpSpPr>
+        <p:cNvPr id="1" name=""/>
+        <p:cNvGrpSpPr/>
+        <p:nvPr/>
+      </p:nvGrpSpPr>
+      <p:grpSpPr>
+        <a:xfrm>
+          <a:off x="0" y="0"/>
+          <a:ext cx="0" cy="0"/>
+          <a:chOff x="0" y="0"/>
+          <a:chExt cx="0" cy="0"/>
+        </a:xfrm>
+      </p:grpSpPr>
+      <p:sp>
+        <p:nvSpPr>
+          <p:cNvPr id="120" name="PlaceHolder 1"/>
+          <p:cNvSpPr>
+            <a:spLocks noGrp="1"/>
+          </p:cNvSpPr>
+          <p:nvPr>
+            <p:ph type="title"/>
+          </p:nvPr>
+        </p:nvSpPr>
+        <p:spPr>
+          <a:xfrm>
+            <a:off x="2928240" y="1380240"/>
+            <a:ext cx="8573760" cy="2615400"/>
+          </a:xfrm>
+          <a:prstGeom prst="rect">
+            <a:avLst/>
+          </a:prstGeom>
+        </p:spPr>
+        <p:txBody>
+          <a:bodyPr lIns="0" rIns="0" tIns="0" bIns="0" anchor="ctr">
+            <a:noAutofit/>
+          </a:bodyPr>
+          <a:p>
+            <a:pPr algn="ctr"/>
+            <a:endParaRPr b="0" lang="es-ES" sz="4400" spc="-1" strike="noStrike">
+              <a:latin typeface="Arial"/>
+            </a:endParaRPr>
+          </a:p>
+        </p:txBody>
+      </p:sp>
+      <p:sp>
+        <p:nvSpPr>
+          <p:cNvPr id="121" name="PlaceHolder 2"/>
+          <p:cNvSpPr>
+            <a:spLocks noGrp="1"/>
+          </p:cNvSpPr>
+          <p:nvPr>
+            <p:ph type="body"/>
+          </p:nvPr>
+        </p:nvSpPr>
+        <p:spPr>
+          <a:xfrm>
+            <a:off x="609480" y="1604520"/>
+            <a:ext cx="5354280" cy="3977280"/>
+          </a:xfrm>
+          <a:prstGeom prst="rect">
+            <a:avLst/>
+          </a:prstGeom>
+        </p:spPr>
+        <p:txBody>
+          <a:bodyPr lIns="0" rIns="0" tIns="0" bIns="0">
+            <a:normAutofit/>
+          </a:bodyPr>
+          <a:p>
+            <a:endParaRPr b="0" lang="es-ES" sz="3200" spc="-1" strike="noStrike">
+              <a:latin typeface="Arial"/>
+            </a:endParaRPr>
+          </a:p>
+        </p:txBody>
+      </p:sp>
+      <p:sp>
+        <p:nvSpPr>
+          <p:cNvPr id="122" name="PlaceHolder 3"/>
+          <p:cNvSpPr>
+            <a:spLocks noGrp="1"/>
+          </p:cNvSpPr>
+          <p:nvPr>
+            <p:ph type="body"/>
+          </p:nvPr>
+        </p:nvSpPr>
+        <p:spPr>
+          <a:xfrm>
+            <a:off x="6231960" y="1604520"/>
+            <a:ext cx="5354280" cy="1896840"/>
+          </a:xfrm>
+          <a:prstGeom prst="rect">
+            <a:avLst/>
+          </a:prstGeom>
+        </p:spPr>
+        <p:txBody>
+          <a:bodyPr lIns="0" rIns="0" tIns="0" bIns="0">
+            <a:normAutofit/>
+          </a:bodyPr>
+          <a:p>
+            <a:endParaRPr b="0" lang="es-ES" sz="3200" spc="-1" strike="noStrike">
+              <a:latin typeface="Arial"/>
+            </a:endParaRPr>
+          </a:p>
+        </p:txBody>
+      </p:sp>
+      <p:sp>
+        <p:nvSpPr>
+          <p:cNvPr id="123" name="PlaceHolder 4"/>
+          <p:cNvSpPr>
+            <a:spLocks noGrp="1"/>
+          </p:cNvSpPr>
+          <p:nvPr>
+            <p:ph type="body"/>
+          </p:nvPr>
+        </p:nvSpPr>
+        <p:spPr>
+          <a:xfrm>
+            <a:off x="6231960" y="3682080"/>
+            <a:ext cx="5354280" cy="1896840"/>
+          </a:xfrm>
+          <a:prstGeom prst="rect">
+            <a:avLst/>
+          </a:prstGeom>
+        </p:spPr>
+        <p:txBody>
+          <a:bodyPr lIns="0" rIns="0" tIns="0" bIns="0">
+            <a:normAutofit/>
+          </a:bodyPr>
+          <a:p>
+            <a:endParaRPr b="0" lang="es-ES" sz="3200" spc="-1" strike="noStrike">
+              <a:latin typeface="Arial"/>
+            </a:endParaRPr>
+          </a:p>
+        </p:txBody>
+      </p:sp>
+    </p:spTree>
+  </p:cSld>
+</p:sldLayout>
+</file>
+
+<file path=ppt/slideLayouts/slideLayout33.xml><?xml version="1.0" encoding="utf-8"?>
+<p:sldLayout xmlns:a="http://schemas.openxmlformats.org/drawingml/2006/main" xmlns:p="http://schemas.openxmlformats.org/presentationml/2006/main" xmlns:r="http://schemas.openxmlformats.org/officeDocument/2006/relationships" xmlns:p14="http://schemas.microsoft.com/office/powerpoint/2010/main" xmlns:p15="http://schemas.microsoft.com/office/powerpoint/2012/main" xmlns:mc="http://schemas.openxmlformats.org/markup-compatibility/2006" type="twoObjOverTx" preserve="1">
+  <p:cSld name="Title, 2 Content over Content">
+    <p:spTree>
+      <p:nvGrpSpPr>
+        <p:cNvPr id="1" name=""/>
+        <p:cNvGrpSpPr/>
+        <p:nvPr/>
+      </p:nvGrpSpPr>
+      <p:grpSpPr>
+        <a:xfrm>
+          <a:off x="0" y="0"/>
+          <a:ext cx="0" cy="0"/>
+          <a:chOff x="0" y="0"/>
+          <a:chExt cx="0" cy="0"/>
+        </a:xfrm>
+      </p:grpSpPr>
+      <p:sp>
+        <p:nvSpPr>
+          <p:cNvPr id="124" name="PlaceHolder 1"/>
+          <p:cNvSpPr>
+            <a:spLocks noGrp="1"/>
+          </p:cNvSpPr>
+          <p:nvPr>
+            <p:ph type="title"/>
+          </p:nvPr>
+        </p:nvSpPr>
+        <p:spPr>
+          <a:xfrm>
+            <a:off x="2928240" y="1380240"/>
+            <a:ext cx="8573760" cy="2615400"/>
+          </a:xfrm>
+          <a:prstGeom prst="rect">
+            <a:avLst/>
+          </a:prstGeom>
+        </p:spPr>
+        <p:txBody>
+          <a:bodyPr lIns="0" rIns="0" tIns="0" bIns="0" anchor="ctr">
+            <a:noAutofit/>
+          </a:bodyPr>
+          <a:p>
+            <a:pPr algn="ctr"/>
+            <a:endParaRPr b="0" lang="es-ES" sz="4400" spc="-1" strike="noStrike">
+              <a:latin typeface="Arial"/>
+            </a:endParaRPr>
+          </a:p>
+        </p:txBody>
+      </p:sp>
+      <p:sp>
+        <p:nvSpPr>
+          <p:cNvPr id="125" name="PlaceHolder 2"/>
+          <p:cNvSpPr>
+            <a:spLocks noGrp="1"/>
+          </p:cNvSpPr>
+          <p:nvPr>
+            <p:ph type="body"/>
+          </p:nvPr>
+        </p:nvSpPr>
+        <p:spPr>
+          <a:xfrm>
+            <a:off x="609480" y="1604520"/>
+            <a:ext cx="5354280" cy="1896840"/>
+          </a:xfrm>
+          <a:prstGeom prst="rect">
+            <a:avLst/>
+          </a:prstGeom>
+        </p:spPr>
+        <p:txBody>
+          <a:bodyPr lIns="0" rIns="0" tIns="0" bIns="0">
+            <a:normAutofit/>
+          </a:bodyPr>
+          <a:p>
+            <a:endParaRPr b="0" lang="es-ES" sz="3200" spc="-1" strike="noStrike">
+              <a:latin typeface="Arial"/>
+            </a:endParaRPr>
+          </a:p>
+        </p:txBody>
+      </p:sp>
+      <p:sp>
+        <p:nvSpPr>
+          <p:cNvPr id="126" name="PlaceHolder 3"/>
+          <p:cNvSpPr>
+            <a:spLocks noGrp="1"/>
+          </p:cNvSpPr>
+          <p:nvPr>
+            <p:ph type="body"/>
+          </p:nvPr>
+        </p:nvSpPr>
+        <p:spPr>
+          <a:xfrm>
+            <a:off x="6231960" y="1604520"/>
+            <a:ext cx="5354280" cy="1896840"/>
+          </a:xfrm>
+          <a:prstGeom prst="rect">
+            <a:avLst/>
+          </a:prstGeom>
+        </p:spPr>
+        <p:txBody>
+          <a:bodyPr lIns="0" rIns="0" tIns="0" bIns="0">
+            <a:normAutofit/>
+          </a:bodyPr>
+          <a:p>
+            <a:endParaRPr b="0" lang="es-ES" sz="3200" spc="-1" strike="noStrike">
+              <a:latin typeface="Arial"/>
+            </a:endParaRPr>
+          </a:p>
+        </p:txBody>
+      </p:sp>
+      <p:sp>
+        <p:nvSpPr>
+          <p:cNvPr id="127" name="PlaceHolder 4"/>
+          <p:cNvSpPr>
+            <a:spLocks noGrp="1"/>
+          </p:cNvSpPr>
+          <p:nvPr>
+            <p:ph type="body"/>
+          </p:nvPr>
+        </p:nvSpPr>
+        <p:spPr>
+          <a:xfrm>
+            <a:off x="609480" y="3682080"/>
+            <a:ext cx="10972440" cy="1896840"/>
+          </a:xfrm>
+          <a:prstGeom prst="rect">
+            <a:avLst/>
+          </a:prstGeom>
+        </p:spPr>
+        <p:txBody>
+          <a:bodyPr lIns="0" rIns="0" tIns="0" bIns="0">
+            <a:normAutofit/>
+          </a:bodyPr>
+          <a:p>
+            <a:endParaRPr b="0" lang="es-ES" sz="3200" spc="-1" strike="noStrike">
+              <a:latin typeface="Arial"/>
+            </a:endParaRPr>
+          </a:p>
+        </p:txBody>
+      </p:sp>
+    </p:spTree>
+  </p:cSld>
+</p:sldLayout>
+</file>
+
+<file path=ppt/slideLayouts/slideLayout34.xml><?xml version="1.0" encoding="utf-8"?>
+<p:sldLayout xmlns:a="http://schemas.openxmlformats.org/drawingml/2006/main" xmlns:p="http://schemas.openxmlformats.org/presentationml/2006/main" xmlns:r="http://schemas.openxmlformats.org/officeDocument/2006/relationships" xmlns:p14="http://schemas.microsoft.com/office/powerpoint/2010/main" xmlns:p15="http://schemas.microsoft.com/office/powerpoint/2012/main" xmlns:mc="http://schemas.openxmlformats.org/markup-compatibility/2006" type="objOverTx" preserve="1">
+  <p:cSld name="Title, Content over Content">
+    <p:spTree>
+      <p:nvGrpSpPr>
+        <p:cNvPr id="1" name=""/>
+        <p:cNvGrpSpPr/>
+        <p:nvPr/>
+      </p:nvGrpSpPr>
+      <p:grpSpPr>
+        <a:xfrm>
+          <a:off x="0" y="0"/>
+          <a:ext cx="0" cy="0"/>
+          <a:chOff x="0" y="0"/>
+          <a:chExt cx="0" cy="0"/>
+        </a:xfrm>
+      </p:grpSpPr>
+      <p:sp>
+        <p:nvSpPr>
+          <p:cNvPr id="128" name="PlaceHolder 1"/>
+          <p:cNvSpPr>
+            <a:spLocks noGrp="1"/>
+          </p:cNvSpPr>
+          <p:nvPr>
+            <p:ph type="title"/>
+          </p:nvPr>
+        </p:nvSpPr>
+        <p:spPr>
+          <a:xfrm>
+            <a:off x="2928240" y="1380240"/>
+            <a:ext cx="8573760" cy="2615400"/>
+          </a:xfrm>
+          <a:prstGeom prst="rect">
+            <a:avLst/>
+          </a:prstGeom>
+        </p:spPr>
+        <p:txBody>
+          <a:bodyPr lIns="0" rIns="0" tIns="0" bIns="0" anchor="ctr">
+            <a:noAutofit/>
+          </a:bodyPr>
+          <a:p>
+            <a:pPr algn="ctr"/>
+            <a:endParaRPr b="0" lang="es-ES" sz="4400" spc="-1" strike="noStrike">
+              <a:latin typeface="Arial"/>
+            </a:endParaRPr>
+          </a:p>
+        </p:txBody>
+      </p:sp>
+      <p:sp>
+        <p:nvSpPr>
+          <p:cNvPr id="129" name="PlaceHolder 2"/>
+          <p:cNvSpPr>
+            <a:spLocks noGrp="1"/>
+          </p:cNvSpPr>
+          <p:nvPr>
+            <p:ph type="body"/>
+          </p:nvPr>
+        </p:nvSpPr>
+        <p:spPr>
+          <a:xfrm>
+            <a:off x="609480" y="1604520"/>
+            <a:ext cx="10972440" cy="1896840"/>
+          </a:xfrm>
+          <a:prstGeom prst="rect">
+            <a:avLst/>
+          </a:prstGeom>
+        </p:spPr>
+        <p:txBody>
+          <a:bodyPr lIns="0" rIns="0" tIns="0" bIns="0">
+            <a:normAutofit/>
+          </a:bodyPr>
+          <a:p>
+            <a:endParaRPr b="0" lang="es-ES" sz="3200" spc="-1" strike="noStrike">
+              <a:latin typeface="Arial"/>
+            </a:endParaRPr>
+          </a:p>
+        </p:txBody>
+      </p:sp>
+      <p:sp>
+        <p:nvSpPr>
+          <p:cNvPr id="130" name="PlaceHolder 3"/>
+          <p:cNvSpPr>
+            <a:spLocks noGrp="1"/>
+          </p:cNvSpPr>
+          <p:nvPr>
+            <p:ph type="body"/>
+          </p:nvPr>
+        </p:nvSpPr>
+        <p:spPr>
+          <a:xfrm>
+            <a:off x="609480" y="3682080"/>
+            <a:ext cx="10972440" cy="1896840"/>
+          </a:xfrm>
+          <a:prstGeom prst="rect">
+            <a:avLst/>
+          </a:prstGeom>
+        </p:spPr>
+        <p:txBody>
+          <a:bodyPr lIns="0" rIns="0" tIns="0" bIns="0">
+            <a:normAutofit/>
+          </a:bodyPr>
+          <a:p>
+            <a:endParaRPr b="0" lang="es-ES" sz="3200" spc="-1" strike="noStrike">
+              <a:latin typeface="Arial"/>
+            </a:endParaRPr>
+          </a:p>
+        </p:txBody>
+      </p:sp>
+    </p:spTree>
+  </p:cSld>
+</p:sldLayout>
+</file>
+
+<file path=ppt/slideLayouts/slideLayout35.xml><?xml version="1.0" encoding="utf-8"?>
+<p:sldLayout xmlns:a="http://schemas.openxmlformats.org/drawingml/2006/main" xmlns:p="http://schemas.openxmlformats.org/presentationml/2006/main" xmlns:r="http://schemas.openxmlformats.org/officeDocument/2006/relationships" xmlns:p14="http://schemas.microsoft.com/office/powerpoint/2010/main" xmlns:p15="http://schemas.microsoft.com/office/powerpoint/2012/main" xmlns:mc="http://schemas.openxmlformats.org/markup-compatibility/2006" type="fourObj" preserve="1">
+  <p:cSld name="Title, 4 Content">
+    <p:spTree>
+      <p:nvGrpSpPr>
+        <p:cNvPr id="1" name=""/>
+        <p:cNvGrpSpPr/>
+        <p:nvPr/>
+      </p:nvGrpSpPr>
+      <p:grpSpPr>
+        <a:xfrm>
+          <a:off x="0" y="0"/>
+          <a:ext cx="0" cy="0"/>
+          <a:chOff x="0" y="0"/>
+          <a:chExt cx="0" cy="0"/>
+        </a:xfrm>
+      </p:grpSpPr>
+      <p:sp>
+        <p:nvSpPr>
+          <p:cNvPr id="131" name="PlaceHolder 1"/>
+          <p:cNvSpPr>
+            <a:spLocks noGrp="1"/>
+          </p:cNvSpPr>
+          <p:nvPr>
+            <p:ph type="title"/>
+          </p:nvPr>
+        </p:nvSpPr>
+        <p:spPr>
+          <a:xfrm>
+            <a:off x="2928240" y="1380240"/>
+            <a:ext cx="8573760" cy="2615400"/>
+          </a:xfrm>
+          <a:prstGeom prst="rect">
+            <a:avLst/>
+          </a:prstGeom>
+        </p:spPr>
+        <p:txBody>
+          <a:bodyPr lIns="0" rIns="0" tIns="0" bIns="0" anchor="ctr">
+            <a:noAutofit/>
+          </a:bodyPr>
+          <a:p>
+            <a:pPr algn="ctr"/>
+            <a:endParaRPr b="0" lang="es-ES" sz="4400" spc="-1" strike="noStrike">
+              <a:latin typeface="Arial"/>
+            </a:endParaRPr>
+          </a:p>
+        </p:txBody>
+      </p:sp>
+      <p:sp>
+        <p:nvSpPr>
+          <p:cNvPr id="132" name="PlaceHolder 2"/>
+          <p:cNvSpPr>
+            <a:spLocks noGrp="1"/>
+          </p:cNvSpPr>
+          <p:nvPr>
+            <p:ph type="body"/>
+          </p:nvPr>
+        </p:nvSpPr>
+        <p:spPr>
+          <a:xfrm>
+            <a:off x="609480" y="1604520"/>
+            <a:ext cx="5354280" cy="1896840"/>
+          </a:xfrm>
+          <a:prstGeom prst="rect">
+            <a:avLst/>
+          </a:prstGeom>
+        </p:spPr>
+        <p:txBody>
+          <a:bodyPr lIns="0" rIns="0" tIns="0" bIns="0">
+            <a:normAutofit/>
+          </a:bodyPr>
+          <a:p>
+            <a:endParaRPr b="0" lang="es-ES" sz="3200" spc="-1" strike="noStrike">
+              <a:latin typeface="Arial"/>
+            </a:endParaRPr>
+          </a:p>
+        </p:txBody>
+      </p:sp>
+      <p:sp>
+        <p:nvSpPr>
+          <p:cNvPr id="133" name="PlaceHolder 3"/>
+          <p:cNvSpPr>
+            <a:spLocks noGrp="1"/>
+          </p:cNvSpPr>
+          <p:nvPr>
+            <p:ph type="body"/>
+          </p:nvPr>
+        </p:nvSpPr>
+        <p:spPr>
+          <a:xfrm>
+            <a:off x="6231960" y="1604520"/>
+            <a:ext cx="5354280" cy="1896840"/>
+          </a:xfrm>
+          <a:prstGeom prst="rect">
+            <a:avLst/>
+          </a:prstGeom>
+        </p:spPr>
+        <p:txBody>
+          <a:bodyPr lIns="0" rIns="0" tIns="0" bIns="0">
+            <a:normAutofit/>
+          </a:bodyPr>
+          <a:p>
+            <a:endParaRPr b="0" lang="es-ES" sz="3200" spc="-1" strike="noStrike">
+              <a:latin typeface="Arial"/>
+            </a:endParaRPr>
+          </a:p>
+        </p:txBody>
+      </p:sp>
+      <p:sp>
+        <p:nvSpPr>
+          <p:cNvPr id="134" name="PlaceHolder 4"/>
+          <p:cNvSpPr>
+            <a:spLocks noGrp="1"/>
+          </p:cNvSpPr>
+          <p:nvPr>
+            <p:ph type="body"/>
+          </p:nvPr>
+        </p:nvSpPr>
+        <p:spPr>
+          <a:xfrm>
+            <a:off x="609480" y="3682080"/>
+            <a:ext cx="5354280" cy="1896840"/>
+          </a:xfrm>
+          <a:prstGeom prst="rect">
+            <a:avLst/>
+          </a:prstGeom>
+        </p:spPr>
+        <p:txBody>
+          <a:bodyPr lIns="0" rIns="0" tIns="0" bIns="0">
+            <a:normAutofit/>
+          </a:bodyPr>
+          <a:p>
+            <a:endParaRPr b="0" lang="es-ES" sz="3200" spc="-1" strike="noStrike">
+              <a:latin typeface="Arial"/>
+            </a:endParaRPr>
+          </a:p>
+        </p:txBody>
+      </p:sp>
+      <p:sp>
+        <p:nvSpPr>
+          <p:cNvPr id="135" name="PlaceHolder 5"/>
+          <p:cNvSpPr>
+            <a:spLocks noGrp="1"/>
+          </p:cNvSpPr>
+          <p:nvPr>
+            <p:ph type="body"/>
+          </p:nvPr>
+        </p:nvSpPr>
+        <p:spPr>
+          <a:xfrm>
+            <a:off x="6231960" y="3682080"/>
+            <a:ext cx="5354280" cy="1896840"/>
+          </a:xfrm>
+          <a:prstGeom prst="rect">
+            <a:avLst/>
+          </a:prstGeom>
+        </p:spPr>
+        <p:txBody>
+          <a:bodyPr lIns="0" rIns="0" tIns="0" bIns="0">
+            <a:normAutofit/>
+          </a:bodyPr>
+          <a:p>
+            <a:endParaRPr b="0" lang="es-ES" sz="3200" spc="-1" strike="noStrike">
+              <a:latin typeface="Arial"/>
+            </a:endParaRPr>
+          </a:p>
+        </p:txBody>
+      </p:sp>
+    </p:spTree>
+  </p:cSld>
+</p:sldLayout>
+</file>
+
+<file path=ppt/slideLayouts/slideLayout36.xml><?xml version="1.0" encoding="utf-8"?>
+<p:sldLayout xmlns:a="http://schemas.openxmlformats.org/drawingml/2006/main" xmlns:p="http://schemas.openxmlformats.org/presentationml/2006/main" xmlns:r="http://schemas.openxmlformats.org/officeDocument/2006/relationships" xmlns:p14="http://schemas.microsoft.com/office/powerpoint/2010/main" xmlns:p15="http://schemas.microsoft.com/office/powerpoint/2012/main" xmlns:mc="http://schemas.openxmlformats.org/markup-compatibility/2006" type="blank" preserve="1">
+  <p:cSld name="Title, 6 Content">
+    <p:spTree>
+      <p:nvGrpSpPr>
+        <p:cNvPr id="1" name=""/>
+        <p:cNvGrpSpPr/>
+        <p:nvPr/>
+      </p:nvGrpSpPr>
+      <p:grpSpPr>
+        <a:xfrm>
+          <a:off x="0" y="0"/>
+          <a:ext cx="0" cy="0"/>
+          <a:chOff x="0" y="0"/>
+          <a:chExt cx="0" cy="0"/>
+        </a:xfrm>
+      </p:grpSpPr>
+      <p:sp>
+        <p:nvSpPr>
+          <p:cNvPr id="136" name="PlaceHolder 1"/>
+          <p:cNvSpPr>
+            <a:spLocks noGrp="1"/>
+          </p:cNvSpPr>
+          <p:nvPr>
+            <p:ph type="title"/>
+          </p:nvPr>
+        </p:nvSpPr>
+        <p:spPr>
+          <a:xfrm>
+            <a:off x="2928240" y="1380240"/>
+            <a:ext cx="8573760" cy="2615400"/>
+          </a:xfrm>
+          <a:prstGeom prst="rect">
+            <a:avLst/>
+          </a:prstGeom>
+        </p:spPr>
+        <p:txBody>
+          <a:bodyPr lIns="0" rIns="0" tIns="0" bIns="0" anchor="ctr">
+            <a:noAutofit/>
+          </a:bodyPr>
+          <a:p>
+            <a:pPr algn="ctr"/>
+            <a:endParaRPr b="0" lang="es-ES" sz="4400" spc="-1" strike="noStrike">
+              <a:latin typeface="Arial"/>
+            </a:endParaRPr>
+          </a:p>
+        </p:txBody>
+      </p:sp>
+      <p:sp>
+        <p:nvSpPr>
+          <p:cNvPr id="137" name="PlaceHolder 2"/>
+          <p:cNvSpPr>
+            <a:spLocks noGrp="1"/>
+          </p:cNvSpPr>
+          <p:nvPr>
+            <p:ph type="body"/>
+          </p:nvPr>
+        </p:nvSpPr>
+        <p:spPr>
+          <a:xfrm>
+            <a:off x="609480" y="1604520"/>
+            <a:ext cx="3533040" cy="1896840"/>
+          </a:xfrm>
+          <a:prstGeom prst="rect">
+            <a:avLst/>
+          </a:prstGeom>
+        </p:spPr>
+        <p:txBody>
+          <a:bodyPr lIns="0" rIns="0" tIns="0" bIns="0">
+            <a:normAutofit/>
+          </a:bodyPr>
+          <a:p>
+            <a:endParaRPr b="0" lang="es-ES" sz="3200" spc="-1" strike="noStrike">
+              <a:latin typeface="Arial"/>
+            </a:endParaRPr>
+          </a:p>
+        </p:txBody>
+      </p:sp>
+      <p:sp>
+        <p:nvSpPr>
+          <p:cNvPr id="138" name="PlaceHolder 3"/>
+          <p:cNvSpPr>
+            <a:spLocks noGrp="1"/>
+          </p:cNvSpPr>
+          <p:nvPr>
+            <p:ph type="body"/>
+          </p:nvPr>
+        </p:nvSpPr>
+        <p:spPr>
+          <a:xfrm>
+            <a:off x="4319640" y="1604520"/>
+            <a:ext cx="3533040" cy="1896840"/>
+          </a:xfrm>
+          <a:prstGeom prst="rect">
+            <a:avLst/>
+          </a:prstGeom>
+        </p:spPr>
+        <p:txBody>
+          <a:bodyPr lIns="0" rIns="0" tIns="0" bIns="0">
+            <a:normAutofit/>
+          </a:bodyPr>
+          <a:p>
+            <a:endParaRPr b="0" lang="es-ES" sz="3200" spc="-1" strike="noStrike">
+              <a:latin typeface="Arial"/>
+            </a:endParaRPr>
+          </a:p>
+        </p:txBody>
+      </p:sp>
+      <p:sp>
+        <p:nvSpPr>
+          <p:cNvPr id="139" name="PlaceHolder 4"/>
+          <p:cNvSpPr>
+            <a:spLocks noGrp="1"/>
+          </p:cNvSpPr>
+          <p:nvPr>
+            <p:ph type="body"/>
+          </p:nvPr>
+        </p:nvSpPr>
+        <p:spPr>
+          <a:xfrm>
+            <a:off x="8029800" y="1604520"/>
+            <a:ext cx="3533040" cy="1896840"/>
+          </a:xfrm>
+          <a:prstGeom prst="rect">
+            <a:avLst/>
+          </a:prstGeom>
+        </p:spPr>
+        <p:txBody>
+          <a:bodyPr lIns="0" rIns="0" tIns="0" bIns="0">
+            <a:normAutofit/>
+          </a:bodyPr>
+          <a:p>
+            <a:endParaRPr b="0" lang="es-ES" sz="3200" spc="-1" strike="noStrike">
+              <a:latin typeface="Arial"/>
+            </a:endParaRPr>
+          </a:p>
+        </p:txBody>
+      </p:sp>
+      <p:sp>
+        <p:nvSpPr>
+          <p:cNvPr id="140" name="PlaceHolder 5"/>
+          <p:cNvSpPr>
+            <a:spLocks noGrp="1"/>
+          </p:cNvSpPr>
+          <p:nvPr>
+            <p:ph type="body"/>
+          </p:nvPr>
+        </p:nvSpPr>
+        <p:spPr>
+          <a:xfrm>
+            <a:off x="609480" y="3682080"/>
+            <a:ext cx="3533040" cy="1896840"/>
+          </a:xfrm>
+          <a:prstGeom prst="rect">
+            <a:avLst/>
+          </a:prstGeom>
+        </p:spPr>
+        <p:txBody>
+          <a:bodyPr lIns="0" rIns="0" tIns="0" bIns="0">
+            <a:normAutofit/>
+          </a:bodyPr>
+          <a:p>
+            <a:endParaRPr b="0" lang="es-ES" sz="3200" spc="-1" strike="noStrike">
+              <a:latin typeface="Arial"/>
+            </a:endParaRPr>
+          </a:p>
+        </p:txBody>
+      </p:sp>
+      <p:sp>
+        <p:nvSpPr>
+          <p:cNvPr id="141" name="PlaceHolder 6"/>
+          <p:cNvSpPr>
+            <a:spLocks noGrp="1"/>
+          </p:cNvSpPr>
+          <p:nvPr>
+            <p:ph type="body"/>
+          </p:nvPr>
+        </p:nvSpPr>
+        <p:spPr>
+          <a:xfrm>
+            <a:off x="4319640" y="3682080"/>
+            <a:ext cx="3533040" cy="1896840"/>
+          </a:xfrm>
+          <a:prstGeom prst="rect">
+            <a:avLst/>
+          </a:prstGeom>
+        </p:spPr>
+        <p:txBody>
+          <a:bodyPr lIns="0" rIns="0" tIns="0" bIns="0">
+            <a:normAutofit/>
+          </a:bodyPr>
+          <a:p>
+            <a:endParaRPr b="0" lang="es-ES" sz="3200" spc="-1" strike="noStrike">
+              <a:latin typeface="Arial"/>
+            </a:endParaRPr>
+          </a:p>
+        </p:txBody>
+      </p:sp>
+      <p:sp>
+        <p:nvSpPr>
+          <p:cNvPr id="142" name="PlaceHolder 7"/>
+          <p:cNvSpPr>
+            <a:spLocks noGrp="1"/>
+          </p:cNvSpPr>
+          <p:nvPr>
+            <p:ph type="body"/>
+          </p:nvPr>
+        </p:nvSpPr>
+        <p:spPr>
+          <a:xfrm>
+            <a:off x="8029800" y="3682080"/>
+            <a:ext cx="3533040" cy="1896840"/>
+          </a:xfrm>
+          <a:prstGeom prst="rect">
+            <a:avLst/>
+          </a:prstGeom>
+        </p:spPr>
+        <p:txBody>
+          <a:bodyPr lIns="0" rIns="0" tIns="0" bIns="0">
+            <a:normAutofit/>
+          </a:bodyPr>
+          <a:p>
+            <a:endParaRPr b="0" lang="es-ES" sz="3200" spc="-1" strike="noStrike">
+              <a:latin typeface="Arial"/>
             </a:endParaRPr>
           </a:p>
         </p:txBody>
@@ -2244,7 +3460,7 @@
       </p:grpSpPr>
       <p:sp>
         <p:nvSpPr>
-          <p:cNvPr id="23" name="PlaceHolder 1"/>
+          <p:cNvPr id="13" name="PlaceHolder 1"/>
           <p:cNvSpPr>
             <a:spLocks noGrp="1"/>
           </p:cNvSpPr>
@@ -2255,7 +3471,7 @@
         <p:spPr>
           <a:xfrm>
             <a:off x="2928240" y="1380240"/>
-            <a:ext cx="8574120" cy="2615760"/>
+            <a:ext cx="8573760" cy="2615400"/>
           </a:xfrm>
           <a:prstGeom prst="rect">
             <a:avLst/>
@@ -2266,18 +3482,16 @@
             <a:noAutofit/>
           </a:bodyPr>
           <a:p>
-            <a:endParaRPr b="0" lang="es-ES" sz="1800" spc="-1" strike="noStrike">
-              <a:solidFill>
-                <a:srgbClr val="000000"/>
-              </a:solidFill>
-              <a:latin typeface="Corbel"/>
-            </a:endParaRPr>
-          </a:p>
-        </p:txBody>
-      </p:sp>
-      <p:sp>
-        <p:nvSpPr>
-          <p:cNvPr id="24" name="PlaceHolder 2"/>
+            <a:pPr algn="ctr"/>
+            <a:endParaRPr b="0" lang="es-ES" sz="4400" spc="-1" strike="noStrike">
+              <a:latin typeface="Arial"/>
+            </a:endParaRPr>
+          </a:p>
+        </p:txBody>
+      </p:sp>
+      <p:sp>
+        <p:nvSpPr>
+          <p:cNvPr id="14" name="PlaceHolder 2"/>
           <p:cNvSpPr>
             <a:spLocks noGrp="1"/>
           </p:cNvSpPr>
@@ -2299,18 +3513,15 @@
             <a:normAutofit/>
           </a:bodyPr>
           <a:p>
-            <a:endParaRPr b="0" lang="es-ES" sz="2400" spc="-1" strike="noStrike">
-              <a:solidFill>
-                <a:srgbClr val="000000"/>
-              </a:solidFill>
-              <a:latin typeface="Corbel"/>
-            </a:endParaRPr>
-          </a:p>
-        </p:txBody>
-      </p:sp>
-      <p:sp>
-        <p:nvSpPr>
-          <p:cNvPr id="25" name="PlaceHolder 3"/>
+            <a:endParaRPr b="0" lang="es-ES" sz="3200" spc="-1" strike="noStrike">
+              <a:latin typeface="Arial"/>
+            </a:endParaRPr>
+          </a:p>
+        </p:txBody>
+      </p:sp>
+      <p:sp>
+        <p:nvSpPr>
+          <p:cNvPr id="15" name="PlaceHolder 3"/>
           <p:cNvSpPr>
             <a:spLocks noGrp="1"/>
           </p:cNvSpPr>
@@ -2332,11 +3543,8 @@
             <a:normAutofit/>
           </a:bodyPr>
           <a:p>
-            <a:endParaRPr b="0" lang="es-ES" sz="2400" spc="-1" strike="noStrike">
-              <a:solidFill>
-                <a:srgbClr val="000000"/>
-              </a:solidFill>
-              <a:latin typeface="Corbel"/>
+            <a:endParaRPr b="0" lang="es-ES" sz="3200" spc="-1" strike="noStrike">
+              <a:latin typeface="Arial"/>
             </a:endParaRPr>
           </a:p>
         </p:txBody>
@@ -2365,7 +3573,7 @@
       </p:grpSpPr>
       <p:sp>
         <p:nvSpPr>
-          <p:cNvPr id="26" name="PlaceHolder 1"/>
+          <p:cNvPr id="16" name="PlaceHolder 1"/>
           <p:cNvSpPr>
             <a:spLocks noGrp="1"/>
           </p:cNvSpPr>
@@ -2376,7 +3584,7 @@
         <p:spPr>
           <a:xfrm>
             <a:off x="2928240" y="1380240"/>
-            <a:ext cx="8574120" cy="2615760"/>
+            <a:ext cx="8573760" cy="2615400"/>
           </a:xfrm>
           <a:prstGeom prst="rect">
             <a:avLst/>
@@ -2387,11 +3595,9 @@
             <a:noAutofit/>
           </a:bodyPr>
           <a:p>
-            <a:endParaRPr b="0" lang="es-ES" sz="1800" spc="-1" strike="noStrike">
-              <a:solidFill>
-                <a:srgbClr val="000000"/>
-              </a:solidFill>
-              <a:latin typeface="Corbel"/>
+            <a:pPr algn="ctr"/>
+            <a:endParaRPr b="0" lang="es-ES" sz="4400" spc="-1" strike="noStrike">
+              <a:latin typeface="Arial"/>
             </a:endParaRPr>
           </a:p>
         </p:txBody>
@@ -2420,7 +3626,7 @@
       </p:grpSpPr>
       <p:sp>
         <p:nvSpPr>
-          <p:cNvPr id="27" name="PlaceHolder 1"/>
+          <p:cNvPr id="17" name="PlaceHolder 1"/>
           <p:cNvSpPr>
             <a:spLocks noGrp="1"/>
           </p:cNvSpPr>
@@ -2431,7 +3637,7 @@
         <p:spPr>
           <a:xfrm>
             <a:off x="2928240" y="1380240"/>
-            <a:ext cx="8574120" cy="12126240"/>
+            <a:ext cx="8573760" cy="12124800"/>
           </a:xfrm>
           <a:prstGeom prst="rect">
             <a:avLst/>
@@ -2473,7 +3679,7 @@
       </p:grpSpPr>
       <p:sp>
         <p:nvSpPr>
-          <p:cNvPr id="28" name="PlaceHolder 1"/>
+          <p:cNvPr id="18" name="PlaceHolder 1"/>
           <p:cNvSpPr>
             <a:spLocks noGrp="1"/>
           </p:cNvSpPr>
@@ -2484,7 +3690,7 @@
         <p:spPr>
           <a:xfrm>
             <a:off x="2928240" y="1380240"/>
-            <a:ext cx="8574120" cy="2615760"/>
+            <a:ext cx="8573760" cy="2615400"/>
           </a:xfrm>
           <a:prstGeom prst="rect">
             <a:avLst/>
@@ -2495,18 +3701,16 @@
             <a:noAutofit/>
           </a:bodyPr>
           <a:p>
-            <a:endParaRPr b="0" lang="es-ES" sz="1800" spc="-1" strike="noStrike">
-              <a:solidFill>
-                <a:srgbClr val="000000"/>
-              </a:solidFill>
-              <a:latin typeface="Corbel"/>
-            </a:endParaRPr>
-          </a:p>
-        </p:txBody>
-      </p:sp>
-      <p:sp>
-        <p:nvSpPr>
-          <p:cNvPr id="29" name="PlaceHolder 2"/>
+            <a:pPr algn="ctr"/>
+            <a:endParaRPr b="0" lang="es-ES" sz="4400" spc="-1" strike="noStrike">
+              <a:latin typeface="Arial"/>
+            </a:endParaRPr>
+          </a:p>
+        </p:txBody>
+      </p:sp>
+      <p:sp>
+        <p:nvSpPr>
+          <p:cNvPr id="19" name="PlaceHolder 2"/>
           <p:cNvSpPr>
             <a:spLocks noGrp="1"/>
           </p:cNvSpPr>
@@ -2528,18 +3732,15 @@
             <a:normAutofit/>
           </a:bodyPr>
           <a:p>
-            <a:endParaRPr b="0" lang="es-ES" sz="2400" spc="-1" strike="noStrike">
-              <a:solidFill>
-                <a:srgbClr val="000000"/>
-              </a:solidFill>
-              <a:latin typeface="Corbel"/>
-            </a:endParaRPr>
-          </a:p>
-        </p:txBody>
-      </p:sp>
-      <p:sp>
-        <p:nvSpPr>
-          <p:cNvPr id="30" name="PlaceHolder 3"/>
+            <a:endParaRPr b="0" lang="es-ES" sz="3200" spc="-1" strike="noStrike">
+              <a:latin typeface="Arial"/>
+            </a:endParaRPr>
+          </a:p>
+        </p:txBody>
+      </p:sp>
+      <p:sp>
+        <p:nvSpPr>
+          <p:cNvPr id="20" name="PlaceHolder 3"/>
           <p:cNvSpPr>
             <a:spLocks noGrp="1"/>
           </p:cNvSpPr>
@@ -2561,18 +3762,15 @@
             <a:normAutofit/>
           </a:bodyPr>
           <a:p>
-            <a:endParaRPr b="0" lang="es-ES" sz="2400" spc="-1" strike="noStrike">
-              <a:solidFill>
-                <a:srgbClr val="000000"/>
-              </a:solidFill>
-              <a:latin typeface="Corbel"/>
-            </a:endParaRPr>
-          </a:p>
-        </p:txBody>
-      </p:sp>
-      <p:sp>
-        <p:nvSpPr>
-          <p:cNvPr id="31" name="PlaceHolder 4"/>
+            <a:endParaRPr b="0" lang="es-ES" sz="3200" spc="-1" strike="noStrike">
+              <a:latin typeface="Arial"/>
+            </a:endParaRPr>
+          </a:p>
+        </p:txBody>
+      </p:sp>
+      <p:sp>
+        <p:nvSpPr>
+          <p:cNvPr id="21" name="PlaceHolder 4"/>
           <p:cNvSpPr>
             <a:spLocks noGrp="1"/>
           </p:cNvSpPr>
@@ -2594,11 +3792,8 @@
             <a:normAutofit/>
           </a:bodyPr>
           <a:p>
-            <a:endParaRPr b="0" lang="es-ES" sz="2400" spc="-1" strike="noStrike">
-              <a:solidFill>
-                <a:srgbClr val="000000"/>
-              </a:solidFill>
-              <a:latin typeface="Corbel"/>
+            <a:endParaRPr b="0" lang="es-ES" sz="3200" spc="-1" strike="noStrike">
+              <a:latin typeface="Arial"/>
             </a:endParaRPr>
           </a:p>
         </p:txBody>
@@ -2627,7 +3822,7 @@
       </p:grpSpPr>
       <p:sp>
         <p:nvSpPr>
-          <p:cNvPr id="32" name="PlaceHolder 1"/>
+          <p:cNvPr id="22" name="PlaceHolder 1"/>
           <p:cNvSpPr>
             <a:spLocks noGrp="1"/>
           </p:cNvSpPr>
@@ -2638,7 +3833,7 @@
         <p:spPr>
           <a:xfrm>
             <a:off x="2928240" y="1380240"/>
-            <a:ext cx="8574120" cy="2615760"/>
+            <a:ext cx="8573760" cy="2615400"/>
           </a:xfrm>
           <a:prstGeom prst="rect">
             <a:avLst/>
@@ -2649,18 +3844,16 @@
             <a:noAutofit/>
           </a:bodyPr>
           <a:p>
-            <a:endParaRPr b="0" lang="es-ES" sz="1800" spc="-1" strike="noStrike">
-              <a:solidFill>
-                <a:srgbClr val="000000"/>
-              </a:solidFill>
-              <a:latin typeface="Corbel"/>
-            </a:endParaRPr>
-          </a:p>
-        </p:txBody>
-      </p:sp>
-      <p:sp>
-        <p:nvSpPr>
-          <p:cNvPr id="33" name="PlaceHolder 2"/>
+            <a:pPr algn="ctr"/>
+            <a:endParaRPr b="0" lang="es-ES" sz="4400" spc="-1" strike="noStrike">
+              <a:latin typeface="Arial"/>
+            </a:endParaRPr>
+          </a:p>
+        </p:txBody>
+      </p:sp>
+      <p:sp>
+        <p:nvSpPr>
+          <p:cNvPr id="23" name="PlaceHolder 2"/>
           <p:cNvSpPr>
             <a:spLocks noGrp="1"/>
           </p:cNvSpPr>
@@ -2682,18 +3875,15 @@
             <a:normAutofit/>
           </a:bodyPr>
           <a:p>
-            <a:endParaRPr b="0" lang="es-ES" sz="2400" spc="-1" strike="noStrike">
-              <a:solidFill>
-                <a:srgbClr val="000000"/>
-              </a:solidFill>
-              <a:latin typeface="Corbel"/>
-            </a:endParaRPr>
-          </a:p>
-        </p:txBody>
-      </p:sp>
-      <p:sp>
-        <p:nvSpPr>
-          <p:cNvPr id="34" name="PlaceHolder 3"/>
+            <a:endParaRPr b="0" lang="es-ES" sz="3200" spc="-1" strike="noStrike">
+              <a:latin typeface="Arial"/>
+            </a:endParaRPr>
+          </a:p>
+        </p:txBody>
+      </p:sp>
+      <p:sp>
+        <p:nvSpPr>
+          <p:cNvPr id="24" name="PlaceHolder 3"/>
           <p:cNvSpPr>
             <a:spLocks noGrp="1"/>
           </p:cNvSpPr>
@@ -2715,18 +3905,15 @@
             <a:normAutofit/>
           </a:bodyPr>
           <a:p>
-            <a:endParaRPr b="0" lang="es-ES" sz="2400" spc="-1" strike="noStrike">
-              <a:solidFill>
-                <a:srgbClr val="000000"/>
-              </a:solidFill>
-              <a:latin typeface="Corbel"/>
-            </a:endParaRPr>
-          </a:p>
-        </p:txBody>
-      </p:sp>
-      <p:sp>
-        <p:nvSpPr>
-          <p:cNvPr id="35" name="PlaceHolder 4"/>
+            <a:endParaRPr b="0" lang="es-ES" sz="3200" spc="-1" strike="noStrike">
+              <a:latin typeface="Arial"/>
+            </a:endParaRPr>
+          </a:p>
+        </p:txBody>
+      </p:sp>
+      <p:sp>
+        <p:nvSpPr>
+          <p:cNvPr id="25" name="PlaceHolder 4"/>
           <p:cNvSpPr>
             <a:spLocks noGrp="1"/>
           </p:cNvSpPr>
@@ -2748,11 +3935,8 @@
             <a:normAutofit/>
           </a:bodyPr>
           <a:p>
-            <a:endParaRPr b="0" lang="es-ES" sz="2400" spc="-1" strike="noStrike">
-              <a:solidFill>
-                <a:srgbClr val="000000"/>
-              </a:solidFill>
-              <a:latin typeface="Corbel"/>
+            <a:endParaRPr b="0" lang="es-ES" sz="3200" spc="-1" strike="noStrike">
+              <a:latin typeface="Arial"/>
             </a:endParaRPr>
           </a:p>
         </p:txBody>
@@ -2781,7 +3965,7 @@
       </p:grpSpPr>
       <p:sp>
         <p:nvSpPr>
-          <p:cNvPr id="36" name="PlaceHolder 1"/>
+          <p:cNvPr id="26" name="PlaceHolder 1"/>
           <p:cNvSpPr>
             <a:spLocks noGrp="1"/>
           </p:cNvSpPr>
@@ -2792,7 +3976,7 @@
         <p:spPr>
           <a:xfrm>
             <a:off x="2928240" y="1380240"/>
-            <a:ext cx="8574120" cy="2615760"/>
+            <a:ext cx="8573760" cy="2615400"/>
           </a:xfrm>
           <a:prstGeom prst="rect">
             <a:avLst/>
@@ -2803,18 +3987,16 @@
             <a:noAutofit/>
           </a:bodyPr>
           <a:p>
-            <a:endParaRPr b="0" lang="es-ES" sz="1800" spc="-1" strike="noStrike">
-              <a:solidFill>
-                <a:srgbClr val="000000"/>
-              </a:solidFill>
-              <a:latin typeface="Corbel"/>
-            </a:endParaRPr>
-          </a:p>
-        </p:txBody>
-      </p:sp>
-      <p:sp>
-        <p:nvSpPr>
-          <p:cNvPr id="37" name="PlaceHolder 2"/>
+            <a:pPr algn="ctr"/>
+            <a:endParaRPr b="0" lang="es-ES" sz="4400" spc="-1" strike="noStrike">
+              <a:latin typeface="Arial"/>
+            </a:endParaRPr>
+          </a:p>
+        </p:txBody>
+      </p:sp>
+      <p:sp>
+        <p:nvSpPr>
+          <p:cNvPr id="27" name="PlaceHolder 2"/>
           <p:cNvSpPr>
             <a:spLocks noGrp="1"/>
           </p:cNvSpPr>
@@ -2836,18 +4018,15 @@
             <a:normAutofit/>
           </a:bodyPr>
           <a:p>
-            <a:endParaRPr b="0" lang="es-ES" sz="2400" spc="-1" strike="noStrike">
-              <a:solidFill>
-                <a:srgbClr val="000000"/>
-              </a:solidFill>
-              <a:latin typeface="Corbel"/>
-            </a:endParaRPr>
-          </a:p>
-        </p:txBody>
-      </p:sp>
-      <p:sp>
-        <p:nvSpPr>
-          <p:cNvPr id="38" name="PlaceHolder 3"/>
+            <a:endParaRPr b="0" lang="es-ES" sz="3200" spc="-1" strike="noStrike">
+              <a:latin typeface="Arial"/>
+            </a:endParaRPr>
+          </a:p>
+        </p:txBody>
+      </p:sp>
+      <p:sp>
+        <p:nvSpPr>
+          <p:cNvPr id="28" name="PlaceHolder 3"/>
           <p:cNvSpPr>
             <a:spLocks noGrp="1"/>
           </p:cNvSpPr>
@@ -2869,18 +4048,15 @@
             <a:normAutofit/>
           </a:bodyPr>
           <a:p>
-            <a:endParaRPr b="0" lang="es-ES" sz="2400" spc="-1" strike="noStrike">
-              <a:solidFill>
-                <a:srgbClr val="000000"/>
-              </a:solidFill>
-              <a:latin typeface="Corbel"/>
-            </a:endParaRPr>
-          </a:p>
-        </p:txBody>
-      </p:sp>
-      <p:sp>
-        <p:nvSpPr>
-          <p:cNvPr id="39" name="PlaceHolder 4"/>
+            <a:endParaRPr b="0" lang="es-ES" sz="3200" spc="-1" strike="noStrike">
+              <a:latin typeface="Arial"/>
+            </a:endParaRPr>
+          </a:p>
+        </p:txBody>
+      </p:sp>
+      <p:sp>
+        <p:nvSpPr>
+          <p:cNvPr id="29" name="PlaceHolder 4"/>
           <p:cNvSpPr>
             <a:spLocks noGrp="1"/>
           </p:cNvSpPr>
@@ -2902,11 +4078,8 @@
             <a:normAutofit/>
           </a:bodyPr>
           <a:p>
-            <a:endParaRPr b="0" lang="es-ES" sz="2400" spc="-1" strike="noStrike">
-              <a:solidFill>
-                <a:srgbClr val="000000"/>
-              </a:solidFill>
-              <a:latin typeface="Corbel"/>
+            <a:endParaRPr b="0" lang="es-ES" sz="3200" spc="-1" strike="noStrike">
+              <a:latin typeface="Arial"/>
             </a:endParaRPr>
           </a:p>
         </p:txBody>
@@ -2950,9 +4123,9 @@
         <p:grpSpPr>
           <a:xfrm>
             <a:off x="150840" y="0"/>
-            <a:ext cx="2436480" cy="6857640"/>
+            <a:ext cx="2436120" cy="6857280"/>
             <a:chOff x="150840" y="0"/>
-            <a:chExt cx="2436480" cy="6857640"/>
+            <a:chExt cx="2436120" cy="6857280"/>
           </a:xfrm>
         </p:grpSpPr>
         <p:sp>
@@ -2964,7 +4137,7 @@
           <p:spPr>
             <a:xfrm>
               <a:off x="457200" y="0"/>
-              <a:ext cx="1122120" cy="5328720"/>
+              <a:ext cx="1121760" cy="5328360"/>
             </a:xfrm>
             <a:custGeom>
               <a:avLst/>
@@ -3015,7 +4188,7 @@
           <p:spPr>
             <a:xfrm>
               <a:off x="150840" y="0"/>
-              <a:ext cx="1117080" cy="5276520"/>
+              <a:ext cx="1116720" cy="5276160"/>
             </a:xfrm>
             <a:custGeom>
               <a:avLst/>
@@ -3069,7 +4242,7 @@
           <p:spPr>
             <a:xfrm>
               <a:off x="150840" y="5238720"/>
-              <a:ext cx="1228320" cy="1618920"/>
+              <a:ext cx="1227960" cy="1618560"/>
             </a:xfrm>
             <a:custGeom>
               <a:avLst/>
@@ -3120,7 +4293,7 @@
           <p:spPr>
             <a:xfrm>
               <a:off x="457200" y="5291280"/>
-              <a:ext cx="1495080" cy="1566360"/>
+              <a:ext cx="1494720" cy="1566000"/>
             </a:xfrm>
             <a:custGeom>
               <a:avLst/>
@@ -3170,7 +4343,7 @@
           <p:spPr>
             <a:xfrm>
               <a:off x="457200" y="5286240"/>
-              <a:ext cx="2130120" cy="1571400"/>
+              <a:ext cx="2129760" cy="1571040"/>
             </a:xfrm>
             <a:custGeom>
               <a:avLst/>
@@ -3226,7 +4399,7 @@
           <p:spPr>
             <a:xfrm>
               <a:off x="150840" y="5238720"/>
-              <a:ext cx="1695240" cy="1618920"/>
+              <a:ext cx="1694880" cy="1618560"/>
             </a:xfrm>
             <a:custGeom>
               <a:avLst/>
@@ -3287,352 +4460,9 @@
           </p:style>
         </p:sp>
       </p:grpSp>
-      <p:grpSp>
-        <p:nvGrpSpPr>
-          <p:cNvPr id="7" name="Group 8"/>
-          <p:cNvGrpSpPr/>
-          <p:nvPr/>
-        </p:nvGrpSpPr>
-        <p:grpSpPr>
-          <a:xfrm>
-            <a:off x="546120" y="-4680"/>
-            <a:ext cx="5014440" cy="6862320"/>
-            <a:chOff x="546120" y="-4680"/>
-            <a:chExt cx="5014440" cy="6862320"/>
-          </a:xfrm>
-        </p:grpSpPr>
-        <p:sp>
-          <p:nvSpPr>
-            <p:cNvPr id="8" name="CustomShape 9"/>
-            <p:cNvSpPr/>
-            <p:nvPr/>
-          </p:nvSpPr>
-          <p:spPr>
-            <a:xfrm>
-              <a:off x="984240" y="-4680"/>
-              <a:ext cx="1063440" cy="2782440"/>
-            </a:xfrm>
-            <a:custGeom>
-              <a:avLst/>
-              <a:gdLst/>
-              <a:ahLst/>
-              <a:rect l="l" t="t" r="r" b="b"/>
-              <a:pathLst>
-                <a:path w="670" h="1753">
-                  <a:moveTo>
-                    <a:pt x="0" y="1696"/>
-                  </a:moveTo>
-                  <a:lnTo>
-                    <a:pt x="225" y="1753"/>
-                  </a:lnTo>
-                  <a:lnTo>
-                    <a:pt x="670" y="0"/>
-                  </a:lnTo>
-                  <a:lnTo>
-                    <a:pt x="430" y="0"/>
-                  </a:lnTo>
-                  <a:lnTo>
-                    <a:pt x="0" y="1696"/>
-                  </a:lnTo>
-                  <a:close/>
-                </a:path>
-              </a:pathLst>
-            </a:custGeom>
-            <a:solidFill>
-              <a:schemeClr val="accent1"/>
-            </a:solidFill>
-            <a:ln w="0">
-              <a:noFill/>
-            </a:ln>
-          </p:spPr>
-          <p:style>
-            <a:lnRef idx="0"/>
-            <a:fillRef idx="0"/>
-            <a:effectRef idx="0"/>
-            <a:fontRef idx="minor"/>
-          </p:style>
-        </p:sp>
-        <p:sp>
-          <p:nvSpPr>
-            <p:cNvPr id="9" name="CustomShape 10"/>
-            <p:cNvSpPr/>
-            <p:nvPr/>
-          </p:nvSpPr>
-          <p:spPr>
-            <a:xfrm>
-              <a:off x="546120" y="-4680"/>
-              <a:ext cx="1034640" cy="2673000"/>
-            </a:xfrm>
-            <a:custGeom>
-              <a:avLst/>
-              <a:gdLst/>
-              <a:ahLst/>
-              <a:rect l="l" t="t" r="r" b="b"/>
-              <a:pathLst>
-                <a:path w="652" h="1684">
-                  <a:moveTo>
-                    <a:pt x="225" y="1684"/>
-                  </a:moveTo>
-                  <a:lnTo>
-                    <a:pt x="652" y="0"/>
-                  </a:lnTo>
-                  <a:lnTo>
-                    <a:pt x="411" y="0"/>
-                  </a:lnTo>
-                  <a:lnTo>
-                    <a:pt x="0" y="1627"/>
-                  </a:lnTo>
-                  <a:lnTo>
-                    <a:pt x="219" y="1681"/>
-                  </a:lnTo>
-                  <a:lnTo>
-                    <a:pt x="225" y="1684"/>
-                  </a:lnTo>
-                  <a:close/>
-                </a:path>
-              </a:pathLst>
-            </a:custGeom>
-            <a:solidFill>
-              <a:schemeClr val="tx1">
-                <a:lumMod val="65000"/>
-                <a:lumOff val="35000"/>
-              </a:schemeClr>
-            </a:solidFill>
-            <a:ln w="0">
-              <a:noFill/>
-            </a:ln>
-          </p:spPr>
-          <p:style>
-            <a:lnRef idx="0"/>
-            <a:fillRef idx="0"/>
-            <a:effectRef idx="0"/>
-            <a:fontRef idx="minor"/>
-          </p:style>
-        </p:sp>
-        <p:sp>
-          <p:nvSpPr>
-            <p:cNvPr id="10" name="CustomShape 11"/>
-            <p:cNvSpPr/>
-            <p:nvPr/>
-          </p:nvSpPr>
-          <p:spPr>
-            <a:xfrm>
-              <a:off x="546120" y="2583000"/>
-              <a:ext cx="2693520" cy="4274640"/>
-            </a:xfrm>
-            <a:custGeom>
-              <a:avLst/>
-              <a:gdLst/>
-              <a:ahLst/>
-              <a:rect l="l" t="t" r="r" b="b"/>
-              <a:pathLst>
-                <a:path w="1697" h="2693">
-                  <a:moveTo>
-                    <a:pt x="0" y="0"/>
-                  </a:moveTo>
-                  <a:lnTo>
-                    <a:pt x="1622" y="2693"/>
-                  </a:lnTo>
-                  <a:lnTo>
-                    <a:pt x="1697" y="2693"/>
-                  </a:lnTo>
-                  <a:lnTo>
-                    <a:pt x="0" y="0"/>
-                  </a:lnTo>
-                  <a:close/>
-                </a:path>
-              </a:pathLst>
-            </a:custGeom>
-            <a:solidFill>
-              <a:schemeClr val="tx1">
-                <a:lumMod val="85000"/>
-                <a:lumOff val="15000"/>
-              </a:schemeClr>
-            </a:solidFill>
-            <a:ln w="0">
-              <a:noFill/>
-            </a:ln>
-          </p:spPr>
-          <p:style>
-            <a:lnRef idx="0"/>
-            <a:fillRef idx="0"/>
-            <a:effectRef idx="0"/>
-            <a:fontRef idx="minor"/>
-          </p:style>
-        </p:sp>
-        <p:sp>
-          <p:nvSpPr>
-            <p:cNvPr id="11" name="CustomShape 12"/>
-            <p:cNvSpPr/>
-            <p:nvPr/>
-          </p:nvSpPr>
-          <p:spPr>
-            <a:xfrm>
-              <a:off x="988920" y="2692440"/>
-              <a:ext cx="3331800" cy="4165200"/>
-            </a:xfrm>
-            <a:custGeom>
-              <a:avLst/>
-              <a:gdLst/>
-              <a:ahLst/>
-              <a:rect l="l" t="t" r="r" b="b"/>
-              <a:pathLst>
-                <a:path w="2099" h="2624">
-                  <a:moveTo>
-                    <a:pt x="2099" y="2624"/>
-                  </a:moveTo>
-                  <a:lnTo>
-                    <a:pt x="0" y="0"/>
-                  </a:lnTo>
-                  <a:lnTo>
-                    <a:pt x="2021" y="2624"/>
-                  </a:lnTo>
-                  <a:lnTo>
-                    <a:pt x="2099" y="2624"/>
-                  </a:lnTo>
-                  <a:close/>
-                </a:path>
-              </a:pathLst>
-            </a:custGeom>
-            <a:solidFill>
-              <a:schemeClr val="accent1">
-                <a:lumMod val="50000"/>
-              </a:schemeClr>
-            </a:solidFill>
-            <a:ln w="0">
-              <a:noFill/>
-            </a:ln>
-          </p:spPr>
-          <p:style>
-            <a:lnRef idx="0"/>
-            <a:fillRef idx="0"/>
-            <a:effectRef idx="0"/>
-            <a:fontRef idx="minor"/>
-          </p:style>
-        </p:sp>
-        <p:sp>
-          <p:nvSpPr>
-            <p:cNvPr id="12" name="CustomShape 13"/>
-            <p:cNvSpPr/>
-            <p:nvPr/>
-          </p:nvSpPr>
-          <p:spPr>
-            <a:xfrm>
-              <a:off x="984240" y="2687760"/>
-              <a:ext cx="4576320" cy="4169880"/>
-            </a:xfrm>
-            <a:custGeom>
-              <a:avLst/>
-              <a:gdLst/>
-              <a:ahLst/>
-              <a:rect l="l" t="t" r="r" b="b"/>
-              <a:pathLst>
-                <a:path w="2883" h="2627">
-                  <a:moveTo>
-                    <a:pt x="0" y="0"/>
-                  </a:moveTo>
-                  <a:lnTo>
-                    <a:pt x="3" y="3"/>
-                  </a:lnTo>
-                  <a:lnTo>
-                    <a:pt x="2102" y="2627"/>
-                  </a:lnTo>
-                  <a:lnTo>
-                    <a:pt x="2883" y="2627"/>
-                  </a:lnTo>
-                  <a:lnTo>
-                    <a:pt x="225" y="57"/>
-                  </a:lnTo>
-                  <a:lnTo>
-                    <a:pt x="0" y="0"/>
-                  </a:lnTo>
-                  <a:close/>
-                </a:path>
-              </a:pathLst>
-            </a:custGeom>
-            <a:solidFill>
-              <a:schemeClr val="accent1">
-                <a:lumMod val="75000"/>
-              </a:schemeClr>
-            </a:solidFill>
-            <a:ln w="0">
-              <a:noFill/>
-            </a:ln>
-          </p:spPr>
-          <p:style>
-            <a:lnRef idx="0"/>
-            <a:fillRef idx="0"/>
-            <a:effectRef idx="0"/>
-            <a:fontRef idx="minor"/>
-          </p:style>
-        </p:sp>
-        <p:sp>
-          <p:nvSpPr>
-            <p:cNvPr id="13" name="CustomShape 14"/>
-            <p:cNvSpPr/>
-            <p:nvPr/>
-          </p:nvSpPr>
-          <p:spPr>
-            <a:xfrm>
-              <a:off x="546120" y="2577960"/>
-              <a:ext cx="3584160" cy="4279680"/>
-            </a:xfrm>
-            <a:custGeom>
-              <a:avLst/>
-              <a:gdLst/>
-              <a:ahLst/>
-              <a:rect l="l" t="t" r="r" b="b"/>
-              <a:pathLst>
-                <a:path w="2258" h="2696">
-                  <a:moveTo>
-                    <a:pt x="2258" y="2696"/>
-                  </a:moveTo>
-                  <a:lnTo>
-                    <a:pt x="264" y="111"/>
-                  </a:lnTo>
-                  <a:lnTo>
-                    <a:pt x="228" y="60"/>
-                  </a:lnTo>
-                  <a:lnTo>
-                    <a:pt x="225" y="57"/>
-                  </a:lnTo>
-                  <a:lnTo>
-                    <a:pt x="0" y="0"/>
-                  </a:lnTo>
-                  <a:lnTo>
-                    <a:pt x="0" y="3"/>
-                  </a:lnTo>
-                  <a:lnTo>
-                    <a:pt x="1697" y="2696"/>
-                  </a:lnTo>
-                  <a:lnTo>
-                    <a:pt x="2258" y="2696"/>
-                  </a:lnTo>
-                  <a:close/>
-                </a:path>
-              </a:pathLst>
-            </a:custGeom>
-            <a:solidFill>
-              <a:schemeClr val="tx1">
-                <a:lumMod val="75000"/>
-                <a:lumOff val="25000"/>
-              </a:schemeClr>
-            </a:solidFill>
-            <a:ln w="0">
-              <a:noFill/>
-            </a:ln>
-          </p:spPr>
-          <p:style>
-            <a:lnRef idx="0"/>
-            <a:fillRef idx="0"/>
-            <a:effectRef idx="0"/>
-            <a:fontRef idx="minor"/>
-          </p:style>
-        </p:sp>
-      </p:grpSp>
-      <p:sp>
-        <p:nvSpPr>
-          <p:cNvPr id="14" name="PlaceHolder 15"/>
+      <p:sp>
+        <p:nvSpPr>
+          <p:cNvPr id="7" name="PlaceHolder 8"/>
           <p:cNvSpPr>
             <a:spLocks noGrp="1"/>
           </p:cNvSpPr>
@@ -3642,162 +4472,34 @@
         </p:nvSpPr>
         <p:spPr>
           <a:xfrm>
-            <a:off x="2928240" y="1380240"/>
-            <a:ext cx="8574120" cy="2615760"/>
-          </a:xfrm>
-          <a:prstGeom prst="rect">
-            <a:avLst/>
-          </a:prstGeom>
-        </p:spPr>
-        <p:txBody>
-          <a:bodyPr anchor="b">
-            <a:normAutofit/>
-          </a:bodyPr>
-          <a:p>
-            <a:pPr algn="r">
-              <a:lnSpc>
-                <a:spcPct val="100000"/>
-              </a:lnSpc>
-            </a:pPr>
+            <a:off x="609480" y="273600"/>
+            <a:ext cx="10972440" cy="1144800"/>
+          </a:xfrm>
+          <a:prstGeom prst="rect">
+            <a:avLst/>
+          </a:prstGeom>
+        </p:spPr>
+        <p:txBody>
+          <a:bodyPr lIns="0" rIns="0" tIns="0" bIns="0" anchor="ctr">
+            <a:noAutofit/>
+          </a:bodyPr>
+          <a:p>
+            <a:pPr algn="ctr"/>
             <a:r>
-              <a:rPr b="0" lang="es-ES" sz="6000" spc="-1" strike="noStrike">
-                <a:solidFill>
-                  <a:srgbClr val="000000"/>
-                </a:solidFill>
-                <a:latin typeface="Corbel"/>
+              <a:rPr b="0" lang="es-ES" sz="4400" spc="-1" strike="noStrike">
+                <a:latin typeface="Arial"/>
               </a:rPr>
-              <a:t>Haga clic para modificar el estilo de título del patrón</a:t>
+              <a:t>Pulse para editar el formato del texto de título</a:t>
             </a:r>
-            <a:endParaRPr b="0" lang="es-ES" sz="6000" spc="-1" strike="noStrike">
-              <a:solidFill>
-                <a:srgbClr val="000000"/>
-              </a:solidFill>
-              <a:latin typeface="Corbel"/>
-            </a:endParaRPr>
-          </a:p>
-        </p:txBody>
-      </p:sp>
-      <p:sp>
-        <p:nvSpPr>
-          <p:cNvPr id="15" name="PlaceHolder 16"/>
-          <p:cNvSpPr>
-            <a:spLocks noGrp="1"/>
-          </p:cNvSpPr>
-          <p:nvPr>
-            <p:ph type="dt"/>
-          </p:nvPr>
-        </p:nvSpPr>
-        <p:spPr>
-          <a:xfrm>
-            <a:off x="9732600" y="5883120"/>
-            <a:ext cx="1142640" cy="364680"/>
-          </a:xfrm>
-          <a:prstGeom prst="rect">
-            <a:avLst/>
-          </a:prstGeom>
-        </p:spPr>
-        <p:txBody>
-          <a:bodyPr anchor="ctr">
-            <a:noAutofit/>
-          </a:bodyPr>
-          <a:p>
-            <a:pPr algn="r">
-              <a:lnSpc>
-                <a:spcPct val="100000"/>
-              </a:lnSpc>
-            </a:pPr>
-            <a:fld id="{EF2A85CA-C372-4DC1-A465-1CFCC345B192}" type="datetime">
-              <a:rPr b="0" lang="es-ES" sz="1000" spc="-1" strike="noStrike">
-                <a:solidFill>
-                  <a:srgbClr val="000000"/>
-                </a:solidFill>
-                <a:latin typeface="Corbel"/>
-              </a:rPr>
-              <a:t>16/03/21</a:t>
-            </a:fld>
-            <a:endParaRPr b="0" lang="es-ES" sz="1000" spc="-1" strike="noStrike">
-              <a:latin typeface="Times New Roman"/>
-            </a:endParaRPr>
-          </a:p>
-        </p:txBody>
-      </p:sp>
-      <p:sp>
-        <p:nvSpPr>
-          <p:cNvPr id="16" name="PlaceHolder 17"/>
-          <p:cNvSpPr>
-            <a:spLocks noGrp="1"/>
-          </p:cNvSpPr>
-          <p:nvPr>
-            <p:ph type="ftr"/>
-          </p:nvPr>
-        </p:nvSpPr>
-        <p:spPr>
-          <a:xfrm>
-            <a:off x="5332320" y="5883120"/>
-            <a:ext cx="4323600" cy="364680"/>
-          </a:xfrm>
-          <a:prstGeom prst="rect">
-            <a:avLst/>
-          </a:prstGeom>
-        </p:spPr>
-        <p:txBody>
-          <a:bodyPr anchor="ctr">
-            <a:noAutofit/>
-          </a:bodyPr>
-          <a:p>
-            <a:endParaRPr b="0" lang="es-ES" sz="2400" spc="-1" strike="noStrike">
-              <a:latin typeface="Times New Roman"/>
-            </a:endParaRPr>
-          </a:p>
-        </p:txBody>
-      </p:sp>
-      <p:sp>
-        <p:nvSpPr>
-          <p:cNvPr id="17" name="PlaceHolder 18"/>
-          <p:cNvSpPr>
-            <a:spLocks noGrp="1"/>
-          </p:cNvSpPr>
-          <p:nvPr>
-            <p:ph type="sldNum"/>
-          </p:nvPr>
-        </p:nvSpPr>
-        <p:spPr>
-          <a:xfrm>
-            <a:off x="10951920" y="5883120"/>
-            <a:ext cx="550800" cy="364680"/>
-          </a:xfrm>
-          <a:prstGeom prst="rect">
-            <a:avLst/>
-          </a:prstGeom>
-        </p:spPr>
-        <p:txBody>
-          <a:bodyPr anchor="ctr">
-            <a:noAutofit/>
-          </a:bodyPr>
-          <a:p>
-            <a:pPr algn="r">
-              <a:lnSpc>
-                <a:spcPct val="100000"/>
-              </a:lnSpc>
-            </a:pPr>
-            <a:fld id="{3FC110D5-1379-41E2-B42F-B6B4B474FEEF}" type="slidenum">
-              <a:rPr b="0" lang="es-ES" sz="1000" spc="-1" strike="noStrike">
-                <a:solidFill>
-                  <a:srgbClr val="000000"/>
-                </a:solidFill>
-                <a:latin typeface="Corbel"/>
-              </a:rPr>
-              <a:t>&lt;número&gt;</a:t>
-            </a:fld>
-            <a:endParaRPr b="0" lang="es-ES" sz="1000" spc="-1" strike="noStrike">
-              <a:latin typeface="Times New Roman"/>
-            </a:endParaRPr>
-          </a:p>
-        </p:txBody>
-      </p:sp>
-      <p:sp>
-        <p:nvSpPr>
-          <p:cNvPr id="18" name="PlaceHolder 19"/>
+            <a:endParaRPr b="0" lang="es-ES" sz="4400" spc="-1" strike="noStrike">
+              <a:latin typeface="Arial"/>
+            </a:endParaRPr>
+          </a:p>
+        </p:txBody>
+      </p:sp>
+      <p:sp>
+        <p:nvSpPr>
+          <p:cNvPr id="8" name="PlaceHolder 9"/>
           <p:cNvSpPr>
             <a:spLocks noGrp="1"/>
           </p:cNvSpPr>
@@ -3831,19 +4533,13 @@
               <a:buChar char=""/>
             </a:pPr>
             <a:r>
-              <a:rPr b="0" lang="es-ES" sz="2400" spc="-1" strike="noStrike">
-                <a:solidFill>
-                  <a:srgbClr val="000000"/>
-                </a:solidFill>
-                <a:latin typeface="Corbel"/>
+              <a:rPr b="0" lang="es-ES" sz="3200" spc="-1" strike="noStrike">
+                <a:latin typeface="Arial"/>
               </a:rPr>
               <a:t>Pulse para editar el formato de texto del esquema</a:t>
             </a:r>
-            <a:endParaRPr b="0" lang="es-ES" sz="2400" spc="-1" strike="noStrike">
-              <a:solidFill>
-                <a:srgbClr val="000000"/>
-              </a:solidFill>
-              <a:latin typeface="Corbel"/>
+            <a:endParaRPr b="0" lang="es-ES" sz="3200" spc="-1" strike="noStrike">
+              <a:latin typeface="Arial"/>
             </a:endParaRPr>
           </a:p>
           <a:p>
@@ -3859,19 +4555,13 @@
               <a:buChar char=""/>
             </a:pPr>
             <a:r>
-              <a:rPr b="0" lang="es-ES" sz="1800" spc="-1" strike="noStrike">
-                <a:solidFill>
-                  <a:srgbClr val="000000"/>
-                </a:solidFill>
-                <a:latin typeface="Corbel"/>
+              <a:rPr b="0" lang="es-ES" sz="2800" spc="-1" strike="noStrike">
+                <a:latin typeface="Arial"/>
               </a:rPr>
               <a:t>Segundo nivel del esquema</a:t>
             </a:r>
-            <a:endParaRPr b="0" lang="es-ES" sz="1800" spc="-1" strike="noStrike">
-              <a:solidFill>
-                <a:srgbClr val="000000"/>
-              </a:solidFill>
-              <a:latin typeface="Corbel"/>
+            <a:endParaRPr b="0" lang="es-ES" sz="2800" spc="-1" strike="noStrike">
+              <a:latin typeface="Arial"/>
             </a:endParaRPr>
           </a:p>
           <a:p>
@@ -3887,19 +4577,13 @@
               <a:buChar char=""/>
             </a:pPr>
             <a:r>
-              <a:rPr b="0" lang="es-ES" sz="1600" spc="-1" strike="noStrike">
-                <a:solidFill>
-                  <a:srgbClr val="000000"/>
-                </a:solidFill>
-                <a:latin typeface="Corbel"/>
+              <a:rPr b="0" lang="es-ES" sz="2400" spc="-1" strike="noStrike">
+                <a:latin typeface="Arial"/>
               </a:rPr>
               <a:t>Tercer nivel del esquema</a:t>
             </a:r>
-            <a:endParaRPr b="0" lang="es-ES" sz="1600" spc="-1" strike="noStrike">
-              <a:solidFill>
-                <a:srgbClr val="000000"/>
-              </a:solidFill>
-              <a:latin typeface="Corbel"/>
+            <a:endParaRPr b="0" lang="es-ES" sz="2400" spc="-1" strike="noStrike">
+              <a:latin typeface="Arial"/>
             </a:endParaRPr>
           </a:p>
           <a:p>
@@ -3915,19 +4599,13 @@
               <a:buChar char=""/>
             </a:pPr>
             <a:r>
-              <a:rPr b="0" lang="es-ES" sz="1400" spc="-1" strike="noStrike">
-                <a:solidFill>
-                  <a:srgbClr val="000000"/>
-                </a:solidFill>
-                <a:latin typeface="Corbel"/>
+              <a:rPr b="0" lang="es-ES" sz="2000" spc="-1" strike="noStrike">
+                <a:latin typeface="Arial"/>
               </a:rPr>
               <a:t>Cuarto nivel del esquema</a:t>
             </a:r>
-            <a:endParaRPr b="0" lang="es-ES" sz="1400" spc="-1" strike="noStrike">
-              <a:solidFill>
-                <a:srgbClr val="000000"/>
-              </a:solidFill>
-              <a:latin typeface="Corbel"/>
+            <a:endParaRPr b="0" lang="es-ES" sz="2000" spc="-1" strike="noStrike">
+              <a:latin typeface="Arial"/>
             </a:endParaRPr>
           </a:p>
           <a:p>
@@ -3944,18 +4622,12 @@
             </a:pPr>
             <a:r>
               <a:rPr b="0" lang="es-ES" sz="2000" spc="-1" strike="noStrike">
-                <a:solidFill>
-                  <a:srgbClr val="000000"/>
-                </a:solidFill>
-                <a:latin typeface="Corbel"/>
+                <a:latin typeface="Arial"/>
               </a:rPr>
               <a:t>Quinto nivel del esquema</a:t>
             </a:r>
             <a:endParaRPr b="0" lang="es-ES" sz="2000" spc="-1" strike="noStrike">
-              <a:solidFill>
-                <a:srgbClr val="000000"/>
-              </a:solidFill>
-              <a:latin typeface="Corbel"/>
+              <a:latin typeface="Arial"/>
             </a:endParaRPr>
           </a:p>
           <a:p>
@@ -3972,18 +4644,12 @@
             </a:pPr>
             <a:r>
               <a:rPr b="0" lang="es-ES" sz="2000" spc="-1" strike="noStrike">
-                <a:solidFill>
-                  <a:srgbClr val="000000"/>
-                </a:solidFill>
-                <a:latin typeface="Corbel"/>
+                <a:latin typeface="Arial"/>
               </a:rPr>
               <a:t>Sexto nivel del esquema</a:t>
             </a:r>
             <a:endParaRPr b="0" lang="es-ES" sz="2000" spc="-1" strike="noStrike">
-              <a:solidFill>
-                <a:srgbClr val="000000"/>
-              </a:solidFill>
-              <a:latin typeface="Corbel"/>
+              <a:latin typeface="Arial"/>
             </a:endParaRPr>
           </a:p>
           <a:p>
@@ -4000,18 +4666,12 @@
             </a:pPr>
             <a:r>
               <a:rPr b="0" lang="es-ES" sz="2000" spc="-1" strike="noStrike">
-                <a:solidFill>
-                  <a:srgbClr val="000000"/>
-                </a:solidFill>
-                <a:latin typeface="Corbel"/>
+                <a:latin typeface="Arial"/>
               </a:rPr>
               <a:t>Séptimo nivel del esquema</a:t>
             </a:r>
             <a:endParaRPr b="0" lang="es-ES" sz="2000" spc="-1" strike="noStrike">
-              <a:solidFill>
-                <a:srgbClr val="000000"/>
-              </a:solidFill>
-              <a:latin typeface="Corbel"/>
+              <a:latin typeface="Arial"/>
             </a:endParaRPr>
           </a:p>
         </p:txBody>
@@ -4063,28 +4723,28 @@
       </p:grpSpPr>
       <p:grpSp>
         <p:nvGrpSpPr>
-          <p:cNvPr id="55" name="Group 1"/>
+          <p:cNvPr id="45" name="Group 1"/>
           <p:cNvGrpSpPr/>
           <p:nvPr/>
         </p:nvGrpSpPr>
         <p:grpSpPr>
           <a:xfrm>
             <a:off x="150840" y="0"/>
-            <a:ext cx="2436480" cy="6857640"/>
+            <a:ext cx="2436120" cy="6857280"/>
             <a:chOff x="150840" y="0"/>
-            <a:chExt cx="2436480" cy="6857640"/>
+            <a:chExt cx="2436120" cy="6857280"/>
           </a:xfrm>
         </p:grpSpPr>
         <p:sp>
           <p:nvSpPr>
-            <p:cNvPr id="56" name="CustomShape 2"/>
+            <p:cNvPr id="46" name="CustomShape 2"/>
             <p:cNvSpPr/>
             <p:nvPr/>
           </p:nvSpPr>
           <p:spPr>
             <a:xfrm>
               <a:off x="457200" y="0"/>
-              <a:ext cx="1122120" cy="5328720"/>
+              <a:ext cx="1121760" cy="5328360"/>
             </a:xfrm>
             <a:custGeom>
               <a:avLst/>
@@ -4128,14 +4788,14 @@
         </p:sp>
         <p:sp>
           <p:nvSpPr>
-            <p:cNvPr id="57" name="CustomShape 3"/>
+            <p:cNvPr id="47" name="CustomShape 3"/>
             <p:cNvSpPr/>
             <p:nvPr/>
           </p:nvSpPr>
           <p:spPr>
             <a:xfrm>
               <a:off x="150840" y="0"/>
-              <a:ext cx="1117080" cy="5276520"/>
+              <a:ext cx="1116720" cy="5276160"/>
             </a:xfrm>
             <a:custGeom>
               <a:avLst/>
@@ -4182,14 +4842,14 @@
         </p:sp>
         <p:sp>
           <p:nvSpPr>
-            <p:cNvPr id="58" name="CustomShape 4"/>
+            <p:cNvPr id="48" name="CustomShape 4"/>
             <p:cNvSpPr/>
             <p:nvPr/>
           </p:nvSpPr>
           <p:spPr>
             <a:xfrm>
               <a:off x="150840" y="5238720"/>
-              <a:ext cx="1228320" cy="1618920"/>
+              <a:ext cx="1227960" cy="1618560"/>
             </a:xfrm>
             <a:custGeom>
               <a:avLst/>
@@ -4233,14 +4893,14 @@
         </p:sp>
         <p:sp>
           <p:nvSpPr>
-            <p:cNvPr id="59" name="CustomShape 5"/>
+            <p:cNvPr id="49" name="CustomShape 5"/>
             <p:cNvSpPr/>
             <p:nvPr/>
           </p:nvSpPr>
           <p:spPr>
             <a:xfrm>
               <a:off x="457200" y="5291280"/>
-              <a:ext cx="1495080" cy="1566360"/>
+              <a:ext cx="1494720" cy="1566000"/>
             </a:xfrm>
             <a:custGeom>
               <a:avLst/>
@@ -4283,14 +4943,14 @@
         </p:sp>
         <p:sp>
           <p:nvSpPr>
-            <p:cNvPr id="60" name="CustomShape 6"/>
+            <p:cNvPr id="50" name="CustomShape 6"/>
             <p:cNvSpPr/>
             <p:nvPr/>
           </p:nvSpPr>
           <p:spPr>
             <a:xfrm>
               <a:off x="457200" y="5286240"/>
-              <a:ext cx="2130120" cy="1571400"/>
+              <a:ext cx="2129760" cy="1571040"/>
             </a:xfrm>
             <a:custGeom>
               <a:avLst/>
@@ -4339,14 +4999,14 @@
         </p:sp>
         <p:sp>
           <p:nvSpPr>
-            <p:cNvPr id="61" name="CustomShape 7"/>
+            <p:cNvPr id="51" name="CustomShape 7"/>
             <p:cNvSpPr/>
             <p:nvPr/>
           </p:nvSpPr>
           <p:spPr>
             <a:xfrm>
               <a:off x="150840" y="5238720"/>
-              <a:ext cx="1695240" cy="1618920"/>
+              <a:ext cx="1694880" cy="1618560"/>
             </a:xfrm>
             <a:custGeom>
               <a:avLst/>
@@ -4409,7 +5069,7 @@
       </p:grpSp>
       <p:sp>
         <p:nvSpPr>
-          <p:cNvPr id="62" name="PlaceHolder 8"/>
+          <p:cNvPr id="52" name="PlaceHolder 8"/>
           <p:cNvSpPr>
             <a:spLocks noGrp="1"/>
           </p:cNvSpPr>
@@ -4419,350 +5079,385 @@
         </p:nvSpPr>
         <p:spPr>
           <a:xfrm>
-            <a:off x="1484280" y="685800"/>
-            <a:ext cx="10018440" cy="1752120"/>
-          </a:xfrm>
-          <a:prstGeom prst="rect">
-            <a:avLst/>
-          </a:prstGeom>
-        </p:spPr>
-        <p:txBody>
-          <a:bodyPr anchor="ctr">
+            <a:off x="2928240" y="1380240"/>
+            <a:ext cx="8573760" cy="2615400"/>
+          </a:xfrm>
+          <a:prstGeom prst="rect">
+            <a:avLst/>
+          </a:prstGeom>
+        </p:spPr>
+        <p:txBody>
+          <a:bodyPr lIns="0" rIns="0" tIns="0" bIns="0" anchor="ctr">
             <a:noAutofit/>
           </a:bodyPr>
           <a:p>
-            <a:pPr algn="ctr">
-              <a:lnSpc>
-                <a:spcPct val="100000"/>
-              </a:lnSpc>
-            </a:pPr>
+            <a:pPr algn="ctr"/>
             <a:r>
-              <a:rPr b="0" lang="es-ES" sz="4000" spc="-1" strike="noStrike">
-                <a:solidFill>
-                  <a:srgbClr val="000000"/>
-                </a:solidFill>
-                <a:latin typeface="Corbel"/>
+              <a:rPr b="0" lang="es-ES" sz="1800" spc="-1" strike="noStrike">
+                <a:latin typeface="Arial"/>
               </a:rPr>
-              <a:t>Haga clic para modificar el estilo de título del patrón</a:t>
+              <a:t>Pulse para editar el formato del texto de título</a:t>
             </a:r>
-            <a:endParaRPr b="0" lang="es-ES" sz="4000" spc="-1" strike="noStrike">
-              <a:solidFill>
+            <a:endParaRPr b="0" lang="es-ES" sz="1800" spc="-1" strike="noStrike">
+              <a:latin typeface="Arial"/>
+            </a:endParaRPr>
+          </a:p>
+        </p:txBody>
+      </p:sp>
+      <p:sp>
+        <p:nvSpPr>
+          <p:cNvPr id="53" name="PlaceHolder 9"/>
+          <p:cNvSpPr>
+            <a:spLocks noGrp="1"/>
+          </p:cNvSpPr>
+          <p:nvPr>
+            <p:ph type="body"/>
+          </p:nvPr>
+        </p:nvSpPr>
+        <p:spPr>
+          <a:xfrm>
+            <a:off x="609480" y="1604520"/>
+            <a:ext cx="5353920" cy="3976920"/>
+          </a:xfrm>
+          <a:prstGeom prst="rect">
+            <a:avLst/>
+          </a:prstGeom>
+        </p:spPr>
+        <p:txBody>
+          <a:bodyPr lIns="0" rIns="0" tIns="0" bIns="0" anchor="ctr">
+            <a:normAutofit/>
+          </a:bodyPr>
+          <a:p>
+            <a:pPr marL="432000" indent="-324000" algn="ctr">
+              <a:spcBef>
+                <a:spcPts val="1417"/>
+              </a:spcBef>
+              <a:buClr>
                 <a:srgbClr val="000000"/>
-              </a:solidFill>
-              <a:latin typeface="Corbel"/>
-            </a:endParaRPr>
-          </a:p>
-        </p:txBody>
-      </p:sp>
-      <p:sp>
-        <p:nvSpPr>
-          <p:cNvPr id="63" name="PlaceHolder 9"/>
-          <p:cNvSpPr>
-            <a:spLocks noGrp="1"/>
-          </p:cNvSpPr>
-          <p:nvPr>
-            <p:ph type="body"/>
-          </p:nvPr>
-        </p:nvSpPr>
-        <p:spPr>
-          <a:xfrm>
-            <a:off x="1484280" y="2666880"/>
-            <a:ext cx="10018440" cy="3123720"/>
-          </a:xfrm>
-          <a:prstGeom prst="rect">
-            <a:avLst/>
-          </a:prstGeom>
-        </p:spPr>
-        <p:txBody>
-          <a:bodyPr anchor="ctr">
-            <a:noAutofit/>
-          </a:bodyPr>
-          <a:p>
-            <a:pPr marL="285840" indent="-285480">
-              <a:lnSpc>
-                <a:spcPct val="100000"/>
-              </a:lnSpc>
-              <a:spcBef>
-                <a:spcPts val="479"/>
-              </a:spcBef>
-              <a:spcAft>
-                <a:spcPts val="601"/>
-              </a:spcAft>
-              <a:buClr>
-                <a:srgbClr val="1287c3"/>
               </a:buClr>
-              <a:buSzPct val="145000"/>
-              <a:buFont typeface="Arial"/>
-              <a:buChar char="•"/>
-            </a:pPr>
-            <a:r>
-              <a:rPr b="0" lang="es-ES" sz="2400" spc="-1" strike="noStrike">
-                <a:solidFill>
-                  <a:srgbClr val="000000"/>
-                </a:solidFill>
-                <a:latin typeface="Corbel"/>
-              </a:rPr>
-              <a:t>Haga clic para modificar el estilo de texto del patrón</a:t>
-            </a:r>
-            <a:endParaRPr b="0" lang="es-ES" sz="2400" spc="-1" strike="noStrike">
-              <a:solidFill>
-                <a:srgbClr val="000000"/>
-              </a:solidFill>
-              <a:latin typeface="Corbel"/>
-            </a:endParaRPr>
-          </a:p>
-          <a:p>
-            <a:pPr lvl="1" marL="743040" indent="-285480">
-              <a:lnSpc>
-                <a:spcPct val="100000"/>
-              </a:lnSpc>
-              <a:spcBef>
-                <a:spcPts val="400"/>
-              </a:spcBef>
-              <a:spcAft>
-                <a:spcPts val="601"/>
-              </a:spcAft>
-              <a:buClr>
-                <a:srgbClr val="1287c3"/>
-              </a:buClr>
-              <a:buSzPct val="145000"/>
-              <a:buFont typeface="Arial"/>
-              <a:buChar char="•"/>
-            </a:pPr>
-            <a:r>
-              <a:rPr b="0" lang="es-ES" sz="2000" spc="-1" strike="noStrike">
-                <a:solidFill>
-                  <a:srgbClr val="000000"/>
-                </a:solidFill>
-                <a:latin typeface="Corbel"/>
-              </a:rPr>
-              <a:t>Segundo nivel</a:t>
-            </a:r>
-            <a:endParaRPr b="0" lang="es-ES" sz="2000" spc="-1" strike="noStrike">
-              <a:solidFill>
-                <a:srgbClr val="000000"/>
-              </a:solidFill>
-              <a:latin typeface="Corbel"/>
-            </a:endParaRPr>
-          </a:p>
-          <a:p>
-            <a:pPr lvl="2" marL="1200240" indent="-285480">
-              <a:lnSpc>
-                <a:spcPct val="100000"/>
-              </a:lnSpc>
-              <a:spcBef>
-                <a:spcPts val="360"/>
-              </a:spcBef>
-              <a:spcAft>
-                <a:spcPts val="601"/>
-              </a:spcAft>
-              <a:buClr>
-                <a:srgbClr val="1287c3"/>
-              </a:buClr>
-              <a:buSzPct val="145000"/>
-              <a:buFont typeface="Arial"/>
-              <a:buChar char="•"/>
+              <a:buSzPct val="45000"/>
+              <a:buFont typeface="Wingdings" charset="2"/>
+              <a:buChar char=""/>
             </a:pPr>
             <a:r>
               <a:rPr b="0" lang="es-ES" sz="1800" spc="-1" strike="noStrike">
-                <a:solidFill>
-                  <a:srgbClr val="000000"/>
-                </a:solidFill>
-                <a:latin typeface="Corbel"/>
+                <a:latin typeface="Arial"/>
               </a:rPr>
-              <a:t>Tercer nivel</a:t>
+              <a:t>Pulse para editar el formato de texto del esquema</a:t>
             </a:r>
             <a:endParaRPr b="0" lang="es-ES" sz="1800" spc="-1" strike="noStrike">
-              <a:solidFill>
+              <a:latin typeface="Arial"/>
+            </a:endParaRPr>
+          </a:p>
+          <a:p>
+            <a:pPr lvl="1" marL="864000" indent="-324000" algn="ctr">
+              <a:spcBef>
+                <a:spcPts val="1134"/>
+              </a:spcBef>
+              <a:buClr>
                 <a:srgbClr val="000000"/>
-              </a:solidFill>
-              <a:latin typeface="Corbel"/>
-            </a:endParaRPr>
-          </a:p>
-          <a:p>
-            <a:pPr lvl="3" marL="1542960" indent="-171000">
-              <a:lnSpc>
-                <a:spcPct val="100000"/>
-              </a:lnSpc>
-              <a:spcBef>
-                <a:spcPts val="320"/>
-              </a:spcBef>
-              <a:spcAft>
-                <a:spcPts val="601"/>
-              </a:spcAft>
-              <a:buClr>
-                <a:srgbClr val="1287c3"/>
               </a:buClr>
-              <a:buSzPct val="145000"/>
-              <a:buFont typeface="Arial"/>
-              <a:buChar char="•"/>
+              <a:buSzPct val="75000"/>
+              <a:buFont typeface="Symbol" charset="2"/>
+              <a:buChar char=""/>
             </a:pPr>
             <a:r>
-              <a:rPr b="0" lang="es-ES" sz="1600" spc="-1" strike="noStrike">
-                <a:solidFill>
-                  <a:srgbClr val="000000"/>
-                </a:solidFill>
-                <a:latin typeface="Corbel"/>
+              <a:rPr b="0" lang="es-ES" sz="1800" spc="-1" strike="noStrike">
+                <a:latin typeface="Arial"/>
               </a:rPr>
-              <a:t>Cuarto nivel</a:t>
+              <a:t>Segundo nivel del esquema</a:t>
             </a:r>
-            <a:endParaRPr b="0" lang="es-ES" sz="1600" spc="-1" strike="noStrike">
-              <a:solidFill>
+            <a:endParaRPr b="0" lang="es-ES" sz="1800" spc="-1" strike="noStrike">
+              <a:latin typeface="Arial"/>
+            </a:endParaRPr>
+          </a:p>
+          <a:p>
+            <a:pPr lvl="2" marL="1296000" indent="-288000" algn="ctr">
+              <a:spcBef>
+                <a:spcPts val="850"/>
+              </a:spcBef>
+              <a:buClr>
                 <a:srgbClr val="000000"/>
-              </a:solidFill>
-              <a:latin typeface="Corbel"/>
-            </a:endParaRPr>
-          </a:p>
-          <a:p>
-            <a:pPr lvl="4" marL="2000160" indent="-171000">
-              <a:lnSpc>
-                <a:spcPct val="100000"/>
-              </a:lnSpc>
-              <a:spcBef>
-                <a:spcPts val="281"/>
-              </a:spcBef>
-              <a:spcAft>
-                <a:spcPts val="601"/>
-              </a:spcAft>
-              <a:buClr>
-                <a:srgbClr val="1287c3"/>
               </a:buClr>
-              <a:buSzPct val="145000"/>
-              <a:buFont typeface="Arial"/>
-              <a:buChar char="•"/>
+              <a:buSzPct val="45000"/>
+              <a:buFont typeface="Wingdings" charset="2"/>
+              <a:buChar char=""/>
             </a:pPr>
             <a:r>
-              <a:rPr b="0" lang="es-ES" sz="1400" spc="-1" strike="noStrike">
-                <a:solidFill>
-                  <a:srgbClr val="000000"/>
-                </a:solidFill>
-                <a:latin typeface="Corbel"/>
+              <a:rPr b="0" lang="es-ES" sz="1800" spc="-1" strike="noStrike">
+                <a:latin typeface="Arial"/>
               </a:rPr>
-              <a:t>Quinto nivel</a:t>
+              <a:t>Tercer nivel del esquema</a:t>
             </a:r>
-            <a:endParaRPr b="0" lang="es-ES" sz="1400" spc="-1" strike="noStrike">
-              <a:solidFill>
+            <a:endParaRPr b="0" lang="es-ES" sz="1800" spc="-1" strike="noStrike">
+              <a:latin typeface="Arial"/>
+            </a:endParaRPr>
+          </a:p>
+          <a:p>
+            <a:pPr lvl="3" marL="1728000" indent="-216000" algn="ctr">
+              <a:spcBef>
+                <a:spcPts val="567"/>
+              </a:spcBef>
+              <a:buClr>
                 <a:srgbClr val="000000"/>
-              </a:solidFill>
-              <a:latin typeface="Corbel"/>
-            </a:endParaRPr>
-          </a:p>
-        </p:txBody>
-      </p:sp>
-      <p:sp>
-        <p:nvSpPr>
-          <p:cNvPr id="64" name="PlaceHolder 10"/>
-          <p:cNvSpPr>
-            <a:spLocks noGrp="1"/>
-          </p:cNvSpPr>
-          <p:nvPr>
-            <p:ph type="dt"/>
-          </p:nvPr>
-        </p:nvSpPr>
-        <p:spPr>
-          <a:xfrm>
-            <a:off x="9732600" y="5883120"/>
-            <a:ext cx="1142640" cy="364680"/>
-          </a:xfrm>
-          <a:prstGeom prst="rect">
-            <a:avLst/>
-          </a:prstGeom>
-        </p:spPr>
-        <p:txBody>
-          <a:bodyPr anchor="ctr">
-            <a:noAutofit/>
-          </a:bodyPr>
-          <a:p>
-            <a:pPr algn="r">
-              <a:lnSpc>
-                <a:spcPct val="100000"/>
-              </a:lnSpc>
+              </a:buClr>
+              <a:buSzPct val="75000"/>
+              <a:buFont typeface="Symbol" charset="2"/>
+              <a:buChar char=""/>
             </a:pPr>
-            <a:fld id="{D22FD72E-CD96-4C38-8815-FD72CFB6DA6C}" type="datetime">
-              <a:rPr b="0" lang="es-ES" sz="1000" spc="-1" strike="noStrike">
-                <a:solidFill>
-                  <a:srgbClr val="000000"/>
-                </a:solidFill>
-                <a:latin typeface="Corbel"/>
+            <a:r>
+              <a:rPr b="0" lang="es-ES" sz="1800" spc="-1" strike="noStrike">
+                <a:latin typeface="Arial"/>
               </a:rPr>
-              <a:t>16/03/21</a:t>
-            </a:fld>
-            <a:endParaRPr b="0" lang="es-ES" sz="1000" spc="-1" strike="noStrike">
-              <a:latin typeface="Times New Roman"/>
-            </a:endParaRPr>
-          </a:p>
-        </p:txBody>
-      </p:sp>
-      <p:sp>
-        <p:nvSpPr>
-          <p:cNvPr id="65" name="PlaceHolder 11"/>
-          <p:cNvSpPr>
-            <a:spLocks noGrp="1"/>
-          </p:cNvSpPr>
-          <p:nvPr>
-            <p:ph type="ftr"/>
-          </p:nvPr>
-        </p:nvSpPr>
-        <p:spPr>
-          <a:xfrm>
-            <a:off x="2572200" y="5883120"/>
-            <a:ext cx="7083720" cy="364680"/>
-          </a:xfrm>
-          <a:prstGeom prst="rect">
-            <a:avLst/>
-          </a:prstGeom>
-        </p:spPr>
-        <p:txBody>
-          <a:bodyPr anchor="ctr">
-            <a:noAutofit/>
-          </a:bodyPr>
-          <a:p>
-            <a:endParaRPr b="0" lang="es-ES" sz="2400" spc="-1" strike="noStrike">
-              <a:latin typeface="Times New Roman"/>
-            </a:endParaRPr>
-          </a:p>
-        </p:txBody>
-      </p:sp>
-      <p:sp>
-        <p:nvSpPr>
-          <p:cNvPr id="66" name="PlaceHolder 12"/>
-          <p:cNvSpPr>
-            <a:spLocks noGrp="1"/>
-          </p:cNvSpPr>
-          <p:nvPr>
-            <p:ph type="sldNum"/>
-          </p:nvPr>
-        </p:nvSpPr>
-        <p:spPr>
-          <a:xfrm>
-            <a:off x="10951920" y="5867280"/>
-            <a:ext cx="550800" cy="364680"/>
-          </a:xfrm>
-          <a:prstGeom prst="rect">
-            <a:avLst/>
-          </a:prstGeom>
-        </p:spPr>
-        <p:txBody>
-          <a:bodyPr anchor="ctr">
-            <a:noAutofit/>
-          </a:bodyPr>
-          <a:p>
-            <a:pPr algn="r">
-              <a:lnSpc>
-                <a:spcPct val="100000"/>
-              </a:lnSpc>
+              <a:t>Cuarto nivel del esquema</a:t>
+            </a:r>
+            <a:endParaRPr b="0" lang="es-ES" sz="1800" spc="-1" strike="noStrike">
+              <a:latin typeface="Arial"/>
+            </a:endParaRPr>
+          </a:p>
+          <a:p>
+            <a:pPr lvl="4" marL="2160000" indent="-216000" algn="ctr">
+              <a:spcBef>
+                <a:spcPts val="283"/>
+              </a:spcBef>
+              <a:buClr>
+                <a:srgbClr val="000000"/>
+              </a:buClr>
+              <a:buSzPct val="45000"/>
+              <a:buFont typeface="Wingdings" charset="2"/>
+              <a:buChar char=""/>
             </a:pPr>
-            <a:fld id="{A34F0CBD-BA6F-481B-B1B0-0E978F5097D5}" type="slidenum">
-              <a:rPr b="0" lang="es-ES" sz="1000" spc="-1" strike="noStrike">
-                <a:solidFill>
-                  <a:srgbClr val="000000"/>
-                </a:solidFill>
-                <a:latin typeface="Corbel"/>
+            <a:r>
+              <a:rPr b="0" lang="es-ES" sz="1800" spc="-1" strike="noStrike">
+                <a:latin typeface="Arial"/>
               </a:rPr>
-              <a:t>&lt;número&gt;</a:t>
-            </a:fld>
-            <a:endParaRPr b="0" lang="es-ES" sz="1000" spc="-1" strike="noStrike">
-              <a:latin typeface="Times New Roman"/>
+              <a:t>Quinto nivel del esquema</a:t>
+            </a:r>
+            <a:endParaRPr b="0" lang="es-ES" sz="1800" spc="-1" strike="noStrike">
+              <a:latin typeface="Arial"/>
+            </a:endParaRPr>
+          </a:p>
+          <a:p>
+            <a:pPr lvl="5" marL="2592000" indent="-216000" algn="ctr">
+              <a:spcBef>
+                <a:spcPts val="283"/>
+              </a:spcBef>
+              <a:buClr>
+                <a:srgbClr val="000000"/>
+              </a:buClr>
+              <a:buSzPct val="45000"/>
+              <a:buFont typeface="Wingdings" charset="2"/>
+              <a:buChar char=""/>
+            </a:pPr>
+            <a:r>
+              <a:rPr b="0" lang="es-ES" sz="1800" spc="-1" strike="noStrike">
+                <a:latin typeface="Arial"/>
+              </a:rPr>
+              <a:t>Sexto nivel del esquema</a:t>
+            </a:r>
+            <a:endParaRPr b="0" lang="es-ES" sz="1800" spc="-1" strike="noStrike">
+              <a:latin typeface="Arial"/>
+            </a:endParaRPr>
+          </a:p>
+          <a:p>
+            <a:pPr lvl="6" marL="3024000" indent="-216000" algn="ctr">
+              <a:spcBef>
+                <a:spcPts val="283"/>
+              </a:spcBef>
+              <a:buClr>
+                <a:srgbClr val="000000"/>
+              </a:buClr>
+              <a:buSzPct val="45000"/>
+              <a:buFont typeface="Wingdings" charset="2"/>
+              <a:buChar char=""/>
+            </a:pPr>
+            <a:r>
+              <a:rPr b="0" lang="es-ES" sz="1800" spc="-1" strike="noStrike">
+                <a:latin typeface="Arial"/>
+              </a:rPr>
+              <a:t>Séptimo nivel del esquema</a:t>
+            </a:r>
+            <a:endParaRPr b="0" lang="es-ES" sz="1800" spc="-1" strike="noStrike">
+              <a:latin typeface="Arial"/>
+            </a:endParaRPr>
+          </a:p>
+        </p:txBody>
+      </p:sp>
+      <p:sp>
+        <p:nvSpPr>
+          <p:cNvPr id="54" name="PlaceHolder 10"/>
+          <p:cNvSpPr>
+            <a:spLocks noGrp="1"/>
+          </p:cNvSpPr>
+          <p:nvPr>
+            <p:ph type="body"/>
+          </p:nvPr>
+        </p:nvSpPr>
+        <p:spPr>
+          <a:xfrm>
+            <a:off x="6231960" y="1604520"/>
+            <a:ext cx="5353920" cy="3976920"/>
+          </a:xfrm>
+          <a:prstGeom prst="rect">
+            <a:avLst/>
+          </a:prstGeom>
+        </p:spPr>
+        <p:txBody>
+          <a:bodyPr lIns="0" rIns="0" tIns="0" bIns="0" anchor="ctr">
+            <a:normAutofit/>
+          </a:bodyPr>
+          <a:p>
+            <a:pPr marL="432000" indent="-324000" algn="ctr">
+              <a:spcBef>
+                <a:spcPts val="1417"/>
+              </a:spcBef>
+              <a:buClr>
+                <a:srgbClr val="000000"/>
+              </a:buClr>
+              <a:buSzPct val="45000"/>
+              <a:buFont typeface="Wingdings" charset="2"/>
+              <a:buChar char=""/>
+            </a:pPr>
+            <a:r>
+              <a:rPr b="0" lang="es-ES" sz="1800" spc="-1" strike="noStrike">
+                <a:latin typeface="Arial"/>
+              </a:rPr>
+              <a:t>Pulse para editar el formato de texto del esquema</a:t>
+            </a:r>
+            <a:endParaRPr b="0" lang="es-ES" sz="1800" spc="-1" strike="noStrike">
+              <a:latin typeface="Arial"/>
+            </a:endParaRPr>
+          </a:p>
+          <a:p>
+            <a:pPr lvl="1" marL="864000" indent="-324000" algn="ctr">
+              <a:spcBef>
+                <a:spcPts val="1134"/>
+              </a:spcBef>
+              <a:buClr>
+                <a:srgbClr val="000000"/>
+              </a:buClr>
+              <a:buSzPct val="75000"/>
+              <a:buFont typeface="Symbol" charset="2"/>
+              <a:buChar char=""/>
+            </a:pPr>
+            <a:r>
+              <a:rPr b="0" lang="es-ES" sz="1800" spc="-1" strike="noStrike">
+                <a:latin typeface="Arial"/>
+              </a:rPr>
+              <a:t>Segundo nivel del esquema</a:t>
+            </a:r>
+            <a:endParaRPr b="0" lang="es-ES" sz="1800" spc="-1" strike="noStrike">
+              <a:latin typeface="Arial"/>
+            </a:endParaRPr>
+          </a:p>
+          <a:p>
+            <a:pPr lvl="2" marL="1296000" indent="-288000" algn="ctr">
+              <a:spcBef>
+                <a:spcPts val="850"/>
+              </a:spcBef>
+              <a:buClr>
+                <a:srgbClr val="000000"/>
+              </a:buClr>
+              <a:buSzPct val="45000"/>
+              <a:buFont typeface="Wingdings" charset="2"/>
+              <a:buChar char=""/>
+            </a:pPr>
+            <a:r>
+              <a:rPr b="0" lang="es-ES" sz="1800" spc="-1" strike="noStrike">
+                <a:latin typeface="Arial"/>
+              </a:rPr>
+              <a:t>Tercer nivel del esquema</a:t>
+            </a:r>
+            <a:endParaRPr b="0" lang="es-ES" sz="1800" spc="-1" strike="noStrike">
+              <a:latin typeface="Arial"/>
+            </a:endParaRPr>
+          </a:p>
+          <a:p>
+            <a:pPr lvl="3" marL="1728000" indent="-216000" algn="ctr">
+              <a:spcBef>
+                <a:spcPts val="567"/>
+              </a:spcBef>
+              <a:buClr>
+                <a:srgbClr val="000000"/>
+              </a:buClr>
+              <a:buSzPct val="75000"/>
+              <a:buFont typeface="Symbol" charset="2"/>
+              <a:buChar char=""/>
+            </a:pPr>
+            <a:r>
+              <a:rPr b="0" lang="es-ES" sz="1800" spc="-1" strike="noStrike">
+                <a:latin typeface="Arial"/>
+              </a:rPr>
+              <a:t>Cuarto nivel del esquema</a:t>
+            </a:r>
+            <a:endParaRPr b="0" lang="es-ES" sz="1800" spc="-1" strike="noStrike">
+              <a:latin typeface="Arial"/>
+            </a:endParaRPr>
+          </a:p>
+          <a:p>
+            <a:pPr lvl="4" marL="2160000" indent="-216000" algn="ctr">
+              <a:spcBef>
+                <a:spcPts val="283"/>
+              </a:spcBef>
+              <a:buClr>
+                <a:srgbClr val="000000"/>
+              </a:buClr>
+              <a:buSzPct val="45000"/>
+              <a:buFont typeface="Wingdings" charset="2"/>
+              <a:buChar char=""/>
+            </a:pPr>
+            <a:r>
+              <a:rPr b="0" lang="es-ES" sz="1800" spc="-1" strike="noStrike">
+                <a:latin typeface="Arial"/>
+              </a:rPr>
+              <a:t>Quinto nivel del esquema</a:t>
+            </a:r>
+            <a:endParaRPr b="0" lang="es-ES" sz="1800" spc="-1" strike="noStrike">
+              <a:latin typeface="Arial"/>
+            </a:endParaRPr>
+          </a:p>
+          <a:p>
+            <a:pPr lvl="5" marL="2592000" indent="-216000" algn="ctr">
+              <a:spcBef>
+                <a:spcPts val="283"/>
+              </a:spcBef>
+              <a:buClr>
+                <a:srgbClr val="000000"/>
+              </a:buClr>
+              <a:buSzPct val="45000"/>
+              <a:buFont typeface="Wingdings" charset="2"/>
+              <a:buChar char=""/>
+            </a:pPr>
+            <a:r>
+              <a:rPr b="0" lang="es-ES" sz="1800" spc="-1" strike="noStrike">
+                <a:latin typeface="Arial"/>
+              </a:rPr>
+              <a:t>Sexto nivel del esquema</a:t>
+            </a:r>
+            <a:endParaRPr b="0" lang="es-ES" sz="1800" spc="-1" strike="noStrike">
+              <a:latin typeface="Arial"/>
+            </a:endParaRPr>
+          </a:p>
+          <a:p>
+            <a:pPr lvl="6" marL="3024000" indent="-216000" algn="ctr">
+              <a:spcBef>
+                <a:spcPts val="283"/>
+              </a:spcBef>
+              <a:buClr>
+                <a:srgbClr val="000000"/>
+              </a:buClr>
+              <a:buSzPct val="45000"/>
+              <a:buFont typeface="Wingdings" charset="2"/>
+              <a:buChar char=""/>
+            </a:pPr>
+            <a:r>
+              <a:rPr b="0" lang="es-ES" sz="1800" spc="-1" strike="noStrike">
+                <a:latin typeface="Arial"/>
+              </a:rPr>
+              <a:t>Séptimo nivel del esquema</a:t>
+            </a:r>
+            <a:endParaRPr b="0" lang="es-ES" sz="1800" spc="-1" strike="noStrike">
+              <a:latin typeface="Arial"/>
             </a:endParaRPr>
           </a:p>
         </p:txBody>
@@ -4783,6 +5478,956 @@
     <p:sldLayoutId id="2147483671" r:id="rId12"/>
     <p:sldLayoutId id="2147483672" r:id="rId13"/>
     <p:sldLayoutId id="2147483673" r:id="rId14"/>
+  </p:sldLayoutIdLst>
+</p:sldMaster>
+</file>
+
+<file path=ppt/slideMasters/slideMaster3.xml><?xml version="1.0" encoding="utf-8"?>
+<p:sldMaster xmlns:a="http://schemas.openxmlformats.org/drawingml/2006/main" xmlns:p="http://schemas.openxmlformats.org/presentationml/2006/main" xmlns:r="http://schemas.openxmlformats.org/officeDocument/2006/relationships" xmlns:p14="http://schemas.microsoft.com/office/powerpoint/2010/main" xmlns:p15="http://schemas.microsoft.com/office/powerpoint/2012/main" xmlns:mc="http://schemas.openxmlformats.org/markup-compatibility/2006">
+  <p:cSld>
+    <p:bg>
+      <p:bgPr>
+        <a:blipFill rotWithShape="0">
+          <a:blip r:embed="rId2"/>
+          <a:stretch/>
+        </a:blipFill>
+      </p:bgPr>
+    </p:bg>
+    <p:spTree>
+      <p:nvGrpSpPr>
+        <p:cNvPr id="1" name=""/>
+        <p:cNvGrpSpPr/>
+        <p:nvPr/>
+      </p:nvGrpSpPr>
+      <p:grpSpPr>
+        <a:xfrm>
+          <a:off x="0" y="0"/>
+          <a:ext cx="0" cy="0"/>
+          <a:chOff x="0" y="0"/>
+          <a:chExt cx="0" cy="0"/>
+        </a:xfrm>
+      </p:grpSpPr>
+      <p:grpSp>
+        <p:nvGrpSpPr>
+          <p:cNvPr id="91" name="Group 1"/>
+          <p:cNvGrpSpPr/>
+          <p:nvPr/>
+        </p:nvGrpSpPr>
+        <p:grpSpPr>
+          <a:xfrm>
+            <a:off x="150840" y="0"/>
+            <a:ext cx="2436120" cy="6857280"/>
+            <a:chOff x="150840" y="0"/>
+            <a:chExt cx="2436120" cy="6857280"/>
+          </a:xfrm>
+        </p:grpSpPr>
+        <p:sp>
+          <p:nvSpPr>
+            <p:cNvPr id="92" name="CustomShape 2"/>
+            <p:cNvSpPr/>
+            <p:nvPr/>
+          </p:nvSpPr>
+          <p:spPr>
+            <a:xfrm>
+              <a:off x="457200" y="0"/>
+              <a:ext cx="1121760" cy="5328360"/>
+            </a:xfrm>
+            <a:custGeom>
+              <a:avLst/>
+              <a:gdLst/>
+              <a:ahLst/>
+              <a:rect l="l" t="t" r="r" b="b"/>
+              <a:pathLst>
+                <a:path w="707" h="3357">
+                  <a:moveTo>
+                    <a:pt x="0" y="3330"/>
+                  </a:moveTo>
+                  <a:lnTo>
+                    <a:pt x="156" y="3357"/>
+                  </a:lnTo>
+                  <a:lnTo>
+                    <a:pt x="707" y="0"/>
+                  </a:lnTo>
+                  <a:lnTo>
+                    <a:pt x="547" y="0"/>
+                  </a:lnTo>
+                  <a:lnTo>
+                    <a:pt x="0" y="3330"/>
+                  </a:lnTo>
+                  <a:close/>
+                </a:path>
+              </a:pathLst>
+            </a:custGeom>
+            <a:solidFill>
+              <a:schemeClr val="accent1"/>
+            </a:solidFill>
+            <a:ln w="0">
+              <a:noFill/>
+            </a:ln>
+          </p:spPr>
+          <p:style>
+            <a:lnRef idx="0"/>
+            <a:fillRef idx="0"/>
+            <a:effectRef idx="0"/>
+            <a:fontRef idx="minor"/>
+          </p:style>
+        </p:sp>
+        <p:sp>
+          <p:nvSpPr>
+            <p:cNvPr id="93" name="CustomShape 3"/>
+            <p:cNvSpPr/>
+            <p:nvPr/>
+          </p:nvSpPr>
+          <p:spPr>
+            <a:xfrm>
+              <a:off x="150840" y="0"/>
+              <a:ext cx="1116720" cy="5276160"/>
+            </a:xfrm>
+            <a:custGeom>
+              <a:avLst/>
+              <a:gdLst/>
+              <a:ahLst/>
+              <a:rect l="l" t="t" r="r" b="b"/>
+              <a:pathLst>
+                <a:path w="704" h="3324">
+                  <a:moveTo>
+                    <a:pt x="704" y="0"/>
+                  </a:moveTo>
+                  <a:lnTo>
+                    <a:pt x="545" y="0"/>
+                  </a:lnTo>
+                  <a:lnTo>
+                    <a:pt x="0" y="3300"/>
+                  </a:lnTo>
+                  <a:lnTo>
+                    <a:pt x="157" y="3324"/>
+                  </a:lnTo>
+                  <a:lnTo>
+                    <a:pt x="704" y="0"/>
+                  </a:lnTo>
+                  <a:close/>
+                </a:path>
+              </a:pathLst>
+            </a:custGeom>
+            <a:solidFill>
+              <a:schemeClr val="tx1">
+                <a:lumMod val="65000"/>
+                <a:lumOff val="35000"/>
+              </a:schemeClr>
+            </a:solidFill>
+            <a:ln w="0">
+              <a:noFill/>
+            </a:ln>
+          </p:spPr>
+          <p:style>
+            <a:lnRef idx="0"/>
+            <a:fillRef idx="0"/>
+            <a:effectRef idx="0"/>
+            <a:fontRef idx="minor"/>
+          </p:style>
+        </p:sp>
+        <p:sp>
+          <p:nvSpPr>
+            <p:cNvPr id="94" name="CustomShape 4"/>
+            <p:cNvSpPr/>
+            <p:nvPr/>
+          </p:nvSpPr>
+          <p:spPr>
+            <a:xfrm>
+              <a:off x="150840" y="5238720"/>
+              <a:ext cx="1227960" cy="1618560"/>
+            </a:xfrm>
+            <a:custGeom>
+              <a:avLst/>
+              <a:gdLst/>
+              <a:ahLst/>
+              <a:rect l="l" t="t" r="r" b="b"/>
+              <a:pathLst>
+                <a:path w="774" h="1020">
+                  <a:moveTo>
+                    <a:pt x="0" y="0"/>
+                  </a:moveTo>
+                  <a:lnTo>
+                    <a:pt x="740" y="1020"/>
+                  </a:lnTo>
+                  <a:lnTo>
+                    <a:pt x="774" y="1020"/>
+                  </a:lnTo>
+                  <a:lnTo>
+                    <a:pt x="0" y="0"/>
+                  </a:lnTo>
+                  <a:close/>
+                </a:path>
+              </a:pathLst>
+            </a:custGeom>
+            <a:solidFill>
+              <a:schemeClr val="tx1">
+                <a:lumMod val="85000"/>
+                <a:lumOff val="15000"/>
+              </a:schemeClr>
+            </a:solidFill>
+            <a:ln w="0">
+              <a:noFill/>
+            </a:ln>
+          </p:spPr>
+          <p:style>
+            <a:lnRef idx="0"/>
+            <a:fillRef idx="0"/>
+            <a:effectRef idx="0"/>
+            <a:fontRef idx="minor"/>
+          </p:style>
+        </p:sp>
+        <p:sp>
+          <p:nvSpPr>
+            <p:cNvPr id="95" name="CustomShape 5"/>
+            <p:cNvSpPr/>
+            <p:nvPr/>
+          </p:nvSpPr>
+          <p:spPr>
+            <a:xfrm>
+              <a:off x="457200" y="5291280"/>
+              <a:ext cx="1494720" cy="1566000"/>
+            </a:xfrm>
+            <a:custGeom>
+              <a:avLst/>
+              <a:gdLst/>
+              <a:ahLst/>
+              <a:rect l="l" t="t" r="r" b="b"/>
+              <a:pathLst>
+                <a:path w="942" h="987">
+                  <a:moveTo>
+                    <a:pt x="0" y="0"/>
+                  </a:moveTo>
+                  <a:lnTo>
+                    <a:pt x="909" y="987"/>
+                  </a:lnTo>
+                  <a:lnTo>
+                    <a:pt x="942" y="987"/>
+                  </a:lnTo>
+                  <a:lnTo>
+                    <a:pt x="0" y="0"/>
+                  </a:lnTo>
+                  <a:close/>
+                </a:path>
+              </a:pathLst>
+            </a:custGeom>
+            <a:solidFill>
+              <a:schemeClr val="accent1">
+                <a:lumMod val="50000"/>
+              </a:schemeClr>
+            </a:solidFill>
+            <a:ln w="0">
+              <a:noFill/>
+            </a:ln>
+          </p:spPr>
+          <p:style>
+            <a:lnRef idx="0"/>
+            <a:fillRef idx="0"/>
+            <a:effectRef idx="0"/>
+            <a:fontRef idx="minor"/>
+          </p:style>
+        </p:sp>
+        <p:sp>
+          <p:nvSpPr>
+            <p:cNvPr id="96" name="CustomShape 6"/>
+            <p:cNvSpPr/>
+            <p:nvPr/>
+          </p:nvSpPr>
+          <p:spPr>
+            <a:xfrm>
+              <a:off x="457200" y="5286240"/>
+              <a:ext cx="2129760" cy="1571040"/>
+            </a:xfrm>
+            <a:custGeom>
+              <a:avLst/>
+              <a:gdLst/>
+              <a:ahLst/>
+              <a:rect l="l" t="t" r="r" b="b"/>
+              <a:pathLst>
+                <a:path w="1342" h="990">
+                  <a:moveTo>
+                    <a:pt x="0" y="3"/>
+                  </a:moveTo>
+                  <a:lnTo>
+                    <a:pt x="942" y="990"/>
+                  </a:lnTo>
+                  <a:lnTo>
+                    <a:pt x="1342" y="990"/>
+                  </a:lnTo>
+                  <a:lnTo>
+                    <a:pt x="156" y="27"/>
+                  </a:lnTo>
+                  <a:lnTo>
+                    <a:pt x="0" y="0"/>
+                  </a:lnTo>
+                  <a:lnTo>
+                    <a:pt x="0" y="3"/>
+                  </a:lnTo>
+                  <a:close/>
+                </a:path>
+              </a:pathLst>
+            </a:custGeom>
+            <a:solidFill>
+              <a:schemeClr val="accent1">
+                <a:lumMod val="75000"/>
+              </a:schemeClr>
+            </a:solidFill>
+            <a:ln w="0">
+              <a:noFill/>
+            </a:ln>
+          </p:spPr>
+          <p:style>
+            <a:lnRef idx="0"/>
+            <a:fillRef idx="0"/>
+            <a:effectRef idx="0"/>
+            <a:fontRef idx="minor"/>
+          </p:style>
+        </p:sp>
+        <p:sp>
+          <p:nvSpPr>
+            <p:cNvPr id="97" name="CustomShape 7"/>
+            <p:cNvSpPr/>
+            <p:nvPr/>
+          </p:nvSpPr>
+          <p:spPr>
+            <a:xfrm>
+              <a:off x="150840" y="5238720"/>
+              <a:ext cx="1694880" cy="1618560"/>
+            </a:xfrm>
+            <a:custGeom>
+              <a:avLst/>
+              <a:gdLst/>
+              <a:ahLst/>
+              <a:rect l="l" t="t" r="r" b="b"/>
+              <a:pathLst>
+                <a:path w="1068" h="1020">
+                  <a:moveTo>
+                    <a:pt x="1068" y="1020"/>
+                  </a:moveTo>
+                  <a:lnTo>
+                    <a:pt x="184" y="60"/>
+                  </a:lnTo>
+                  <a:lnTo>
+                    <a:pt x="154" y="27"/>
+                  </a:lnTo>
+                  <a:lnTo>
+                    <a:pt x="157" y="27"/>
+                  </a:lnTo>
+                  <a:lnTo>
+                    <a:pt x="157" y="24"/>
+                  </a:lnTo>
+                  <a:lnTo>
+                    <a:pt x="154" y="24"/>
+                  </a:lnTo>
+                  <a:lnTo>
+                    <a:pt x="0" y="0"/>
+                  </a:lnTo>
+                  <a:lnTo>
+                    <a:pt x="0" y="0"/>
+                  </a:lnTo>
+                  <a:lnTo>
+                    <a:pt x="774" y="1020"/>
+                  </a:lnTo>
+                  <a:lnTo>
+                    <a:pt x="1068" y="1020"/>
+                  </a:lnTo>
+                  <a:close/>
+                </a:path>
+              </a:pathLst>
+            </a:custGeom>
+            <a:solidFill>
+              <a:schemeClr val="tx1">
+                <a:lumMod val="75000"/>
+                <a:lumOff val="25000"/>
+              </a:schemeClr>
+            </a:solidFill>
+            <a:ln w="0">
+              <a:noFill/>
+            </a:ln>
+          </p:spPr>
+          <p:style>
+            <a:lnRef idx="0"/>
+            <a:fillRef idx="0"/>
+            <a:effectRef idx="0"/>
+            <a:fontRef idx="minor"/>
+          </p:style>
+        </p:sp>
+      </p:grpSp>
+      <p:grpSp>
+        <p:nvGrpSpPr>
+          <p:cNvPr id="98" name="Group 8"/>
+          <p:cNvGrpSpPr/>
+          <p:nvPr/>
+        </p:nvGrpSpPr>
+        <p:grpSpPr>
+          <a:xfrm>
+            <a:off x="546120" y="-4680"/>
+            <a:ext cx="5014080" cy="6861960"/>
+            <a:chOff x="546120" y="-4680"/>
+            <a:chExt cx="5014080" cy="6861960"/>
+          </a:xfrm>
+        </p:grpSpPr>
+        <p:sp>
+          <p:nvSpPr>
+            <p:cNvPr id="99" name="CustomShape 9"/>
+            <p:cNvSpPr/>
+            <p:nvPr/>
+          </p:nvSpPr>
+          <p:spPr>
+            <a:xfrm>
+              <a:off x="984240" y="-4680"/>
+              <a:ext cx="1063080" cy="2782080"/>
+            </a:xfrm>
+            <a:custGeom>
+              <a:avLst/>
+              <a:gdLst/>
+              <a:ahLst/>
+              <a:rect l="l" t="t" r="r" b="b"/>
+              <a:pathLst>
+                <a:path w="670" h="1753">
+                  <a:moveTo>
+                    <a:pt x="0" y="1696"/>
+                  </a:moveTo>
+                  <a:lnTo>
+                    <a:pt x="225" y="1753"/>
+                  </a:lnTo>
+                  <a:lnTo>
+                    <a:pt x="670" y="0"/>
+                  </a:lnTo>
+                  <a:lnTo>
+                    <a:pt x="430" y="0"/>
+                  </a:lnTo>
+                  <a:lnTo>
+                    <a:pt x="0" y="1696"/>
+                  </a:lnTo>
+                  <a:close/>
+                </a:path>
+              </a:pathLst>
+            </a:custGeom>
+            <a:solidFill>
+              <a:schemeClr val="accent1"/>
+            </a:solidFill>
+            <a:ln w="0">
+              <a:noFill/>
+            </a:ln>
+          </p:spPr>
+          <p:style>
+            <a:lnRef idx="0"/>
+            <a:fillRef idx="0"/>
+            <a:effectRef idx="0"/>
+            <a:fontRef idx="minor"/>
+          </p:style>
+        </p:sp>
+        <p:sp>
+          <p:nvSpPr>
+            <p:cNvPr id="100" name="CustomShape 10"/>
+            <p:cNvSpPr/>
+            <p:nvPr/>
+          </p:nvSpPr>
+          <p:spPr>
+            <a:xfrm>
+              <a:off x="546120" y="-4680"/>
+              <a:ext cx="1034280" cy="2672640"/>
+            </a:xfrm>
+            <a:custGeom>
+              <a:avLst/>
+              <a:gdLst/>
+              <a:ahLst/>
+              <a:rect l="l" t="t" r="r" b="b"/>
+              <a:pathLst>
+                <a:path w="652" h="1684">
+                  <a:moveTo>
+                    <a:pt x="225" y="1684"/>
+                  </a:moveTo>
+                  <a:lnTo>
+                    <a:pt x="652" y="0"/>
+                  </a:lnTo>
+                  <a:lnTo>
+                    <a:pt x="411" y="0"/>
+                  </a:lnTo>
+                  <a:lnTo>
+                    <a:pt x="0" y="1627"/>
+                  </a:lnTo>
+                  <a:lnTo>
+                    <a:pt x="219" y="1681"/>
+                  </a:lnTo>
+                  <a:lnTo>
+                    <a:pt x="225" y="1684"/>
+                  </a:lnTo>
+                  <a:close/>
+                </a:path>
+              </a:pathLst>
+            </a:custGeom>
+            <a:solidFill>
+              <a:schemeClr val="tx1">
+                <a:lumMod val="65000"/>
+                <a:lumOff val="35000"/>
+              </a:schemeClr>
+            </a:solidFill>
+            <a:ln w="0">
+              <a:noFill/>
+            </a:ln>
+          </p:spPr>
+          <p:style>
+            <a:lnRef idx="0"/>
+            <a:fillRef idx="0"/>
+            <a:effectRef idx="0"/>
+            <a:fontRef idx="minor"/>
+          </p:style>
+        </p:sp>
+        <p:sp>
+          <p:nvSpPr>
+            <p:cNvPr id="101" name="CustomShape 11"/>
+            <p:cNvSpPr/>
+            <p:nvPr/>
+          </p:nvSpPr>
+          <p:spPr>
+            <a:xfrm>
+              <a:off x="546120" y="2583000"/>
+              <a:ext cx="2693160" cy="4274280"/>
+            </a:xfrm>
+            <a:custGeom>
+              <a:avLst/>
+              <a:gdLst/>
+              <a:ahLst/>
+              <a:rect l="l" t="t" r="r" b="b"/>
+              <a:pathLst>
+                <a:path w="1697" h="2693">
+                  <a:moveTo>
+                    <a:pt x="0" y="0"/>
+                  </a:moveTo>
+                  <a:lnTo>
+                    <a:pt x="1622" y="2693"/>
+                  </a:lnTo>
+                  <a:lnTo>
+                    <a:pt x="1697" y="2693"/>
+                  </a:lnTo>
+                  <a:lnTo>
+                    <a:pt x="0" y="0"/>
+                  </a:lnTo>
+                  <a:close/>
+                </a:path>
+              </a:pathLst>
+            </a:custGeom>
+            <a:solidFill>
+              <a:schemeClr val="tx1">
+                <a:lumMod val="85000"/>
+                <a:lumOff val="15000"/>
+              </a:schemeClr>
+            </a:solidFill>
+            <a:ln w="0">
+              <a:noFill/>
+            </a:ln>
+          </p:spPr>
+          <p:style>
+            <a:lnRef idx="0"/>
+            <a:fillRef idx="0"/>
+            <a:effectRef idx="0"/>
+            <a:fontRef idx="minor"/>
+          </p:style>
+        </p:sp>
+        <p:sp>
+          <p:nvSpPr>
+            <p:cNvPr id="102" name="CustomShape 12"/>
+            <p:cNvSpPr/>
+            <p:nvPr/>
+          </p:nvSpPr>
+          <p:spPr>
+            <a:xfrm>
+              <a:off x="988920" y="2692440"/>
+              <a:ext cx="3331440" cy="4164840"/>
+            </a:xfrm>
+            <a:custGeom>
+              <a:avLst/>
+              <a:gdLst/>
+              <a:ahLst/>
+              <a:rect l="l" t="t" r="r" b="b"/>
+              <a:pathLst>
+                <a:path w="2099" h="2624">
+                  <a:moveTo>
+                    <a:pt x="2099" y="2624"/>
+                  </a:moveTo>
+                  <a:lnTo>
+                    <a:pt x="0" y="0"/>
+                  </a:lnTo>
+                  <a:lnTo>
+                    <a:pt x="2021" y="2624"/>
+                  </a:lnTo>
+                  <a:lnTo>
+                    <a:pt x="2099" y="2624"/>
+                  </a:lnTo>
+                  <a:close/>
+                </a:path>
+              </a:pathLst>
+            </a:custGeom>
+            <a:solidFill>
+              <a:schemeClr val="accent1">
+                <a:lumMod val="50000"/>
+              </a:schemeClr>
+            </a:solidFill>
+            <a:ln w="0">
+              <a:noFill/>
+            </a:ln>
+          </p:spPr>
+          <p:style>
+            <a:lnRef idx="0"/>
+            <a:fillRef idx="0"/>
+            <a:effectRef idx="0"/>
+            <a:fontRef idx="minor"/>
+          </p:style>
+        </p:sp>
+        <p:sp>
+          <p:nvSpPr>
+            <p:cNvPr id="103" name="CustomShape 13"/>
+            <p:cNvSpPr/>
+            <p:nvPr/>
+          </p:nvSpPr>
+          <p:spPr>
+            <a:xfrm>
+              <a:off x="984240" y="2687760"/>
+              <a:ext cx="4575960" cy="4169520"/>
+            </a:xfrm>
+            <a:custGeom>
+              <a:avLst/>
+              <a:gdLst/>
+              <a:ahLst/>
+              <a:rect l="l" t="t" r="r" b="b"/>
+              <a:pathLst>
+                <a:path w="2883" h="2627">
+                  <a:moveTo>
+                    <a:pt x="0" y="0"/>
+                  </a:moveTo>
+                  <a:lnTo>
+                    <a:pt x="3" y="3"/>
+                  </a:lnTo>
+                  <a:lnTo>
+                    <a:pt x="2102" y="2627"/>
+                  </a:lnTo>
+                  <a:lnTo>
+                    <a:pt x="2883" y="2627"/>
+                  </a:lnTo>
+                  <a:lnTo>
+                    <a:pt x="225" y="57"/>
+                  </a:lnTo>
+                  <a:lnTo>
+                    <a:pt x="0" y="0"/>
+                  </a:lnTo>
+                  <a:close/>
+                </a:path>
+              </a:pathLst>
+            </a:custGeom>
+            <a:solidFill>
+              <a:schemeClr val="accent1">
+                <a:lumMod val="75000"/>
+              </a:schemeClr>
+            </a:solidFill>
+            <a:ln w="0">
+              <a:noFill/>
+            </a:ln>
+          </p:spPr>
+          <p:style>
+            <a:lnRef idx="0"/>
+            <a:fillRef idx="0"/>
+            <a:effectRef idx="0"/>
+            <a:fontRef idx="minor"/>
+          </p:style>
+        </p:sp>
+        <p:sp>
+          <p:nvSpPr>
+            <p:cNvPr id="104" name="CustomShape 14"/>
+            <p:cNvSpPr/>
+            <p:nvPr/>
+          </p:nvSpPr>
+          <p:spPr>
+            <a:xfrm>
+              <a:off x="546120" y="2577960"/>
+              <a:ext cx="3583800" cy="4279320"/>
+            </a:xfrm>
+            <a:custGeom>
+              <a:avLst/>
+              <a:gdLst/>
+              <a:ahLst/>
+              <a:rect l="l" t="t" r="r" b="b"/>
+              <a:pathLst>
+                <a:path w="2258" h="2696">
+                  <a:moveTo>
+                    <a:pt x="2258" y="2696"/>
+                  </a:moveTo>
+                  <a:lnTo>
+                    <a:pt x="264" y="111"/>
+                  </a:lnTo>
+                  <a:lnTo>
+                    <a:pt x="228" y="60"/>
+                  </a:lnTo>
+                  <a:lnTo>
+                    <a:pt x="225" y="57"/>
+                  </a:lnTo>
+                  <a:lnTo>
+                    <a:pt x="0" y="0"/>
+                  </a:lnTo>
+                  <a:lnTo>
+                    <a:pt x="0" y="3"/>
+                  </a:lnTo>
+                  <a:lnTo>
+                    <a:pt x="1697" y="2696"/>
+                  </a:lnTo>
+                  <a:lnTo>
+                    <a:pt x="2258" y="2696"/>
+                  </a:lnTo>
+                  <a:close/>
+                </a:path>
+              </a:pathLst>
+            </a:custGeom>
+            <a:solidFill>
+              <a:schemeClr val="tx1">
+                <a:lumMod val="75000"/>
+                <a:lumOff val="25000"/>
+              </a:schemeClr>
+            </a:solidFill>
+            <a:ln w="0">
+              <a:noFill/>
+            </a:ln>
+          </p:spPr>
+          <p:style>
+            <a:lnRef idx="0"/>
+            <a:fillRef idx="0"/>
+            <a:effectRef idx="0"/>
+            <a:fontRef idx="minor"/>
+          </p:style>
+        </p:sp>
+      </p:grpSp>
+      <p:sp>
+        <p:nvSpPr>
+          <p:cNvPr id="105" name="PlaceHolder 15"/>
+          <p:cNvSpPr>
+            <a:spLocks noGrp="1"/>
+          </p:cNvSpPr>
+          <p:nvPr>
+            <p:ph type="title"/>
+          </p:nvPr>
+        </p:nvSpPr>
+        <p:spPr>
+          <a:xfrm>
+            <a:off x="2928240" y="1380240"/>
+            <a:ext cx="8573760" cy="2615400"/>
+          </a:xfrm>
+          <a:prstGeom prst="rect">
+            <a:avLst/>
+          </a:prstGeom>
+        </p:spPr>
+        <p:txBody>
+          <a:bodyPr lIns="0" rIns="0" tIns="0" bIns="0" anchor="ctr">
+            <a:noAutofit/>
+          </a:bodyPr>
+          <a:p>
+            <a:pPr algn="ctr"/>
+            <a:r>
+              <a:rPr b="0" lang="es-ES" sz="1800" spc="-1" strike="noStrike">
+                <a:latin typeface="Arial"/>
+              </a:rPr>
+              <a:t>Pulse para editar el formato del texto de título</a:t>
+            </a:r>
+            <a:endParaRPr b="0" lang="es-ES" sz="1800" spc="-1" strike="noStrike">
+              <a:latin typeface="Arial"/>
+            </a:endParaRPr>
+          </a:p>
+        </p:txBody>
+      </p:sp>
+      <p:sp>
+        <p:nvSpPr>
+          <p:cNvPr id="106" name="PlaceHolder 16"/>
+          <p:cNvSpPr>
+            <a:spLocks noGrp="1"/>
+          </p:cNvSpPr>
+          <p:nvPr>
+            <p:ph type="body"/>
+          </p:nvPr>
+        </p:nvSpPr>
+        <p:spPr>
+          <a:xfrm>
+            <a:off x="609480" y="1604520"/>
+            <a:ext cx="10972440" cy="3977280"/>
+          </a:xfrm>
+          <a:prstGeom prst="rect">
+            <a:avLst/>
+          </a:prstGeom>
+        </p:spPr>
+        <p:txBody>
+          <a:bodyPr lIns="0" rIns="0" tIns="0" bIns="0">
+            <a:normAutofit/>
+          </a:bodyPr>
+          <a:p>
+            <a:pPr marL="432000" indent="-324000">
+              <a:spcBef>
+                <a:spcPts val="1417"/>
+              </a:spcBef>
+              <a:buClr>
+                <a:srgbClr val="000000"/>
+              </a:buClr>
+              <a:buSzPct val="45000"/>
+              <a:buFont typeface="Wingdings" charset="2"/>
+              <a:buChar char=""/>
+            </a:pPr>
+            <a:r>
+              <a:rPr b="0" lang="es-ES" sz="3200" spc="-1" strike="noStrike">
+                <a:latin typeface="Arial"/>
+              </a:rPr>
+              <a:t>Pulse para editar el formato de texto del esquema</a:t>
+            </a:r>
+            <a:endParaRPr b="0" lang="es-ES" sz="3200" spc="-1" strike="noStrike">
+              <a:latin typeface="Arial"/>
+            </a:endParaRPr>
+          </a:p>
+          <a:p>
+            <a:pPr lvl="1" marL="864000" indent="-324000">
+              <a:spcBef>
+                <a:spcPts val="1134"/>
+              </a:spcBef>
+              <a:buClr>
+                <a:srgbClr val="000000"/>
+              </a:buClr>
+              <a:buSzPct val="75000"/>
+              <a:buFont typeface="Symbol" charset="2"/>
+              <a:buChar char=""/>
+            </a:pPr>
+            <a:r>
+              <a:rPr b="0" lang="es-ES" sz="2800" spc="-1" strike="noStrike">
+                <a:latin typeface="Arial"/>
+              </a:rPr>
+              <a:t>Segundo nivel del esquema</a:t>
+            </a:r>
+            <a:endParaRPr b="0" lang="es-ES" sz="2800" spc="-1" strike="noStrike">
+              <a:latin typeface="Arial"/>
+            </a:endParaRPr>
+          </a:p>
+          <a:p>
+            <a:pPr lvl="2" marL="1296000" indent="-288000">
+              <a:spcBef>
+                <a:spcPts val="850"/>
+              </a:spcBef>
+              <a:buClr>
+                <a:srgbClr val="000000"/>
+              </a:buClr>
+              <a:buSzPct val="45000"/>
+              <a:buFont typeface="Wingdings" charset="2"/>
+              <a:buChar char=""/>
+            </a:pPr>
+            <a:r>
+              <a:rPr b="0" lang="es-ES" sz="2400" spc="-1" strike="noStrike">
+                <a:latin typeface="Arial"/>
+              </a:rPr>
+              <a:t>Tercer nivel del esquema</a:t>
+            </a:r>
+            <a:endParaRPr b="0" lang="es-ES" sz="2400" spc="-1" strike="noStrike">
+              <a:latin typeface="Arial"/>
+            </a:endParaRPr>
+          </a:p>
+          <a:p>
+            <a:pPr lvl="3" marL="1728000" indent="-216000">
+              <a:spcBef>
+                <a:spcPts val="567"/>
+              </a:spcBef>
+              <a:buClr>
+                <a:srgbClr val="000000"/>
+              </a:buClr>
+              <a:buSzPct val="75000"/>
+              <a:buFont typeface="Symbol" charset="2"/>
+              <a:buChar char=""/>
+            </a:pPr>
+            <a:r>
+              <a:rPr b="0" lang="es-ES" sz="2000" spc="-1" strike="noStrike">
+                <a:latin typeface="Arial"/>
+              </a:rPr>
+              <a:t>Cuarto nivel del esquema</a:t>
+            </a:r>
+            <a:endParaRPr b="0" lang="es-ES" sz="2000" spc="-1" strike="noStrike">
+              <a:latin typeface="Arial"/>
+            </a:endParaRPr>
+          </a:p>
+          <a:p>
+            <a:pPr lvl="4" marL="2160000" indent="-216000">
+              <a:spcBef>
+                <a:spcPts val="283"/>
+              </a:spcBef>
+              <a:buClr>
+                <a:srgbClr val="000000"/>
+              </a:buClr>
+              <a:buSzPct val="45000"/>
+              <a:buFont typeface="Wingdings" charset="2"/>
+              <a:buChar char=""/>
+            </a:pPr>
+            <a:r>
+              <a:rPr b="0" lang="es-ES" sz="2000" spc="-1" strike="noStrike">
+                <a:latin typeface="Arial"/>
+              </a:rPr>
+              <a:t>Quinto nivel del esquema</a:t>
+            </a:r>
+            <a:endParaRPr b="0" lang="es-ES" sz="2000" spc="-1" strike="noStrike">
+              <a:latin typeface="Arial"/>
+            </a:endParaRPr>
+          </a:p>
+          <a:p>
+            <a:pPr lvl="5" marL="2592000" indent="-216000">
+              <a:spcBef>
+                <a:spcPts val="283"/>
+              </a:spcBef>
+              <a:buClr>
+                <a:srgbClr val="000000"/>
+              </a:buClr>
+              <a:buSzPct val="45000"/>
+              <a:buFont typeface="Wingdings" charset="2"/>
+              <a:buChar char=""/>
+            </a:pPr>
+            <a:r>
+              <a:rPr b="0" lang="es-ES" sz="2000" spc="-1" strike="noStrike">
+                <a:latin typeface="Arial"/>
+              </a:rPr>
+              <a:t>Sexto nivel del esquema</a:t>
+            </a:r>
+            <a:endParaRPr b="0" lang="es-ES" sz="2000" spc="-1" strike="noStrike">
+              <a:latin typeface="Arial"/>
+            </a:endParaRPr>
+          </a:p>
+          <a:p>
+            <a:pPr lvl="6" marL="3024000" indent="-216000">
+              <a:spcBef>
+                <a:spcPts val="283"/>
+              </a:spcBef>
+              <a:buClr>
+                <a:srgbClr val="000000"/>
+              </a:buClr>
+              <a:buSzPct val="45000"/>
+              <a:buFont typeface="Wingdings" charset="2"/>
+              <a:buChar char=""/>
+            </a:pPr>
+            <a:r>
+              <a:rPr b="0" lang="es-ES" sz="2000" spc="-1" strike="noStrike">
+                <a:latin typeface="Arial"/>
+              </a:rPr>
+              <a:t>Séptimo nivel del esquema</a:t>
+            </a:r>
+            <a:endParaRPr b="0" lang="es-ES" sz="2000" spc="-1" strike="noStrike">
+              <a:latin typeface="Arial"/>
+            </a:endParaRPr>
+          </a:p>
+        </p:txBody>
+      </p:sp>
+    </p:spTree>
+  </p:cSld>
+  <p:clrMap bg1="lt1" bg2="lt2" tx1="dk1" tx2="dk2" accent1="accent1" accent2="accent2" accent3="accent3" accent4="accent4" accent5="accent5" accent6="accent6" hlink="hlink" folHlink="folHlink"/>
+  <p:sldLayoutIdLst>
+    <p:sldLayoutId id="2147483675" r:id="rId3"/>
+    <p:sldLayoutId id="2147483676" r:id="rId4"/>
+    <p:sldLayoutId id="2147483677" r:id="rId5"/>
+    <p:sldLayoutId id="2147483678" r:id="rId6"/>
+    <p:sldLayoutId id="2147483679" r:id="rId7"/>
+    <p:sldLayoutId id="2147483680" r:id="rId8"/>
+    <p:sldLayoutId id="2147483681" r:id="rId9"/>
+    <p:sldLayoutId id="2147483682" r:id="rId10"/>
+    <p:sldLayoutId id="2147483683" r:id="rId11"/>
+    <p:sldLayoutId id="2147483684" r:id="rId12"/>
+    <p:sldLayoutId id="2147483685" r:id="rId13"/>
+    <p:sldLayoutId id="2147483686" r:id="rId14"/>
   </p:sldLayoutIdLst>
 </p:sldMaster>
 </file>
@@ -4806,14 +6451,14 @@
       </p:grpSpPr>
       <p:sp>
         <p:nvSpPr>
-          <p:cNvPr id="103" name="TextShape 1"/>
-          <p:cNvSpPr txBox="1"/>
+          <p:cNvPr id="143" name="CustomShape 1"/>
+          <p:cNvSpPr/>
           <p:nvPr/>
         </p:nvSpPr>
         <p:spPr>
           <a:xfrm>
             <a:off x="7560000" y="505800"/>
-            <a:ext cx="4095720" cy="1654200"/>
+            <a:ext cx="4095360" cy="1653840"/>
           </a:xfrm>
           <a:prstGeom prst="rect">
             <a:avLst/>
@@ -4823,8 +6468,14 @@
             <a:noFill/>
           </a:ln>
         </p:spPr>
-        <p:txBody>
-          <a:bodyPr anchor="ctr">
+        <p:style>
+          <a:lnRef idx="0"/>
+          <a:fillRef idx="0"/>
+          <a:effectRef idx="0"/>
+          <a:fontRef idx="minor"/>
+        </p:style>
+        <p:txBody>
+          <a:bodyPr lIns="90000" rIns="90000" tIns="45000" bIns="45000" anchor="ctr">
             <a:noAutofit/>
           </a:bodyPr>
           <a:p>
@@ -4843,24 +6494,21 @@
               <a:t> </a:t>
             </a:r>
             <a:endParaRPr b="0" lang="es-ES" sz="4000" spc="-1" strike="noStrike">
-              <a:solidFill>
-                <a:srgbClr val="000000"/>
-              </a:solidFill>
-              <a:latin typeface="Corbel"/>
-            </a:endParaRPr>
-          </a:p>
-        </p:txBody>
-      </p:sp>
-      <p:sp>
-        <p:nvSpPr>
-          <p:cNvPr id="104" name="TextShape 2"/>
-          <p:cNvSpPr txBox="1"/>
+              <a:latin typeface="Arial"/>
+            </a:endParaRPr>
+          </a:p>
+        </p:txBody>
+      </p:sp>
+      <p:sp>
+        <p:nvSpPr>
+          <p:cNvPr id="144" name="CustomShape 2"/>
+          <p:cNvSpPr/>
           <p:nvPr/>
         </p:nvSpPr>
         <p:spPr>
           <a:xfrm>
             <a:off x="7560000" y="4140000"/>
-            <a:ext cx="4482720" cy="2306880"/>
+            <a:ext cx="4482360" cy="2306520"/>
           </a:xfrm>
           <a:prstGeom prst="rect">
             <a:avLst/>
@@ -4870,8 +6518,14 @@
             <a:noFill/>
           </a:ln>
         </p:spPr>
-        <p:txBody>
-          <a:bodyPr anchor="ctr">
+        <p:style>
+          <a:lnRef idx="0"/>
+          <a:fillRef idx="0"/>
+          <a:effectRef idx="0"/>
+          <a:fontRef idx="minor"/>
+        </p:style>
+        <p:txBody>
+          <a:bodyPr lIns="90000" rIns="90000" tIns="45000" bIns="45000" anchor="ctr">
             <a:noAutofit/>
           </a:bodyPr>
           <a:p>
@@ -4899,10 +6553,7 @@
               <a:t>Grupo 4</a:t>
             </a:r>
             <a:endParaRPr b="0" lang="es-ES" sz="2100" spc="-1" strike="noStrike">
-              <a:solidFill>
-                <a:srgbClr val="000000"/>
-              </a:solidFill>
-              <a:latin typeface="Corbel"/>
+              <a:latin typeface="Arial"/>
             </a:endParaRPr>
           </a:p>
           <a:p>
@@ -4930,10 +6581,7 @@
               <a:t>Rubén Molina</a:t>
             </a:r>
             <a:endParaRPr b="0" lang="es-ES" sz="2100" spc="-1" strike="noStrike">
-              <a:solidFill>
-                <a:srgbClr val="000000"/>
-              </a:solidFill>
-              <a:latin typeface="Corbel"/>
+              <a:latin typeface="Arial"/>
             </a:endParaRPr>
           </a:p>
           <a:p>
@@ -4961,10 +6609,7 @@
               <a:t>Jorge García</a:t>
             </a:r>
             <a:endParaRPr b="0" lang="es-ES" sz="2100" spc="-1" strike="noStrike">
-              <a:solidFill>
-                <a:srgbClr val="000000"/>
-              </a:solidFill>
-              <a:latin typeface="Corbel"/>
+              <a:latin typeface="Arial"/>
             </a:endParaRPr>
           </a:p>
           <a:p>
@@ -4992,10 +6637,7 @@
               <a:t>Pedro Valero</a:t>
             </a:r>
             <a:endParaRPr b="0" lang="es-ES" sz="2100" spc="-1" strike="noStrike">
-              <a:solidFill>
-                <a:srgbClr val="000000"/>
-              </a:solidFill>
-              <a:latin typeface="Corbel"/>
+              <a:latin typeface="Arial"/>
             </a:endParaRPr>
           </a:p>
           <a:p>
@@ -5023,17 +6665,14 @@
               <a:t>Sergio Alcalde</a:t>
             </a:r>
             <a:endParaRPr b="0" lang="es-ES" sz="2100" spc="-1" strike="noStrike">
-              <a:solidFill>
-                <a:srgbClr val="000000"/>
-              </a:solidFill>
-              <a:latin typeface="Corbel"/>
+              <a:latin typeface="Arial"/>
             </a:endParaRPr>
           </a:p>
         </p:txBody>
       </p:sp>
       <p:pic>
         <p:nvPicPr>
-          <p:cNvPr id="105" name="" descr=""/>
+          <p:cNvPr id="145" name="" descr=""/>
           <p:cNvPicPr/>
           <p:nvPr/>
         </p:nvPicPr>
@@ -5043,8 +6682,31 @@
         </p:blipFill>
         <p:spPr>
           <a:xfrm>
-            <a:off x="8267400" y="17640"/>
-            <a:ext cx="3924720" cy="1962360"/>
+            <a:off x="8626680" y="17640"/>
+            <a:ext cx="3565080" cy="1782360"/>
+          </a:xfrm>
+          <a:prstGeom prst="rect">
+            <a:avLst/>
+          </a:prstGeom>
+          <a:ln w="0">
+            <a:noFill/>
+          </a:ln>
+        </p:spPr>
+      </p:pic>
+      <p:pic>
+        <p:nvPicPr>
+          <p:cNvPr id="146" name="" descr=""/>
+          <p:cNvPicPr/>
+          <p:nvPr/>
+        </p:nvPicPr>
+        <p:blipFill>
+          <a:blip r:embed="rId2"/>
+          <a:stretch/>
+        </p:blipFill>
+        <p:spPr>
+          <a:xfrm>
+            <a:off x="2880000" y="1538640"/>
+            <a:ext cx="5301360" cy="4221360"/>
           </a:xfrm>
           <a:prstGeom prst="rect">
             <a:avLst/>
@@ -5086,14 +6748,14 @@
       </p:grpSpPr>
       <p:sp>
         <p:nvSpPr>
-          <p:cNvPr id="106" name="TextShape 1"/>
-          <p:cNvSpPr txBox="1"/>
+          <p:cNvPr id="147" name="CustomShape 1"/>
+          <p:cNvSpPr/>
           <p:nvPr/>
         </p:nvSpPr>
         <p:spPr>
           <a:xfrm>
             <a:off x="8100000" y="1620000"/>
-            <a:ext cx="3582720" cy="3192120"/>
+            <a:ext cx="3582360" cy="3191760"/>
           </a:xfrm>
           <a:prstGeom prst="rect">
             <a:avLst/>
@@ -5103,8 +6765,14 @@
             <a:noFill/>
           </a:ln>
         </p:spPr>
-        <p:txBody>
-          <a:bodyPr anchor="ctr">
+        <p:style>
+          <a:lnRef idx="0"/>
+          <a:fillRef idx="0"/>
+          <a:effectRef idx="0"/>
+          <a:fontRef idx="minor"/>
+        </p:style>
+        <p:txBody>
+          <a:bodyPr lIns="90000" rIns="90000" tIns="45000" bIns="45000" anchor="ctr">
             <a:noAutofit/>
           </a:bodyPr>
           <a:p>
@@ -5131,25 +6799,22 @@
               </a:rPr>
               <a:t>¿ES POSIBLE PREDECIR EL VALOR DE BITCOIN?</a:t>
             </a:r>
-            <a:endParaRPr b="1" lang="es-ES" sz="1800" spc="-1" strike="noStrike">
-              <a:solidFill>
-                <a:srgbClr val="000000"/>
-              </a:solidFill>
-              <a:latin typeface="Segoe Print"/>
-            </a:endParaRPr>
-          </a:p>
-        </p:txBody>
-      </p:sp>
-      <p:sp>
-        <p:nvSpPr>
-          <p:cNvPr id="107" name="TextShape 2"/>
-          <p:cNvSpPr txBox="1"/>
+            <a:endParaRPr b="0" lang="es-ES" sz="1800" spc="-1" strike="noStrike">
+              <a:latin typeface="Arial"/>
+            </a:endParaRPr>
+          </a:p>
+        </p:txBody>
+      </p:sp>
+      <p:sp>
+        <p:nvSpPr>
+          <p:cNvPr id="148" name="CustomShape 2"/>
+          <p:cNvSpPr/>
           <p:nvPr/>
         </p:nvSpPr>
         <p:spPr>
           <a:xfrm>
             <a:off x="1484280" y="2666880"/>
-            <a:ext cx="4888800" cy="3123720"/>
+            <a:ext cx="4888440" cy="3123360"/>
           </a:xfrm>
           <a:prstGeom prst="rect">
             <a:avLst/>
@@ -5159,8 +6824,14 @@
             <a:noFill/>
           </a:ln>
         </p:spPr>
-        <p:txBody>
-          <a:bodyPr anchor="ctr">
+        <p:style>
+          <a:lnRef idx="0"/>
+          <a:fillRef idx="0"/>
+          <a:effectRef idx="0"/>
+          <a:fontRef idx="minor"/>
+        </p:style>
+        <p:txBody>
+          <a:bodyPr lIns="90000" rIns="90000" tIns="45000" bIns="45000" anchor="ctr">
             <a:noAutofit/>
           </a:bodyPr>
           <a:p>
@@ -5188,17 +6859,14 @@
               <a:t> </a:t>
             </a:r>
             <a:endParaRPr b="0" lang="es-ES" sz="2100" spc="-1" strike="noStrike">
-              <a:solidFill>
-                <a:srgbClr val="000000"/>
-              </a:solidFill>
-              <a:latin typeface="Corbel"/>
+              <a:latin typeface="Arial"/>
             </a:endParaRPr>
           </a:p>
         </p:txBody>
       </p:sp>
       <p:pic>
         <p:nvPicPr>
-          <p:cNvPr id="108" name="" descr=""/>
+          <p:cNvPr id="149" name="" descr=""/>
           <p:cNvPicPr/>
           <p:nvPr/>
         </p:nvPicPr>
@@ -5209,7 +6877,7 @@
         <p:spPr>
           <a:xfrm>
             <a:off x="9311760" y="0"/>
-            <a:ext cx="2880360" cy="1440000"/>
+            <a:ext cx="2880000" cy="1439640"/>
           </a:xfrm>
           <a:prstGeom prst="rect">
             <a:avLst/>
@@ -5221,7 +6889,7 @@
       </p:pic>
       <p:pic>
         <p:nvPicPr>
-          <p:cNvPr id="109" name="" descr=""/>
+          <p:cNvPr id="150" name="" descr=""/>
           <p:cNvPicPr/>
           <p:nvPr/>
         </p:nvPicPr>
@@ -5232,7 +6900,7 @@
         <p:spPr>
           <a:xfrm>
             <a:off x="1484280" y="1620000"/>
-            <a:ext cx="6095520" cy="3428640"/>
+            <a:ext cx="6095160" cy="3428280"/>
           </a:xfrm>
           <a:prstGeom prst="rect">
             <a:avLst/>
@@ -5274,14 +6942,14 @@
       </p:grpSpPr>
       <p:sp>
         <p:nvSpPr>
-          <p:cNvPr id="110" name="TextShape 1"/>
-          <p:cNvSpPr txBox="1"/>
+          <p:cNvPr id="151" name="CustomShape 1"/>
+          <p:cNvSpPr/>
           <p:nvPr/>
         </p:nvSpPr>
         <p:spPr>
           <a:xfrm>
             <a:off x="1484280" y="685800"/>
-            <a:ext cx="10018440" cy="1752120"/>
+            <a:ext cx="10018080" cy="1751760"/>
           </a:xfrm>
           <a:prstGeom prst="rect">
             <a:avLst/>
@@ -5291,8 +6959,14 @@
             <a:noFill/>
           </a:ln>
         </p:spPr>
-        <p:txBody>
-          <a:bodyPr anchor="ctr">
+        <p:style>
+          <a:lnRef idx="0"/>
+          <a:fillRef idx="0"/>
+          <a:effectRef idx="0"/>
+          <a:fontRef idx="minor"/>
+        </p:style>
+        <p:txBody>
+          <a:bodyPr lIns="90000" rIns="90000" tIns="45000" bIns="45000" anchor="ctr">
             <a:noAutofit/>
           </a:bodyPr>
           <a:p>
@@ -5311,24 +6985,21 @@
               <a:t>¿Por que hicimos esto?</a:t>
             </a:r>
             <a:endParaRPr b="0" lang="es-ES" sz="4000" spc="-1" strike="noStrike">
-              <a:solidFill>
-                <a:srgbClr val="000000"/>
-              </a:solidFill>
-              <a:latin typeface="Corbel"/>
-            </a:endParaRPr>
-          </a:p>
-        </p:txBody>
-      </p:sp>
-      <p:sp>
-        <p:nvSpPr>
-          <p:cNvPr id="111" name="TextShape 2"/>
-          <p:cNvSpPr txBox="1"/>
+              <a:latin typeface="Arial"/>
+            </a:endParaRPr>
+          </a:p>
+        </p:txBody>
+      </p:sp>
+      <p:sp>
+        <p:nvSpPr>
+          <p:cNvPr id="152" name="CustomShape 2"/>
+          <p:cNvSpPr/>
           <p:nvPr/>
         </p:nvSpPr>
         <p:spPr>
           <a:xfrm>
             <a:off x="1484280" y="2160000"/>
-            <a:ext cx="3555720" cy="3960000"/>
+            <a:ext cx="3555360" cy="3959640"/>
           </a:xfrm>
           <a:prstGeom prst="rect">
             <a:avLst/>
@@ -5338,12 +7009,18 @@
             <a:noFill/>
           </a:ln>
         </p:spPr>
-        <p:txBody>
-          <a:bodyPr anchor="ctr">
+        <p:style>
+          <a:lnRef idx="0"/>
+          <a:fillRef idx="0"/>
+          <a:effectRef idx="0"/>
+          <a:fontRef idx="minor"/>
+        </p:style>
+        <p:txBody>
+          <a:bodyPr lIns="90000" rIns="90000" tIns="45000" bIns="45000" anchor="ctr">
             <a:noAutofit/>
           </a:bodyPr>
           <a:p>
-            <a:pPr marL="285840" indent="-285480">
+            <a:pPr marL="285840" indent="-285120">
               <a:lnSpc>
                 <a:spcPct val="100000"/>
               </a:lnSpc>
@@ -5370,17 +7047,14 @@
               <a:t>Nos decantamos por este trabajo por que queríamos ver si existe una correlación entre el precio del Bitcoin con algunas de las mayores empresas tecnológicas del momento.</a:t>
             </a:r>
             <a:endParaRPr b="0" lang="es-ES" sz="2400" spc="-1" strike="noStrike">
-              <a:solidFill>
-                <a:srgbClr val="000000"/>
-              </a:solidFill>
-              <a:latin typeface="Corbel"/>
+              <a:latin typeface="Arial"/>
             </a:endParaRPr>
           </a:p>
         </p:txBody>
       </p:sp>
       <p:pic>
         <p:nvPicPr>
-          <p:cNvPr id="112" name="" descr=""/>
+          <p:cNvPr id="153" name="" descr=""/>
           <p:cNvPicPr/>
           <p:nvPr/>
         </p:nvPicPr>
@@ -5391,7 +7065,7 @@
         <p:spPr>
           <a:xfrm>
             <a:off x="9312120" y="0"/>
-            <a:ext cx="2880360" cy="1440000"/>
+            <a:ext cx="2880000" cy="1439640"/>
           </a:xfrm>
           <a:prstGeom prst="rect">
             <a:avLst/>
@@ -5403,7 +7077,7 @@
       </p:pic>
       <p:pic>
         <p:nvPicPr>
-          <p:cNvPr id="113" name="" descr=""/>
+          <p:cNvPr id="154" name="" descr=""/>
           <p:cNvPicPr/>
           <p:nvPr/>
         </p:nvPicPr>
@@ -5414,7 +7088,7 @@
         <p:spPr>
           <a:xfrm>
             <a:off x="5375880" y="2063160"/>
-            <a:ext cx="6324120" cy="4285800"/>
+            <a:ext cx="6323760" cy="4285440"/>
           </a:xfrm>
           <a:prstGeom prst="rect">
             <a:avLst/>
@@ -5456,14 +7130,14 @@
       </p:grpSpPr>
       <p:sp>
         <p:nvSpPr>
-          <p:cNvPr id="114" name="TextShape 1"/>
-          <p:cNvSpPr txBox="1"/>
+          <p:cNvPr id="155" name="CustomShape 1"/>
+          <p:cNvSpPr/>
           <p:nvPr/>
         </p:nvSpPr>
         <p:spPr>
           <a:xfrm>
-            <a:off x="1484280" y="685800"/>
-            <a:ext cx="10018440" cy="1752120"/>
+            <a:off x="1681560" y="900000"/>
+            <a:ext cx="10018080" cy="1259640"/>
           </a:xfrm>
           <a:prstGeom prst="rect">
             <a:avLst/>
@@ -5473,164 +7147,16 @@
             <a:noFill/>
           </a:ln>
         </p:spPr>
-        <p:txBody>
-          <a:bodyPr anchor="ctr">
-            <a:noAutofit/>
-          </a:bodyPr>
-          <a:p>
-            <a:pPr algn="ctr">
-              <a:lnSpc>
-                <a:spcPct val="100000"/>
-              </a:lnSpc>
-            </a:pPr>
-            <a:r>
-              <a:rPr b="0" lang="es-ES" sz="4000" spc="-1" strike="noStrike">
-                <a:solidFill>
-                  <a:srgbClr val="000000"/>
-                </a:solidFill>
-                <a:latin typeface="Corbel"/>
-              </a:rPr>
-              <a:t>QUE TECNOLOGÍAS HEMOS UTILIZADO</a:t>
-            </a:r>
-            <a:endParaRPr b="0" lang="es-ES" sz="4000" spc="-1" strike="noStrike">
-              <a:solidFill>
-                <a:srgbClr val="000000"/>
-              </a:solidFill>
-              <a:latin typeface="Corbel"/>
-            </a:endParaRPr>
-          </a:p>
-        </p:txBody>
-      </p:sp>
-      <p:sp>
-        <p:nvSpPr>
-          <p:cNvPr id="115" name="TextShape 2"/>
-          <p:cNvSpPr txBox="1"/>
-          <p:nvPr/>
-        </p:nvSpPr>
-        <p:spPr>
-          <a:xfrm>
-            <a:off x="1484280" y="1890720"/>
-            <a:ext cx="10018440" cy="3123720"/>
-          </a:xfrm>
-          <a:prstGeom prst="rect">
-            <a:avLst/>
-          </a:prstGeom>
-          <a:noFill/>
-          <a:ln w="0">
-            <a:noFill/>
-          </a:ln>
-        </p:spPr>
-        <p:txBody>
-          <a:bodyPr anchor="ctr">
-            <a:noAutofit/>
-          </a:bodyPr>
-          <a:p>
-            <a:pPr marL="285840" indent="-285480">
-              <a:lnSpc>
-                <a:spcPct val="100000"/>
-              </a:lnSpc>
-              <a:spcBef>
-                <a:spcPts val="479"/>
-              </a:spcBef>
-              <a:spcAft>
-                <a:spcPts val="601"/>
-              </a:spcAft>
-              <a:buClr>
-                <a:srgbClr val="1287c3"/>
-              </a:buClr>
-              <a:buSzPct val="145000"/>
-              <a:buFont typeface="Arial"/>
-              <a:buChar char="•"/>
-            </a:pPr>
-            <a:r>
-              <a:rPr b="0" i="1" lang="es-ES" sz="2400" spc="-1" strike="noStrike">
-                <a:solidFill>
-                  <a:srgbClr val="000000"/>
-                </a:solidFill>
-                <a:latin typeface="Corbel"/>
-              </a:rPr>
-              <a:t>Base de datos</a:t>
-            </a:r>
-            <a:endParaRPr b="0" lang="es-ES" sz="2400" spc="-1" strike="noStrike">
-              <a:solidFill>
-                <a:srgbClr val="000000"/>
-              </a:solidFill>
-              <a:latin typeface="Corbel"/>
-            </a:endParaRPr>
-          </a:p>
-          <a:p>
-            <a:pPr marL="285840" indent="-285480">
-              <a:lnSpc>
-                <a:spcPct val="100000"/>
-              </a:lnSpc>
-              <a:spcBef>
-                <a:spcPts val="479"/>
-              </a:spcBef>
-              <a:spcAft>
-                <a:spcPts val="601"/>
-              </a:spcAft>
-              <a:buClr>
-                <a:srgbClr val="1287c3"/>
-              </a:buClr>
-              <a:buSzPct val="145000"/>
-              <a:buFont typeface="Arial"/>
-              <a:buChar char="•"/>
-            </a:pPr>
-            <a:r>
-              <a:rPr b="0" i="1" lang="es-ES" sz="2400" spc="-1" strike="noStrike">
-                <a:solidFill>
-                  <a:srgbClr val="000000"/>
-                </a:solidFill>
-                <a:latin typeface="Corbel"/>
-              </a:rPr>
-              <a:t>Lenguaje de programación</a:t>
-            </a:r>
-            <a:endParaRPr b="0" lang="es-ES" sz="2400" spc="-1" strike="noStrike">
-              <a:solidFill>
-                <a:srgbClr val="000000"/>
-              </a:solidFill>
-              <a:latin typeface="Corbel"/>
-            </a:endParaRPr>
-          </a:p>
-          <a:p>
-            <a:pPr marL="285840" indent="-285480">
-              <a:lnSpc>
-                <a:spcPct val="100000"/>
-              </a:lnSpc>
-              <a:spcBef>
-                <a:spcPts val="479"/>
-              </a:spcBef>
-              <a:spcAft>
-                <a:spcPts val="601"/>
-              </a:spcAft>
-              <a:buClr>
-                <a:srgbClr val="1287c3"/>
-              </a:buClr>
-              <a:buSzPct val="145000"/>
-              <a:buFont typeface="Arial"/>
-              <a:buChar char="•"/>
-            </a:pPr>
-            <a:r>
-              <a:rPr b="0" i="1" lang="es-ES" sz="2400" spc="-1" strike="noStrike">
-                <a:solidFill>
-                  <a:srgbClr val="000000"/>
-                </a:solidFill>
-                <a:latin typeface="Corbel"/>
-              </a:rPr>
-              <a:t>Contenedores</a:t>
-            </a:r>
-            <a:endParaRPr b="0" lang="es-ES" sz="2400" spc="-1" strike="noStrike">
-              <a:solidFill>
-                <a:srgbClr val="000000"/>
-              </a:solidFill>
-              <a:latin typeface="Corbel"/>
-            </a:endParaRPr>
-          </a:p>
-        </p:txBody>
+        <p:style>
+          <a:lnRef idx="0"/>
+          <a:fillRef idx="0"/>
+          <a:effectRef idx="0"/>
+          <a:fontRef idx="minor"/>
+        </p:style>
       </p:sp>
       <p:pic>
         <p:nvPicPr>
-          <p:cNvPr id="116" name="Imagen 7" descr=""/>
+          <p:cNvPr id="156" name="" descr=""/>
           <p:cNvPicPr/>
           <p:nvPr/>
         </p:nvPicPr>
@@ -5640,8 +7166,8 @@
         </p:blipFill>
         <p:spPr>
           <a:xfrm>
-            <a:off x="3754800" y="2260440"/>
-            <a:ext cx="1214280" cy="810000"/>
+            <a:off x="9312480" y="0"/>
+            <a:ext cx="2880000" cy="1439640"/>
           </a:xfrm>
           <a:prstGeom prst="rect">
             <a:avLst/>
@@ -5653,7 +7179,7 @@
       </p:pic>
       <p:pic>
         <p:nvPicPr>
-          <p:cNvPr id="117" name="Imagen 8" descr=""/>
+          <p:cNvPr id="157" name="" descr=""/>
           <p:cNvPicPr/>
           <p:nvPr/>
         </p:nvPicPr>
@@ -5662,9 +7188,9 @@
           <a:stretch/>
         </p:blipFill>
         <p:spPr>
-          <a:xfrm>
-            <a:off x="5433120" y="3071160"/>
-            <a:ext cx="673920" cy="673920"/>
+          <a:xfrm rot="41400">
+            <a:off x="2174400" y="2173680"/>
+            <a:ext cx="2389320" cy="2446920"/>
           </a:xfrm>
           <a:prstGeom prst="rect">
             <a:avLst/>
@@ -5676,7 +7202,7 @@
       </p:pic>
       <p:pic>
         <p:nvPicPr>
-          <p:cNvPr id="118" name="Imagen 9" descr=""/>
+          <p:cNvPr id="158" name="" descr=""/>
           <p:cNvPicPr/>
           <p:nvPr/>
         </p:nvPicPr>
@@ -5686,8 +7212,8 @@
         </p:blipFill>
         <p:spPr>
           <a:xfrm>
-            <a:off x="3944520" y="3643200"/>
-            <a:ext cx="1024920" cy="875160"/>
+            <a:off x="5400000" y="2340000"/>
+            <a:ext cx="5400000" cy="1627200"/>
           </a:xfrm>
           <a:prstGeom prst="rect">
             <a:avLst/>
@@ -5699,7 +7225,7 @@
       </p:pic>
       <p:pic>
         <p:nvPicPr>
-          <p:cNvPr id="119" name="" descr=""/>
+          <p:cNvPr id="159" name="" descr=""/>
           <p:cNvPicPr/>
           <p:nvPr/>
         </p:nvPicPr>
@@ -5709,8 +7235,31 @@
         </p:blipFill>
         <p:spPr>
           <a:xfrm>
-            <a:off x="9312120" y="0"/>
-            <a:ext cx="2880360" cy="1440000"/>
+            <a:off x="8280000" y="4500000"/>
+            <a:ext cx="1620000" cy="1620000"/>
+          </a:xfrm>
+          <a:prstGeom prst="rect">
+            <a:avLst/>
+          </a:prstGeom>
+          <a:ln w="0">
+            <a:noFill/>
+          </a:ln>
+        </p:spPr>
+      </p:pic>
+      <p:pic>
+        <p:nvPicPr>
+          <p:cNvPr id="160" name="" descr=""/>
+          <p:cNvPicPr/>
+          <p:nvPr/>
+        </p:nvPicPr>
+        <p:blipFill>
+          <a:blip r:embed="rId5"/>
+          <a:stretch/>
+        </p:blipFill>
+        <p:spPr>
+          <a:xfrm>
+            <a:off x="5261040" y="4500000"/>
+            <a:ext cx="1398960" cy="1088280"/>
           </a:xfrm>
           <a:prstGeom prst="rect">
             <a:avLst/>
@@ -5752,14 +7301,14 @@
       </p:grpSpPr>
       <p:sp>
         <p:nvSpPr>
-          <p:cNvPr id="120" name="TextShape 1"/>
-          <p:cNvSpPr txBox="1"/>
+          <p:cNvPr id="161" name="CustomShape 1"/>
+          <p:cNvSpPr/>
           <p:nvPr/>
         </p:nvSpPr>
         <p:spPr>
           <a:xfrm>
-            <a:off x="1501560" y="1440000"/>
-            <a:ext cx="10018440" cy="507960"/>
+            <a:off x="1484280" y="685800"/>
+            <a:ext cx="10018080" cy="1751760"/>
           </a:xfrm>
           <a:prstGeom prst="rect">
             <a:avLst/>
@@ -5769,12 +7318,22 @@
             <a:noFill/>
           </a:ln>
         </p:spPr>
-        <p:txBody>
-          <a:bodyPr lIns="0" rIns="0" tIns="0" bIns="0">
+        <p:style>
+          <a:lnRef idx="0"/>
+          <a:fillRef idx="0"/>
+          <a:effectRef idx="0"/>
+          <a:fontRef idx="minor"/>
+        </p:style>
+        <p:txBody>
+          <a:bodyPr lIns="90000" rIns="90000" tIns="45000" bIns="45000" anchor="ctr">
             <a:noAutofit/>
           </a:bodyPr>
           <a:p>
-            <a:pPr algn="ctr"/>
+            <a:pPr algn="ctr">
+              <a:lnSpc>
+                <a:spcPct val="100000"/>
+              </a:lnSpc>
+            </a:pPr>
             <a:r>
               <a:rPr b="0" lang="es-ES" sz="4000" spc="-1" strike="noStrike">
                 <a:solidFill>
@@ -5782,21 +7341,141 @@
                 </a:solidFill>
                 <a:latin typeface="Corbel"/>
               </a:rPr>
-              <a:t>ORIGEN DE LA INFORMACIÓN</a:t>
+              <a:t>QUE TECNOLOGÍAS HEMOS UTILIZADO</a:t>
             </a:r>
             <a:endParaRPr b="0" lang="es-ES" sz="4000" spc="-1" strike="noStrike">
-              <a:solidFill>
-                <a:srgbClr val="000000"/>
-              </a:solidFill>
-              <a:latin typeface="Corbel"/>
-              <a:ea typeface="Microsoft YaHei"/>
+              <a:latin typeface="Arial"/>
+            </a:endParaRPr>
+          </a:p>
+        </p:txBody>
+      </p:sp>
+      <p:sp>
+        <p:nvSpPr>
+          <p:cNvPr id="162" name="CustomShape 2"/>
+          <p:cNvSpPr/>
+          <p:nvPr/>
+        </p:nvSpPr>
+        <p:spPr>
+          <a:xfrm>
+            <a:off x="1484280" y="1890720"/>
+            <a:ext cx="10018080" cy="3123360"/>
+          </a:xfrm>
+          <a:prstGeom prst="rect">
+            <a:avLst/>
+          </a:prstGeom>
+          <a:noFill/>
+          <a:ln w="0">
+            <a:noFill/>
+          </a:ln>
+        </p:spPr>
+        <p:style>
+          <a:lnRef idx="0"/>
+          <a:fillRef idx="0"/>
+          <a:effectRef idx="0"/>
+          <a:fontRef idx="minor"/>
+        </p:style>
+        <p:txBody>
+          <a:bodyPr lIns="90000" rIns="90000" tIns="45000" bIns="45000" anchor="ctr">
+            <a:noAutofit/>
+          </a:bodyPr>
+          <a:p>
+            <a:pPr marL="285840" indent="-285120">
+              <a:lnSpc>
+                <a:spcPct val="100000"/>
+              </a:lnSpc>
+              <a:spcBef>
+                <a:spcPts val="479"/>
+              </a:spcBef>
+              <a:spcAft>
+                <a:spcPts val="601"/>
+              </a:spcAft>
+              <a:buClr>
+                <a:srgbClr val="1287c3"/>
+              </a:buClr>
+              <a:buSzPct val="145000"/>
+              <a:buFont typeface="Arial"/>
+              <a:buChar char="•"/>
+            </a:pPr>
+            <a:r>
+              <a:rPr b="0" i="1" lang="es-ES" sz="2400" spc="-1" strike="noStrike">
+                <a:solidFill>
+                  <a:srgbClr val="000000"/>
+                </a:solidFill>
+                <a:latin typeface="Corbel"/>
+              </a:rPr>
+              <a:t>Base de datos</a:t>
+            </a:r>
+            <a:endParaRPr b="0" lang="es-ES" sz="2400" spc="-1" strike="noStrike">
+              <a:latin typeface="Arial"/>
+            </a:endParaRPr>
+          </a:p>
+          <a:p>
+            <a:pPr marL="285840" indent="-285120">
+              <a:lnSpc>
+                <a:spcPct val="100000"/>
+              </a:lnSpc>
+              <a:spcBef>
+                <a:spcPts val="479"/>
+              </a:spcBef>
+              <a:spcAft>
+                <a:spcPts val="601"/>
+              </a:spcAft>
+              <a:buClr>
+                <a:srgbClr val="1287c3"/>
+              </a:buClr>
+              <a:buSzPct val="145000"/>
+              <a:buFont typeface="Arial"/>
+              <a:buChar char="•"/>
+            </a:pPr>
+            <a:r>
+              <a:rPr b="0" i="1" lang="es-ES" sz="2400" spc="-1" strike="noStrike">
+                <a:solidFill>
+                  <a:srgbClr val="000000"/>
+                </a:solidFill>
+                <a:latin typeface="Corbel"/>
+              </a:rPr>
+              <a:t>Lenguaje de programación</a:t>
+            </a:r>
+            <a:endParaRPr b="0" lang="es-ES" sz="2400" spc="-1" strike="noStrike">
+              <a:latin typeface="Arial"/>
+            </a:endParaRPr>
+          </a:p>
+          <a:p>
+            <a:pPr marL="285840" indent="-285120">
+              <a:lnSpc>
+                <a:spcPct val="100000"/>
+              </a:lnSpc>
+              <a:spcBef>
+                <a:spcPts val="479"/>
+              </a:spcBef>
+              <a:spcAft>
+                <a:spcPts val="601"/>
+              </a:spcAft>
+              <a:buClr>
+                <a:srgbClr val="1287c3"/>
+              </a:buClr>
+              <a:buSzPct val="145000"/>
+              <a:buFont typeface="Arial"/>
+              <a:buChar char="•"/>
+            </a:pPr>
+            <a:r>
+              <a:rPr b="0" i="1" lang="es-ES" sz="2400" spc="-1" strike="noStrike">
+                <a:solidFill>
+                  <a:srgbClr val="000000"/>
+                </a:solidFill>
+                <a:latin typeface="Corbel"/>
+              </a:rPr>
+              <a:t>Contenedores</a:t>
+            </a:r>
+            <a:endParaRPr b="0" lang="es-ES" sz="2400" spc="-1" strike="noStrike">
+              <a:latin typeface="Arial"/>
             </a:endParaRPr>
           </a:p>
         </p:txBody>
       </p:sp>
       <p:pic>
         <p:nvPicPr>
-          <p:cNvPr id="121" name="" descr=""/>
+          <p:cNvPr id="163" name="Imagen 7" descr=""/>
           <p:cNvPicPr/>
           <p:nvPr/>
         </p:nvPicPr>
@@ -5806,8 +7485,8 @@
         </p:blipFill>
         <p:spPr>
           <a:xfrm>
-            <a:off x="3104280" y="2160000"/>
-            <a:ext cx="7335720" cy="3240000"/>
+            <a:off x="3754800" y="2260440"/>
+            <a:ext cx="1213920" cy="809640"/>
           </a:xfrm>
           <a:prstGeom prst="rect">
             <a:avLst/>
@@ -5819,7 +7498,7 @@
       </p:pic>
       <p:pic>
         <p:nvPicPr>
-          <p:cNvPr id="122" name="" descr=""/>
+          <p:cNvPr id="164" name="Imagen 8" descr=""/>
           <p:cNvPicPr/>
           <p:nvPr/>
         </p:nvPicPr>
@@ -5829,8 +7508,54 @@
         </p:blipFill>
         <p:spPr>
           <a:xfrm>
+            <a:off x="5433120" y="3071160"/>
+            <a:ext cx="673560" cy="673560"/>
+          </a:xfrm>
+          <a:prstGeom prst="rect">
+            <a:avLst/>
+          </a:prstGeom>
+          <a:ln w="0">
+            <a:noFill/>
+          </a:ln>
+        </p:spPr>
+      </p:pic>
+      <p:pic>
+        <p:nvPicPr>
+          <p:cNvPr id="165" name="Imagen 9" descr=""/>
+          <p:cNvPicPr/>
+          <p:nvPr/>
+        </p:nvPicPr>
+        <p:blipFill>
+          <a:blip r:embed="rId3"/>
+          <a:stretch/>
+        </p:blipFill>
+        <p:spPr>
+          <a:xfrm>
+            <a:off x="3944520" y="3643200"/>
+            <a:ext cx="1024560" cy="874800"/>
+          </a:xfrm>
+          <a:prstGeom prst="rect">
+            <a:avLst/>
+          </a:prstGeom>
+          <a:ln w="0">
+            <a:noFill/>
+          </a:ln>
+        </p:spPr>
+      </p:pic>
+      <p:pic>
+        <p:nvPicPr>
+          <p:cNvPr id="166" name="" descr=""/>
+          <p:cNvPicPr/>
+          <p:nvPr/>
+        </p:nvPicPr>
+        <p:blipFill>
+          <a:blip r:embed="rId4"/>
+          <a:stretch/>
+        </p:blipFill>
+        <p:spPr>
+          <a:xfrm>
             <a:off x="9312120" y="0"/>
-            <a:ext cx="2880360" cy="1440000"/>
+            <a:ext cx="2880000" cy="1439640"/>
           </a:xfrm>
           <a:prstGeom prst="rect">
             <a:avLst/>
@@ -5872,14 +7597,14 @@
       </p:grpSpPr>
       <p:sp>
         <p:nvSpPr>
-          <p:cNvPr id="123" name="TextShape 1"/>
-          <p:cNvSpPr txBox="1"/>
+          <p:cNvPr id="167" name="CustomShape 1"/>
+          <p:cNvSpPr/>
           <p:nvPr/>
         </p:nvSpPr>
         <p:spPr>
           <a:xfrm>
             <a:off x="1501560" y="1440000"/>
-            <a:ext cx="10018440" cy="507960"/>
+            <a:ext cx="10018080" cy="507600"/>
           </a:xfrm>
           <a:prstGeom prst="rect">
             <a:avLst/>
@@ -5889,12 +7614,22 @@
             <a:noFill/>
           </a:ln>
         </p:spPr>
+        <p:style>
+          <a:lnRef idx="0"/>
+          <a:fillRef idx="0"/>
+          <a:effectRef idx="0"/>
+          <a:fontRef idx="minor"/>
+        </p:style>
         <p:txBody>
           <a:bodyPr lIns="0" rIns="0" tIns="0" bIns="0">
             <a:noAutofit/>
           </a:bodyPr>
           <a:p>
-            <a:pPr algn="ctr"/>
+            <a:pPr algn="ctr">
+              <a:lnSpc>
+                <a:spcPct val="100000"/>
+              </a:lnSpc>
+            </a:pPr>
             <a:r>
               <a:rPr b="0" lang="es-ES" sz="4000" spc="-1" strike="noStrike">
                 <a:solidFill>
@@ -5902,21 +7637,17 @@
                 </a:solidFill>
                 <a:latin typeface="Corbel"/>
               </a:rPr>
-              <a:t>FLUJO DE LOS DATOS</a:t>
+              <a:t>ORIGEN DE LA INFORMACIÓN</a:t>
             </a:r>
             <a:endParaRPr b="0" lang="es-ES" sz="4000" spc="-1" strike="noStrike">
-              <a:solidFill>
-                <a:srgbClr val="000000"/>
-              </a:solidFill>
-              <a:latin typeface="Corbel"/>
-              <a:ea typeface="Microsoft YaHei"/>
+              <a:latin typeface="Arial"/>
             </a:endParaRPr>
           </a:p>
         </p:txBody>
       </p:sp>
       <p:pic>
         <p:nvPicPr>
-          <p:cNvPr id="124" name="" descr=""/>
+          <p:cNvPr id="168" name="" descr=""/>
           <p:cNvPicPr/>
           <p:nvPr/>
         </p:nvPicPr>
@@ -5927,7 +7658,7 @@
         <p:spPr>
           <a:xfrm>
             <a:off x="3104280" y="2160000"/>
-            <a:ext cx="7335720" cy="3240000"/>
+            <a:ext cx="7335360" cy="3239640"/>
           </a:xfrm>
           <a:prstGeom prst="rect">
             <a:avLst/>
@@ -5939,7 +7670,7 @@
       </p:pic>
       <p:pic>
         <p:nvPicPr>
-          <p:cNvPr id="125" name="" descr=""/>
+          <p:cNvPr id="169" name="" descr=""/>
           <p:cNvPicPr/>
           <p:nvPr/>
         </p:nvPicPr>
@@ -5950,7 +7681,7 @@
         <p:spPr>
           <a:xfrm>
             <a:off x="9312120" y="0"/>
-            <a:ext cx="2880360" cy="1440000"/>
+            <a:ext cx="2880000" cy="1439640"/>
           </a:xfrm>
           <a:prstGeom prst="rect">
             <a:avLst/>
@@ -5992,14 +7723,14 @@
       </p:grpSpPr>
       <p:sp>
         <p:nvSpPr>
-          <p:cNvPr id="126" name="TextShape 1"/>
-          <p:cNvSpPr txBox="1"/>
+          <p:cNvPr id="170" name="CustomShape 1"/>
+          <p:cNvSpPr/>
           <p:nvPr/>
         </p:nvSpPr>
         <p:spPr>
           <a:xfrm>
-            <a:off x="1681560" y="900000"/>
-            <a:ext cx="10018440" cy="1260000"/>
+            <a:off x="1501560" y="1440000"/>
+            <a:ext cx="10018080" cy="507600"/>
           </a:xfrm>
           <a:prstGeom prst="rect">
             <a:avLst/>
@@ -6009,8 +7740,14 @@
             <a:noFill/>
           </a:ln>
         </p:spPr>
-        <p:txBody>
-          <a:bodyPr anchor="ctr">
+        <p:style>
+          <a:lnRef idx="0"/>
+          <a:fillRef idx="0"/>
+          <a:effectRef idx="0"/>
+          <a:fontRef idx="minor"/>
+        </p:style>
+        <p:txBody>
+          <a:bodyPr lIns="0" rIns="0" tIns="0" bIns="0">
             <a:noAutofit/>
           </a:bodyPr>
           <a:p>
@@ -6026,20 +7763,17 @@
                 </a:solidFill>
                 <a:latin typeface="Corbel"/>
               </a:rPr>
-              <a:t>MODELOS DE DATOS</a:t>
+              <a:t>FLUJO DE LOS DATOS</a:t>
             </a:r>
             <a:endParaRPr b="0" lang="es-ES" sz="4000" spc="-1" strike="noStrike">
-              <a:solidFill>
-                <a:srgbClr val="000000"/>
-              </a:solidFill>
-              <a:latin typeface="Corbel"/>
+              <a:latin typeface="Arial"/>
             </a:endParaRPr>
           </a:p>
         </p:txBody>
       </p:sp>
       <p:pic>
         <p:nvPicPr>
-          <p:cNvPr id="127" name="" descr=""/>
+          <p:cNvPr id="171" name="" descr=""/>
           <p:cNvPicPr/>
           <p:nvPr/>
         </p:nvPicPr>
@@ -6049,8 +7783,8 @@
         </p:blipFill>
         <p:spPr>
           <a:xfrm>
-            <a:off x="1980000" y="2340000"/>
-            <a:ext cx="9702720" cy="3798720"/>
+            <a:off x="9312120" y="0"/>
+            <a:ext cx="2880000" cy="1439640"/>
           </a:xfrm>
           <a:prstGeom prst="rect">
             <a:avLst/>
@@ -6062,7 +7796,7 @@
       </p:pic>
       <p:pic>
         <p:nvPicPr>
-          <p:cNvPr id="128" name="" descr=""/>
+          <p:cNvPr id="172" name="" descr=""/>
           <p:cNvPicPr/>
           <p:nvPr/>
         </p:nvPicPr>
@@ -6072,8 +7806,8 @@
         </p:blipFill>
         <p:spPr>
           <a:xfrm>
-            <a:off x="9312480" y="0"/>
-            <a:ext cx="2880360" cy="1440000"/>
+            <a:off x="1980360" y="2340360"/>
+            <a:ext cx="9702360" cy="3798360"/>
           </a:xfrm>
           <a:prstGeom prst="rect">
             <a:avLst/>
@@ -6115,14 +7849,14 @@
       </p:grpSpPr>
       <p:sp>
         <p:nvSpPr>
-          <p:cNvPr id="129" name="TextShape 1"/>
-          <p:cNvSpPr txBox="1"/>
+          <p:cNvPr id="173" name="CustomShape 1"/>
+          <p:cNvSpPr/>
           <p:nvPr/>
         </p:nvSpPr>
         <p:spPr>
           <a:xfrm>
             <a:off x="2928240" y="1380240"/>
-            <a:ext cx="8574120" cy="2615760"/>
+            <a:ext cx="8573760" cy="2615400"/>
           </a:xfrm>
           <a:prstGeom prst="rect">
             <a:avLst/>
@@ -6132,8 +7866,14 @@
             <a:noFill/>
           </a:ln>
         </p:spPr>
-        <p:txBody>
-          <a:bodyPr anchor="b">
+        <p:style>
+          <a:lnRef idx="0"/>
+          <a:fillRef idx="0"/>
+          <a:effectRef idx="0"/>
+          <a:fontRef idx="minor"/>
+        </p:style>
+        <p:txBody>
+          <a:bodyPr lIns="90000" rIns="90000" tIns="45000" bIns="45000" anchor="b">
             <a:noAutofit/>
           </a:bodyPr>
           <a:p>
@@ -6152,17 +7892,14 @@
               <a:t>MUCHAS GRACIAS POR VUESTRA ATENCION.</a:t>
             </a:r>
             <a:endParaRPr b="0" lang="es-ES" sz="6000" spc="-1" strike="noStrike">
-              <a:solidFill>
-                <a:srgbClr val="000000"/>
-              </a:solidFill>
-              <a:latin typeface="Corbel"/>
+              <a:latin typeface="Arial"/>
             </a:endParaRPr>
           </a:p>
         </p:txBody>
       </p:sp>
       <p:pic>
         <p:nvPicPr>
-          <p:cNvPr id="130" name="" descr=""/>
+          <p:cNvPr id="174" name="" descr=""/>
           <p:cNvPicPr/>
           <p:nvPr/>
         </p:nvPicPr>
@@ -6173,7 +7910,7 @@
         <p:spPr>
           <a:xfrm>
             <a:off x="9312480" y="0"/>
-            <a:ext cx="2880360" cy="1440000"/>
+            <a:ext cx="2880000" cy="1439640"/>
           </a:xfrm>
           <a:prstGeom prst="rect">
             <a:avLst/>
@@ -6646,4 +8383,230 @@
     </a:fmtScheme>
   </a:themeElements>
 </a:theme>
+</file>
+
+<file path=ppt/theme/theme3.xml><?xml version="1.0" encoding="utf-8"?>
+<a:theme xmlns:a="http://schemas.openxmlformats.org/drawingml/2006/main" name="Office Theme">
+  <a:themeElements>
+    <a:clrScheme name="Office">
+      <a:dk1>
+        <a:sysClr val="windowText" lastClr="000000"/>
+      </a:dk1>
+      <a:lt1>
+        <a:sysClr val="window" lastClr="FFFFFF"/>
+      </a:lt1>
+      <a:dk2>
+        <a:srgbClr val="212121"/>
+      </a:dk2>
+      <a:lt2>
+        <a:srgbClr val="cdd0d1"/>
+      </a:lt2>
+      <a:accent1>
+        <a:srgbClr val="30acec"/>
+      </a:accent1>
+      <a:accent2>
+        <a:srgbClr val="80c34f"/>
+      </a:accent2>
+      <a:accent3>
+        <a:srgbClr val="e29d3e"/>
+      </a:accent3>
+      <a:accent4>
+        <a:srgbClr val="d64a3b"/>
+      </a:accent4>
+      <a:accent5>
+        <a:srgbClr val="d64787"/>
+      </a:accent5>
+      <a:accent6>
+        <a:srgbClr val="a666e1"/>
+      </a:accent6>
+      <a:hlink>
+        <a:srgbClr val="3085ed"/>
+      </a:hlink>
+      <a:folHlink>
+        <a:srgbClr val="82b6f4"/>
+      </a:folHlink>
+    </a:clrScheme>
+    <a:fontScheme name="Office">
+      <a:majorFont>
+        <a:latin typeface="Arial"/>
+        <a:ea typeface="DejaVu Sans"/>
+        <a:cs typeface="DejaVu Sans"/>
+      </a:majorFont>
+      <a:minorFont>
+        <a:latin typeface="Arial"/>
+        <a:ea typeface="DejaVu Sans"/>
+        <a:cs typeface="DejaVu Sans"/>
+      </a:minorFont>
+    </a:fontScheme>
+    <a:fmtScheme name="Office">
+      <a:fillStyleLst>
+        <a:solidFill>
+          <a:schemeClr val="phClr"/>
+        </a:solidFill>
+        <a:gradFill rotWithShape="1">
+          <a:gsLst>
+            <a:gs pos="0">
+              <a:schemeClr val="phClr">
+                <a:tint val="50000"/>
+                <a:satMod val="300000"/>
+              </a:schemeClr>
+            </a:gs>
+            <a:gs pos="35000">
+              <a:schemeClr val="phClr">
+                <a:tint val="37000"/>
+                <a:satMod val="300000"/>
+              </a:schemeClr>
+            </a:gs>
+            <a:gs pos="100000">
+              <a:schemeClr val="phClr">
+                <a:tint val="15000"/>
+                <a:satMod val="350000"/>
+              </a:schemeClr>
+            </a:gs>
+          </a:gsLst>
+          <a:lin ang="16200000" scaled="1"/>
+        </a:gradFill>
+        <a:gradFill rotWithShape="1">
+          <a:gsLst>
+            <a:gs pos="0">
+              <a:schemeClr val="phClr">
+                <a:shade val="51000"/>
+                <a:satMod val="130000"/>
+              </a:schemeClr>
+            </a:gs>
+            <a:gs pos="80000">
+              <a:schemeClr val="phClr">
+                <a:shade val="93000"/>
+                <a:satMod val="130000"/>
+              </a:schemeClr>
+            </a:gs>
+            <a:gs pos="100000">
+              <a:schemeClr val="phClr">
+                <a:shade val="94000"/>
+                <a:satMod val="135000"/>
+              </a:schemeClr>
+            </a:gs>
+          </a:gsLst>
+          <a:lin ang="16200000" scaled="0"/>
+        </a:gradFill>
+      </a:fillStyleLst>
+      <a:lnStyleLst>
+        <a:ln w="9525" cap="flat" cmpd="sng" algn="ctr">
+          <a:solidFill>
+            <a:schemeClr val="phClr">
+              <a:shade val="95000"/>
+              <a:satMod val="105000"/>
+            </a:schemeClr>
+          </a:solidFill>
+          <a:prstDash val="solid"/>
+          <a:miter/>
+        </a:ln>
+        <a:ln w="25400" cap="flat" cmpd="sng" algn="ctr">
+          <a:solidFill>
+            <a:schemeClr val="phClr"/>
+          </a:solidFill>
+          <a:prstDash val="solid"/>
+          <a:miter/>
+        </a:ln>
+        <a:ln w="38100" cap="flat" cmpd="sng" algn="ctr">
+          <a:solidFill>
+            <a:schemeClr val="phClr"/>
+          </a:solidFill>
+          <a:prstDash val="solid"/>
+          <a:miter/>
+        </a:ln>
+      </a:lnStyleLst>
+      <a:effectStyleLst>
+        <a:effectStyle>
+          <a:effectLst>
+            <a:outerShdw blurRad="40000" dist="20000" dir="5400000" rotWithShape="0">
+              <a:srgbClr val="000000">
+                <a:alpha val="38000"/>
+              </a:srgbClr>
+            </a:outerShdw>
+          </a:effectLst>
+        </a:effectStyle>
+        <a:effectStyle>
+          <a:effectLst>
+            <a:outerShdw blurRad="40000" dist="23000" dir="5400000" rotWithShape="0">
+              <a:srgbClr val="000000">
+                <a:alpha val="35000"/>
+              </a:srgbClr>
+            </a:outerShdw>
+          </a:effectLst>
+        </a:effectStyle>
+        <a:effectStyle>
+          <a:effectLst>
+            <a:outerShdw blurRad="40000" dist="23000" dir="5400000" rotWithShape="0">
+              <a:srgbClr val="000000">
+                <a:alpha val="35000"/>
+              </a:srgbClr>
+            </a:outerShdw>
+          </a:effectLst>
+          <a:scene3d>
+            <a:camera prst="orthographicFront">
+              <a:rot lat="0" lon="0" rev="0"/>
+            </a:camera>
+            <a:lightRig rig="threePt" dir="t">
+              <a:rot lat="0" lon="0" rev="1200000"/>
+            </a:lightRig>
+          </a:scene3d>
+          <a:sp3d>
+            <a:bevelT w="63500" h="25400"/>
+          </a:sp3d>
+        </a:effectStyle>
+      </a:effectStyleLst>
+      <a:bgFillStyleLst>
+        <a:solidFill>
+          <a:schemeClr val="phClr"/>
+        </a:solidFill>
+        <a:gradFill rotWithShape="1">
+          <a:gsLst>
+            <a:gs pos="0">
+              <a:schemeClr val="phClr">
+                <a:tint val="40000"/>
+                <a:satMod val="350000"/>
+              </a:schemeClr>
+            </a:gs>
+            <a:gs pos="40000">
+              <a:schemeClr val="phClr">
+                <a:tint val="45000"/>
+                <a:shade val="99000"/>
+                <a:satMod val="350000"/>
+              </a:schemeClr>
+            </a:gs>
+            <a:gs pos="100000">
+              <a:schemeClr val="phClr">
+                <a:shade val="20000"/>
+                <a:satMod val="255000"/>
+              </a:schemeClr>
+            </a:gs>
+          </a:gsLst>
+          <a:path path="circle">
+            <a:fillToRect l="50000" t="-80000" r="50000" b="180000"/>
+          </a:path>
+        </a:gradFill>
+        <a:gradFill rotWithShape="1">
+          <a:gsLst>
+            <a:gs pos="0">
+              <a:schemeClr val="phClr">
+                <a:tint val="80000"/>
+                <a:satMod val="300000"/>
+              </a:schemeClr>
+            </a:gs>
+            <a:gs pos="100000">
+              <a:schemeClr val="phClr">
+                <a:shade val="30000"/>
+                <a:satMod val="200000"/>
+              </a:schemeClr>
+            </a:gs>
+          </a:gsLst>
+          <a:path path="circle">
+            <a:fillToRect l="50000" t="50000" r="50000" b="50000"/>
+          </a:path>
+        </a:gradFill>
+      </a:bgFillStyleLst>
+    </a:fmtScheme>
+  </a:themeElements>
+</a:theme>
 </file>